--- a/ER Diagram.pptx
+++ b/ER Diagram.pptx
@@ -6,6 +6,9 @@
   </p:sldMasterIdLst>
   <p:sldIdLst>
     <p:sldId id="256" r:id="rId2"/>
+    <p:sldId id="257" r:id="rId3"/>
+    <p:sldId id="258" r:id="rId4"/>
+    <p:sldId id="259" r:id="rId5"/>
   </p:sldIdLst>
   <p:sldSz cx="9144000" cy="6858000" type="screen4x3"/>
   <p:notesSz cx="6858000" cy="9144000"/>
@@ -3052,21 +3055,3904 @@
       </p:grpSpPr>
       <p:grpSp>
         <p:nvGrpSpPr>
-          <p:cNvPr id="6" name="Group 5"/>
+          <p:cNvPr id="321" name="Group 320"/>
           <p:cNvGrpSpPr/>
           <p:nvPr/>
         </p:nvGrpSpPr>
         <p:grpSpPr>
           <a:xfrm>
-            <a:off x="1397001" y="426166"/>
-            <a:ext cx="1598083" cy="687917"/>
-            <a:chOff x="3164417" y="772583"/>
-            <a:chExt cx="1598083" cy="687917"/>
+            <a:off x="431423" y="963452"/>
+            <a:ext cx="8627560" cy="4682597"/>
+            <a:chOff x="431423" y="963452"/>
+            <a:chExt cx="8627560" cy="4682597"/>
+          </a:xfrm>
+        </p:grpSpPr>
+        <p:grpSp>
+          <p:nvGrpSpPr>
+            <p:cNvPr id="8" name="Group 7"/>
+            <p:cNvGrpSpPr/>
+            <p:nvPr/>
+          </p:nvGrpSpPr>
+          <p:grpSpPr>
+            <a:xfrm>
+              <a:off x="2336637" y="963452"/>
+              <a:ext cx="4741080" cy="1105553"/>
+              <a:chOff x="2176529" y="1407239"/>
+              <a:chExt cx="4741080" cy="1105553"/>
+            </a:xfrm>
+          </p:grpSpPr>
+          <p:grpSp>
+            <p:nvGrpSpPr>
+              <p:cNvPr id="6" name="Group 5"/>
+              <p:cNvGrpSpPr/>
+              <p:nvPr/>
+            </p:nvGrpSpPr>
+            <p:grpSpPr>
+              <a:xfrm>
+                <a:off x="3501968" y="1787487"/>
+                <a:ext cx="1598083" cy="687917"/>
+                <a:chOff x="3164417" y="772583"/>
+                <a:chExt cx="1598083" cy="687917"/>
+              </a:xfrm>
+            </p:grpSpPr>
+            <p:sp>
+              <p:nvSpPr>
+                <p:cNvPr id="4" name="Rectangle 3"/>
+                <p:cNvSpPr/>
+                <p:nvPr/>
+              </p:nvSpPr>
+              <p:spPr>
+                <a:xfrm>
+                  <a:off x="3164417" y="772583"/>
+                  <a:ext cx="1598083" cy="687917"/>
+                </a:xfrm>
+                <a:prstGeom prst="rect">
+                  <a:avLst/>
+                </a:prstGeom>
+                <a:noFill/>
+                <a:ln>
+                  <a:solidFill>
+                    <a:schemeClr val="tx1"/>
+                  </a:solidFill>
+                </a:ln>
+              </p:spPr>
+              <p:style>
+                <a:lnRef idx="1">
+                  <a:schemeClr val="accent1"/>
+                </a:lnRef>
+                <a:fillRef idx="3">
+                  <a:schemeClr val="accent1"/>
+                </a:fillRef>
+                <a:effectRef idx="2">
+                  <a:schemeClr val="accent1"/>
+                </a:effectRef>
+                <a:fontRef idx="minor">
+                  <a:schemeClr val="lt1"/>
+                </a:fontRef>
+              </p:style>
+              <p:txBody>
+                <a:bodyPr rtlCol="0" anchor="ctr"/>
+                <a:lstStyle/>
+                <a:p>
+                  <a:pPr algn="ctr"/>
+                  <a:endParaRPr lang="en-US"/>
+                </a:p>
+              </p:txBody>
+            </p:sp>
+            <p:sp>
+              <p:nvSpPr>
+                <p:cNvPr id="5" name="TextBox 4"/>
+                <p:cNvSpPr txBox="1"/>
+                <p:nvPr/>
+              </p:nvSpPr>
+              <p:spPr>
+                <a:xfrm>
+                  <a:off x="3302000" y="920751"/>
+                  <a:ext cx="1338941" cy="369332"/>
+                </a:xfrm>
+                <a:prstGeom prst="rect">
+                  <a:avLst/>
+                </a:prstGeom>
+                <a:noFill/>
+              </p:spPr>
+              <p:txBody>
+                <a:bodyPr wrap="none" rtlCol="0">
+                  <a:spAutoFit/>
+                </a:bodyPr>
+                <a:lstStyle/>
+                <a:p>
+                  <a:r>
+                    <a:rPr lang="en-US"/>
+                    <a:t>useraccount</a:t>
+                  </a:r>
+                </a:p>
+              </p:txBody>
+            </p:sp>
+          </p:grpSp>
+          <p:grpSp>
+            <p:nvGrpSpPr>
+              <p:cNvPr id="21" name="Group 20"/>
+              <p:cNvGrpSpPr/>
+              <p:nvPr/>
+            </p:nvGrpSpPr>
+            <p:grpSpPr>
+              <a:xfrm>
+                <a:off x="3039434" y="1787487"/>
+                <a:ext cx="462534" cy="131798"/>
+                <a:chOff x="934467" y="508435"/>
+                <a:chExt cx="462534" cy="131798"/>
+              </a:xfrm>
+            </p:grpSpPr>
+            <p:cxnSp>
+              <p:nvCxnSpPr>
+                <p:cNvPr id="14" name="Straight Connector 13"/>
+                <p:cNvCxnSpPr/>
+                <p:nvPr/>
+              </p:nvCxnSpPr>
+              <p:spPr>
+                <a:xfrm>
+                  <a:off x="1066251" y="574334"/>
+                  <a:ext cx="330750" cy="0"/>
+                </a:xfrm>
+                <a:prstGeom prst="line">
+                  <a:avLst/>
+                </a:prstGeom>
+                <a:ln w="12700">
+                  <a:solidFill>
+                    <a:schemeClr val="tx1"/>
+                  </a:solidFill>
+                </a:ln>
+                <a:effectLst>
+                  <a:outerShdw blurRad="40000" dist="20000" dir="5400000" rotWithShape="0">
+                    <a:schemeClr val="bg1">
+                      <a:alpha val="38000"/>
+                    </a:schemeClr>
+                  </a:outerShdw>
+                </a:effectLst>
+              </p:spPr>
+              <p:style>
+                <a:lnRef idx="2">
+                  <a:schemeClr val="accent1"/>
+                </a:lnRef>
+                <a:fillRef idx="0">
+                  <a:schemeClr val="accent1"/>
+                </a:fillRef>
+                <a:effectRef idx="1">
+                  <a:schemeClr val="accent1"/>
+                </a:effectRef>
+                <a:fontRef idx="minor">
+                  <a:schemeClr val="tx1"/>
+                </a:fontRef>
+              </p:style>
+            </p:cxnSp>
+            <p:sp>
+              <p:nvSpPr>
+                <p:cNvPr id="20" name="Oval 19"/>
+                <p:cNvSpPr/>
+                <p:nvPr/>
+              </p:nvSpPr>
+              <p:spPr>
+                <a:xfrm>
+                  <a:off x="934467" y="508435"/>
+                  <a:ext cx="131784" cy="131798"/>
+                </a:xfrm>
+                <a:prstGeom prst="ellipse">
+                  <a:avLst/>
+                </a:prstGeom>
+                <a:solidFill>
+                  <a:srgbClr val="FFFFFF"/>
+                </a:solidFill>
+                <a:ln>
+                  <a:solidFill>
+                    <a:srgbClr val="000000"/>
+                  </a:solidFill>
+                </a:ln>
+              </p:spPr>
+              <p:style>
+                <a:lnRef idx="1">
+                  <a:schemeClr val="accent1"/>
+                </a:lnRef>
+                <a:fillRef idx="3">
+                  <a:schemeClr val="accent1"/>
+                </a:fillRef>
+                <a:effectRef idx="2">
+                  <a:schemeClr val="accent1"/>
+                </a:effectRef>
+                <a:fontRef idx="minor">
+                  <a:schemeClr val="lt1"/>
+                </a:fontRef>
+              </p:style>
+              <p:txBody>
+                <a:bodyPr rtlCol="0" anchor="ctr"/>
+                <a:lstStyle/>
+                <a:p>
+                  <a:pPr algn="ctr"/>
+                  <a:endParaRPr lang="en-US"/>
+                </a:p>
+              </p:txBody>
+            </p:sp>
+          </p:grpSp>
+          <p:grpSp>
+            <p:nvGrpSpPr>
+              <p:cNvPr id="22" name="Group 21"/>
+              <p:cNvGrpSpPr/>
+              <p:nvPr/>
+            </p:nvGrpSpPr>
+            <p:grpSpPr>
+              <a:xfrm>
+                <a:off x="3035455" y="1960730"/>
+                <a:ext cx="462534" cy="131798"/>
+                <a:chOff x="934467" y="508435"/>
+                <a:chExt cx="462534" cy="131798"/>
+              </a:xfrm>
+            </p:grpSpPr>
+            <p:cxnSp>
+              <p:nvCxnSpPr>
+                <p:cNvPr id="23" name="Straight Connector 22"/>
+                <p:cNvCxnSpPr/>
+                <p:nvPr/>
+              </p:nvCxnSpPr>
+              <p:spPr>
+                <a:xfrm>
+                  <a:off x="1066251" y="574334"/>
+                  <a:ext cx="330750" cy="0"/>
+                </a:xfrm>
+                <a:prstGeom prst="line">
+                  <a:avLst/>
+                </a:prstGeom>
+                <a:ln w="12700">
+                  <a:solidFill>
+                    <a:schemeClr val="tx1"/>
+                  </a:solidFill>
+                </a:ln>
+                <a:effectLst>
+                  <a:outerShdw blurRad="40000" dist="20000" dir="5400000" rotWithShape="0">
+                    <a:schemeClr val="bg1">
+                      <a:alpha val="38000"/>
+                    </a:schemeClr>
+                  </a:outerShdw>
+                </a:effectLst>
+              </p:spPr>
+              <p:style>
+                <a:lnRef idx="2">
+                  <a:schemeClr val="accent1"/>
+                </a:lnRef>
+                <a:fillRef idx="0">
+                  <a:schemeClr val="accent1"/>
+                </a:fillRef>
+                <a:effectRef idx="1">
+                  <a:schemeClr val="accent1"/>
+                </a:effectRef>
+                <a:fontRef idx="minor">
+                  <a:schemeClr val="tx1"/>
+                </a:fontRef>
+              </p:style>
+            </p:cxnSp>
+            <p:sp>
+              <p:nvSpPr>
+                <p:cNvPr id="24" name="Oval 23"/>
+                <p:cNvSpPr/>
+                <p:nvPr/>
+              </p:nvSpPr>
+              <p:spPr>
+                <a:xfrm>
+                  <a:off x="934467" y="508435"/>
+                  <a:ext cx="131784" cy="131798"/>
+                </a:xfrm>
+                <a:prstGeom prst="ellipse">
+                  <a:avLst/>
+                </a:prstGeom>
+                <a:solidFill>
+                  <a:srgbClr val="FFFFFF"/>
+                </a:solidFill>
+                <a:ln>
+                  <a:solidFill>
+                    <a:srgbClr val="000000"/>
+                  </a:solidFill>
+                </a:ln>
+              </p:spPr>
+              <p:style>
+                <a:lnRef idx="1">
+                  <a:schemeClr val="accent1"/>
+                </a:lnRef>
+                <a:fillRef idx="3">
+                  <a:schemeClr val="accent1"/>
+                </a:fillRef>
+                <a:effectRef idx="2">
+                  <a:schemeClr val="accent1"/>
+                </a:effectRef>
+                <a:fontRef idx="minor">
+                  <a:schemeClr val="lt1"/>
+                </a:fontRef>
+              </p:style>
+              <p:txBody>
+                <a:bodyPr rtlCol="0" anchor="ctr"/>
+                <a:lstStyle/>
+                <a:p>
+                  <a:pPr algn="ctr"/>
+                  <a:endParaRPr lang="en-US"/>
+                </a:p>
+              </p:txBody>
+            </p:sp>
+          </p:grpSp>
+          <p:grpSp>
+            <p:nvGrpSpPr>
+              <p:cNvPr id="25" name="Group 24"/>
+              <p:cNvGrpSpPr/>
+              <p:nvPr/>
+            </p:nvGrpSpPr>
+            <p:grpSpPr>
+              <a:xfrm>
+                <a:off x="3039434" y="2137093"/>
+                <a:ext cx="462534" cy="131798"/>
+                <a:chOff x="934467" y="508435"/>
+                <a:chExt cx="462534" cy="131798"/>
+              </a:xfrm>
+            </p:grpSpPr>
+            <p:cxnSp>
+              <p:nvCxnSpPr>
+                <p:cNvPr id="26" name="Straight Connector 25"/>
+                <p:cNvCxnSpPr/>
+                <p:nvPr/>
+              </p:nvCxnSpPr>
+              <p:spPr>
+                <a:xfrm>
+                  <a:off x="1066251" y="574334"/>
+                  <a:ext cx="330750" cy="0"/>
+                </a:xfrm>
+                <a:prstGeom prst="line">
+                  <a:avLst/>
+                </a:prstGeom>
+                <a:ln w="12700">
+                  <a:solidFill>
+                    <a:schemeClr val="tx1"/>
+                  </a:solidFill>
+                </a:ln>
+                <a:effectLst>
+                  <a:outerShdw blurRad="40000" dist="20000" dir="5400000" rotWithShape="0">
+                    <a:schemeClr val="bg1">
+                      <a:alpha val="38000"/>
+                    </a:schemeClr>
+                  </a:outerShdw>
+                </a:effectLst>
+              </p:spPr>
+              <p:style>
+                <a:lnRef idx="2">
+                  <a:schemeClr val="accent1"/>
+                </a:lnRef>
+                <a:fillRef idx="0">
+                  <a:schemeClr val="accent1"/>
+                </a:fillRef>
+                <a:effectRef idx="1">
+                  <a:schemeClr val="accent1"/>
+                </a:effectRef>
+                <a:fontRef idx="minor">
+                  <a:schemeClr val="tx1"/>
+                </a:fontRef>
+              </p:style>
+            </p:cxnSp>
+            <p:sp>
+              <p:nvSpPr>
+                <p:cNvPr id="27" name="Oval 26"/>
+                <p:cNvSpPr/>
+                <p:nvPr/>
+              </p:nvSpPr>
+              <p:spPr>
+                <a:xfrm>
+                  <a:off x="934467" y="508435"/>
+                  <a:ext cx="131784" cy="131798"/>
+                </a:xfrm>
+                <a:prstGeom prst="ellipse">
+                  <a:avLst/>
+                </a:prstGeom>
+                <a:solidFill>
+                  <a:srgbClr val="FFFFFF"/>
+                </a:solidFill>
+                <a:ln>
+                  <a:solidFill>
+                    <a:srgbClr val="000000"/>
+                  </a:solidFill>
+                </a:ln>
+              </p:spPr>
+              <p:style>
+                <a:lnRef idx="1">
+                  <a:schemeClr val="accent1"/>
+                </a:lnRef>
+                <a:fillRef idx="3">
+                  <a:schemeClr val="accent1"/>
+                </a:fillRef>
+                <a:effectRef idx="2">
+                  <a:schemeClr val="accent1"/>
+                </a:effectRef>
+                <a:fontRef idx="minor">
+                  <a:schemeClr val="lt1"/>
+                </a:fontRef>
+              </p:style>
+              <p:txBody>
+                <a:bodyPr rtlCol="0" anchor="ctr"/>
+                <a:lstStyle/>
+                <a:p>
+                  <a:pPr algn="ctr"/>
+                  <a:endParaRPr lang="en-US"/>
+                </a:p>
+              </p:txBody>
+            </p:sp>
+          </p:grpSp>
+          <p:grpSp>
+            <p:nvGrpSpPr>
+              <p:cNvPr id="31" name="Group 30"/>
+              <p:cNvGrpSpPr/>
+              <p:nvPr/>
+            </p:nvGrpSpPr>
+            <p:grpSpPr>
+              <a:xfrm>
+                <a:off x="3035455" y="2304987"/>
+                <a:ext cx="462534" cy="131798"/>
+                <a:chOff x="934467" y="508435"/>
+                <a:chExt cx="462534" cy="131798"/>
+              </a:xfrm>
+            </p:grpSpPr>
+            <p:cxnSp>
+              <p:nvCxnSpPr>
+                <p:cNvPr id="32" name="Straight Connector 31"/>
+                <p:cNvCxnSpPr/>
+                <p:nvPr/>
+              </p:nvCxnSpPr>
+              <p:spPr>
+                <a:xfrm>
+                  <a:off x="1066251" y="574334"/>
+                  <a:ext cx="330750" cy="0"/>
+                </a:xfrm>
+                <a:prstGeom prst="line">
+                  <a:avLst/>
+                </a:prstGeom>
+                <a:ln w="12700">
+                  <a:solidFill>
+                    <a:schemeClr val="tx1"/>
+                  </a:solidFill>
+                </a:ln>
+                <a:effectLst>
+                  <a:outerShdw blurRad="40000" dist="20000" dir="5400000" rotWithShape="0">
+                    <a:schemeClr val="bg1">
+                      <a:alpha val="38000"/>
+                    </a:schemeClr>
+                  </a:outerShdw>
+                </a:effectLst>
+              </p:spPr>
+              <p:style>
+                <a:lnRef idx="2">
+                  <a:schemeClr val="accent1"/>
+                </a:lnRef>
+                <a:fillRef idx="0">
+                  <a:schemeClr val="accent1"/>
+                </a:fillRef>
+                <a:effectRef idx="1">
+                  <a:schemeClr val="accent1"/>
+                </a:effectRef>
+                <a:fontRef idx="minor">
+                  <a:schemeClr val="tx1"/>
+                </a:fontRef>
+              </p:style>
+            </p:cxnSp>
+            <p:sp>
+              <p:nvSpPr>
+                <p:cNvPr id="33" name="Oval 32"/>
+                <p:cNvSpPr/>
+                <p:nvPr/>
+              </p:nvSpPr>
+              <p:spPr>
+                <a:xfrm>
+                  <a:off x="934467" y="508435"/>
+                  <a:ext cx="131784" cy="131798"/>
+                </a:xfrm>
+                <a:prstGeom prst="ellipse">
+                  <a:avLst/>
+                </a:prstGeom>
+                <a:solidFill>
+                  <a:schemeClr val="tx1"/>
+                </a:solidFill>
+                <a:ln>
+                  <a:solidFill>
+                    <a:srgbClr val="000000"/>
+                  </a:solidFill>
+                </a:ln>
+              </p:spPr>
+              <p:style>
+                <a:lnRef idx="1">
+                  <a:schemeClr val="accent1"/>
+                </a:lnRef>
+                <a:fillRef idx="3">
+                  <a:schemeClr val="accent1"/>
+                </a:fillRef>
+                <a:effectRef idx="2">
+                  <a:schemeClr val="accent1"/>
+                </a:effectRef>
+                <a:fontRef idx="minor">
+                  <a:schemeClr val="lt1"/>
+                </a:fontRef>
+              </p:style>
+              <p:txBody>
+                <a:bodyPr rtlCol="0" anchor="ctr"/>
+                <a:lstStyle/>
+                <a:p>
+                  <a:pPr algn="ctr"/>
+                  <a:endParaRPr lang="en-US"/>
+                </a:p>
+              </p:txBody>
+            </p:sp>
+          </p:grpSp>
+          <p:sp>
+            <p:nvSpPr>
+              <p:cNvPr id="34" name="TextBox 33"/>
+              <p:cNvSpPr txBox="1"/>
+              <p:nvPr/>
+            </p:nvSpPr>
+            <p:spPr>
+              <a:xfrm>
+                <a:off x="2469535" y="1669007"/>
+                <a:ext cx="543400" cy="307777"/>
+              </a:xfrm>
+              <a:prstGeom prst="rect">
+                <a:avLst/>
+              </a:prstGeom>
+              <a:noFill/>
+            </p:spPr>
+            <p:txBody>
+              <a:bodyPr wrap="none" rtlCol="0">
+                <a:spAutoFit/>
+              </a:bodyPr>
+              <a:lstStyle/>
+              <a:p>
+                <a:r>
+                  <a:rPr lang="en-US" sz="1400"/>
+                  <a:t>name</a:t>
+                </a:r>
+              </a:p>
+            </p:txBody>
+          </p:sp>
+          <p:sp>
+            <p:nvSpPr>
+              <p:cNvPr id="35" name="TextBox 34"/>
+              <p:cNvSpPr txBox="1"/>
+              <p:nvPr/>
+            </p:nvSpPr>
+            <p:spPr>
+              <a:xfrm>
+                <a:off x="2361715" y="1846081"/>
+                <a:ext cx="699080" cy="307777"/>
+              </a:xfrm>
+              <a:prstGeom prst="rect">
+                <a:avLst/>
+              </a:prstGeom>
+              <a:noFill/>
+            </p:spPr>
+            <p:txBody>
+              <a:bodyPr wrap="none" rtlCol="0">
+                <a:spAutoFit/>
+              </a:bodyPr>
+              <a:lstStyle/>
+              <a:p>
+                <a:r>
+                  <a:rPr lang="en-US" sz="1400"/>
+                  <a:t>gender</a:t>
+                </a:r>
+              </a:p>
+            </p:txBody>
+          </p:sp>
+          <p:sp>
+            <p:nvSpPr>
+              <p:cNvPr id="36" name="TextBox 35"/>
+              <p:cNvSpPr txBox="1"/>
+              <p:nvPr/>
+            </p:nvSpPr>
+            <p:spPr>
+              <a:xfrm>
+                <a:off x="5514661" y="1652387"/>
+                <a:ext cx="1402948" cy="307777"/>
+              </a:xfrm>
+              <a:prstGeom prst="rect">
+                <a:avLst/>
+              </a:prstGeom>
+              <a:noFill/>
+            </p:spPr>
+            <p:txBody>
+              <a:bodyPr wrap="none" rtlCol="0">
+                <a:spAutoFit/>
+              </a:bodyPr>
+              <a:lstStyle/>
+              <a:p>
+                <a:r>
+                  <a:rPr lang="en-US" sz="1400"/>
+                  <a:t>contact_number</a:t>
+                </a:r>
+              </a:p>
+            </p:txBody>
+          </p:sp>
+          <p:sp>
+            <p:nvSpPr>
+              <p:cNvPr id="37" name="TextBox 36"/>
+              <p:cNvSpPr txBox="1"/>
+              <p:nvPr/>
+            </p:nvSpPr>
+            <p:spPr>
+              <a:xfrm>
+                <a:off x="2176529" y="2027163"/>
+                <a:ext cx="885366" cy="307777"/>
+              </a:xfrm>
+              <a:prstGeom prst="rect">
+                <a:avLst/>
+              </a:prstGeom>
+              <a:noFill/>
+            </p:spPr>
+            <p:txBody>
+              <a:bodyPr wrap="none" rtlCol="0">
+                <a:spAutoFit/>
+              </a:bodyPr>
+              <a:lstStyle/>
+              <a:p>
+                <a:r>
+                  <a:rPr lang="en-US" sz="1400"/>
+                  <a:t>password</a:t>
+                </a:r>
+              </a:p>
+            </p:txBody>
+          </p:sp>
+          <p:sp>
+            <p:nvSpPr>
+              <p:cNvPr id="38" name="TextBox 37"/>
+              <p:cNvSpPr txBox="1"/>
+              <p:nvPr/>
+            </p:nvSpPr>
+            <p:spPr>
+              <a:xfrm>
+                <a:off x="2463058" y="2205015"/>
+                <a:ext cx="585817" cy="307777"/>
+              </a:xfrm>
+              <a:prstGeom prst="rect">
+                <a:avLst/>
+              </a:prstGeom>
+              <a:noFill/>
+            </p:spPr>
+            <p:txBody>
+              <a:bodyPr wrap="none" rtlCol="0">
+                <a:spAutoFit/>
+              </a:bodyPr>
+              <a:lstStyle/>
+              <a:p>
+                <a:r>
+                  <a:rPr lang="en-US" sz="1400"/>
+                  <a:t>email</a:t>
+                </a:r>
+              </a:p>
+            </p:txBody>
+          </p:sp>
+          <p:grpSp>
+            <p:nvGrpSpPr>
+              <p:cNvPr id="40" name="Group 39"/>
+              <p:cNvGrpSpPr/>
+              <p:nvPr/>
+            </p:nvGrpSpPr>
+            <p:grpSpPr>
+              <a:xfrm rot="10800000">
+                <a:off x="5100051" y="1767911"/>
+                <a:ext cx="462534" cy="131798"/>
+                <a:chOff x="934467" y="508435"/>
+                <a:chExt cx="462534" cy="131798"/>
+              </a:xfrm>
+            </p:grpSpPr>
+            <p:cxnSp>
+              <p:nvCxnSpPr>
+                <p:cNvPr id="41" name="Straight Connector 40"/>
+                <p:cNvCxnSpPr/>
+                <p:nvPr/>
+              </p:nvCxnSpPr>
+              <p:spPr>
+                <a:xfrm>
+                  <a:off x="1066251" y="574334"/>
+                  <a:ext cx="330750" cy="0"/>
+                </a:xfrm>
+                <a:prstGeom prst="line">
+                  <a:avLst/>
+                </a:prstGeom>
+                <a:ln w="12700">
+                  <a:solidFill>
+                    <a:schemeClr val="tx1"/>
+                  </a:solidFill>
+                </a:ln>
+                <a:effectLst>
+                  <a:outerShdw blurRad="40000" dist="20000" dir="5400000" rotWithShape="0">
+                    <a:schemeClr val="bg1">
+                      <a:alpha val="38000"/>
+                    </a:schemeClr>
+                  </a:outerShdw>
+                </a:effectLst>
+              </p:spPr>
+              <p:style>
+                <a:lnRef idx="2">
+                  <a:schemeClr val="accent1"/>
+                </a:lnRef>
+                <a:fillRef idx="0">
+                  <a:schemeClr val="accent1"/>
+                </a:fillRef>
+                <a:effectRef idx="1">
+                  <a:schemeClr val="accent1"/>
+                </a:effectRef>
+                <a:fontRef idx="minor">
+                  <a:schemeClr val="tx1"/>
+                </a:fontRef>
+              </p:style>
+            </p:cxnSp>
+            <p:sp>
+              <p:nvSpPr>
+                <p:cNvPr id="42" name="Oval 41"/>
+                <p:cNvSpPr/>
+                <p:nvPr/>
+              </p:nvSpPr>
+              <p:spPr>
+                <a:xfrm>
+                  <a:off x="934467" y="508435"/>
+                  <a:ext cx="131784" cy="131798"/>
+                </a:xfrm>
+                <a:prstGeom prst="ellipse">
+                  <a:avLst/>
+                </a:prstGeom>
+                <a:solidFill>
+                  <a:srgbClr val="FFFFFF"/>
+                </a:solidFill>
+                <a:ln>
+                  <a:solidFill>
+                    <a:srgbClr val="000000"/>
+                  </a:solidFill>
+                </a:ln>
+              </p:spPr>
+              <p:style>
+                <a:lnRef idx="1">
+                  <a:schemeClr val="accent1"/>
+                </a:lnRef>
+                <a:fillRef idx="3">
+                  <a:schemeClr val="accent1"/>
+                </a:fillRef>
+                <a:effectRef idx="2">
+                  <a:schemeClr val="accent1"/>
+                </a:effectRef>
+                <a:fontRef idx="minor">
+                  <a:schemeClr val="lt1"/>
+                </a:fontRef>
+              </p:style>
+              <p:txBody>
+                <a:bodyPr rtlCol="0" anchor="ctr"/>
+                <a:lstStyle/>
+                <a:p>
+                  <a:pPr algn="ctr"/>
+                  <a:endParaRPr lang="en-US"/>
+                </a:p>
+              </p:txBody>
+            </p:sp>
+          </p:grpSp>
+          <p:grpSp>
+            <p:nvGrpSpPr>
+              <p:cNvPr id="43" name="Group 42"/>
+              <p:cNvGrpSpPr/>
+              <p:nvPr/>
+            </p:nvGrpSpPr>
+            <p:grpSpPr>
+              <a:xfrm rot="10800000">
+                <a:off x="5106696" y="1941435"/>
+                <a:ext cx="462534" cy="131798"/>
+                <a:chOff x="934467" y="508435"/>
+                <a:chExt cx="462534" cy="131798"/>
+              </a:xfrm>
+            </p:grpSpPr>
+            <p:cxnSp>
+              <p:nvCxnSpPr>
+                <p:cNvPr id="44" name="Straight Connector 43"/>
+                <p:cNvCxnSpPr/>
+                <p:nvPr/>
+              </p:nvCxnSpPr>
+              <p:spPr>
+                <a:xfrm>
+                  <a:off x="1066251" y="574334"/>
+                  <a:ext cx="330750" cy="0"/>
+                </a:xfrm>
+                <a:prstGeom prst="line">
+                  <a:avLst/>
+                </a:prstGeom>
+                <a:ln w="12700">
+                  <a:solidFill>
+                    <a:schemeClr val="tx1"/>
+                  </a:solidFill>
+                </a:ln>
+                <a:effectLst>
+                  <a:outerShdw blurRad="40000" dist="20000" dir="5400000" rotWithShape="0">
+                    <a:schemeClr val="bg1">
+                      <a:alpha val="38000"/>
+                    </a:schemeClr>
+                  </a:outerShdw>
+                </a:effectLst>
+              </p:spPr>
+              <p:style>
+                <a:lnRef idx="2">
+                  <a:schemeClr val="accent1"/>
+                </a:lnRef>
+                <a:fillRef idx="0">
+                  <a:schemeClr val="accent1"/>
+                </a:fillRef>
+                <a:effectRef idx="1">
+                  <a:schemeClr val="accent1"/>
+                </a:effectRef>
+                <a:fontRef idx="minor">
+                  <a:schemeClr val="tx1"/>
+                </a:fontRef>
+              </p:style>
+            </p:cxnSp>
+            <p:sp>
+              <p:nvSpPr>
+                <p:cNvPr id="45" name="Oval 44"/>
+                <p:cNvSpPr/>
+                <p:nvPr/>
+              </p:nvSpPr>
+              <p:spPr>
+                <a:xfrm>
+                  <a:off x="934467" y="508435"/>
+                  <a:ext cx="131784" cy="131798"/>
+                </a:xfrm>
+                <a:prstGeom prst="ellipse">
+                  <a:avLst/>
+                </a:prstGeom>
+                <a:solidFill>
+                  <a:srgbClr val="FFFFFF"/>
+                </a:solidFill>
+                <a:ln>
+                  <a:solidFill>
+                    <a:srgbClr val="000000"/>
+                  </a:solidFill>
+                </a:ln>
+              </p:spPr>
+              <p:style>
+                <a:lnRef idx="1">
+                  <a:schemeClr val="accent1"/>
+                </a:lnRef>
+                <a:fillRef idx="3">
+                  <a:schemeClr val="accent1"/>
+                </a:fillRef>
+                <a:effectRef idx="2">
+                  <a:schemeClr val="accent1"/>
+                </a:effectRef>
+                <a:fontRef idx="minor">
+                  <a:schemeClr val="lt1"/>
+                </a:fontRef>
+              </p:style>
+              <p:txBody>
+                <a:bodyPr rtlCol="0" anchor="ctr"/>
+                <a:lstStyle/>
+                <a:p>
+                  <a:pPr algn="ctr"/>
+                  <a:endParaRPr lang="en-US"/>
+                </a:p>
+              </p:txBody>
+            </p:sp>
+          </p:grpSp>
+          <p:grpSp>
+            <p:nvGrpSpPr>
+              <p:cNvPr id="46" name="Group 45"/>
+              <p:cNvGrpSpPr/>
+              <p:nvPr/>
+            </p:nvGrpSpPr>
+            <p:grpSpPr>
+              <a:xfrm rot="10800000">
+                <a:off x="5106696" y="2123593"/>
+                <a:ext cx="462534" cy="131798"/>
+                <a:chOff x="934467" y="508435"/>
+                <a:chExt cx="462534" cy="131798"/>
+              </a:xfrm>
+            </p:grpSpPr>
+            <p:cxnSp>
+              <p:nvCxnSpPr>
+                <p:cNvPr id="47" name="Straight Connector 46"/>
+                <p:cNvCxnSpPr/>
+                <p:nvPr/>
+              </p:nvCxnSpPr>
+              <p:spPr>
+                <a:xfrm>
+                  <a:off x="1066251" y="574334"/>
+                  <a:ext cx="330750" cy="0"/>
+                </a:xfrm>
+                <a:prstGeom prst="line">
+                  <a:avLst/>
+                </a:prstGeom>
+                <a:ln w="12700">
+                  <a:solidFill>
+                    <a:schemeClr val="tx1"/>
+                  </a:solidFill>
+                </a:ln>
+                <a:effectLst>
+                  <a:outerShdw blurRad="40000" dist="20000" dir="5400000" rotWithShape="0">
+                    <a:schemeClr val="bg1">
+                      <a:alpha val="38000"/>
+                    </a:schemeClr>
+                  </a:outerShdw>
+                </a:effectLst>
+              </p:spPr>
+              <p:style>
+                <a:lnRef idx="2">
+                  <a:schemeClr val="accent1"/>
+                </a:lnRef>
+                <a:fillRef idx="0">
+                  <a:schemeClr val="accent1"/>
+                </a:fillRef>
+                <a:effectRef idx="1">
+                  <a:schemeClr val="accent1"/>
+                </a:effectRef>
+                <a:fontRef idx="minor">
+                  <a:schemeClr val="tx1"/>
+                </a:fontRef>
+              </p:style>
+            </p:cxnSp>
+            <p:sp>
+              <p:nvSpPr>
+                <p:cNvPr id="48" name="Oval 47"/>
+                <p:cNvSpPr/>
+                <p:nvPr/>
+              </p:nvSpPr>
+              <p:spPr>
+                <a:xfrm>
+                  <a:off x="934467" y="508435"/>
+                  <a:ext cx="131784" cy="131798"/>
+                </a:xfrm>
+                <a:prstGeom prst="ellipse">
+                  <a:avLst/>
+                </a:prstGeom>
+                <a:solidFill>
+                  <a:srgbClr val="FFFFFF"/>
+                </a:solidFill>
+                <a:ln>
+                  <a:solidFill>
+                    <a:srgbClr val="000000"/>
+                  </a:solidFill>
+                </a:ln>
+              </p:spPr>
+              <p:style>
+                <a:lnRef idx="1">
+                  <a:schemeClr val="accent1"/>
+                </a:lnRef>
+                <a:fillRef idx="3">
+                  <a:schemeClr val="accent1"/>
+                </a:fillRef>
+                <a:effectRef idx="2">
+                  <a:schemeClr val="accent1"/>
+                </a:effectRef>
+                <a:fontRef idx="minor">
+                  <a:schemeClr val="lt1"/>
+                </a:fontRef>
+              </p:style>
+              <p:txBody>
+                <a:bodyPr rtlCol="0" anchor="ctr"/>
+                <a:lstStyle/>
+                <a:p>
+                  <a:pPr algn="ctr"/>
+                  <a:endParaRPr lang="en-US"/>
+                </a:p>
+              </p:txBody>
+            </p:sp>
+          </p:grpSp>
+          <p:grpSp>
+            <p:nvGrpSpPr>
+              <p:cNvPr id="49" name="Group 48"/>
+              <p:cNvGrpSpPr/>
+              <p:nvPr/>
+            </p:nvGrpSpPr>
+            <p:grpSpPr>
+              <a:xfrm rot="10800000">
+                <a:off x="5112031" y="2293005"/>
+                <a:ext cx="462534" cy="131798"/>
+                <a:chOff x="934467" y="508435"/>
+                <a:chExt cx="462534" cy="131798"/>
+              </a:xfrm>
+            </p:grpSpPr>
+            <p:cxnSp>
+              <p:nvCxnSpPr>
+                <p:cNvPr id="50" name="Straight Connector 49"/>
+                <p:cNvCxnSpPr/>
+                <p:nvPr/>
+              </p:nvCxnSpPr>
+              <p:spPr>
+                <a:xfrm>
+                  <a:off x="1066251" y="574334"/>
+                  <a:ext cx="330750" cy="0"/>
+                </a:xfrm>
+                <a:prstGeom prst="line">
+                  <a:avLst/>
+                </a:prstGeom>
+                <a:ln w="12700">
+                  <a:solidFill>
+                    <a:schemeClr val="tx1"/>
+                  </a:solidFill>
+                </a:ln>
+                <a:effectLst>
+                  <a:outerShdw blurRad="40000" dist="20000" dir="5400000" rotWithShape="0">
+                    <a:schemeClr val="bg1">
+                      <a:alpha val="38000"/>
+                    </a:schemeClr>
+                  </a:outerShdw>
+                </a:effectLst>
+              </p:spPr>
+              <p:style>
+                <a:lnRef idx="2">
+                  <a:schemeClr val="accent1"/>
+                </a:lnRef>
+                <a:fillRef idx="0">
+                  <a:schemeClr val="accent1"/>
+                </a:fillRef>
+                <a:effectRef idx="1">
+                  <a:schemeClr val="accent1"/>
+                </a:effectRef>
+                <a:fontRef idx="minor">
+                  <a:schemeClr val="tx1"/>
+                </a:fontRef>
+              </p:style>
+            </p:cxnSp>
+            <p:sp>
+              <p:nvSpPr>
+                <p:cNvPr id="51" name="Oval 50"/>
+                <p:cNvSpPr/>
+                <p:nvPr/>
+              </p:nvSpPr>
+              <p:spPr>
+                <a:xfrm>
+                  <a:off x="934467" y="508435"/>
+                  <a:ext cx="131784" cy="131798"/>
+                </a:xfrm>
+                <a:prstGeom prst="ellipse">
+                  <a:avLst/>
+                </a:prstGeom>
+                <a:solidFill>
+                  <a:srgbClr val="FFFFFF"/>
+                </a:solidFill>
+                <a:ln>
+                  <a:solidFill>
+                    <a:srgbClr val="000000"/>
+                  </a:solidFill>
+                </a:ln>
+              </p:spPr>
+              <p:style>
+                <a:lnRef idx="1">
+                  <a:schemeClr val="accent1"/>
+                </a:lnRef>
+                <a:fillRef idx="3">
+                  <a:schemeClr val="accent1"/>
+                </a:fillRef>
+                <a:effectRef idx="2">
+                  <a:schemeClr val="accent1"/>
+                </a:effectRef>
+                <a:fontRef idx="minor">
+                  <a:schemeClr val="lt1"/>
+                </a:fontRef>
+              </p:style>
+              <p:txBody>
+                <a:bodyPr rtlCol="0" anchor="ctr"/>
+                <a:lstStyle/>
+                <a:p>
+                  <a:pPr algn="ctr"/>
+                  <a:endParaRPr lang="en-US"/>
+                </a:p>
+              </p:txBody>
+            </p:sp>
+          </p:grpSp>
+          <p:sp>
+            <p:nvSpPr>
+              <p:cNvPr id="52" name="TextBox 51"/>
+              <p:cNvSpPr txBox="1"/>
+              <p:nvPr/>
+            </p:nvSpPr>
+            <p:spPr>
+              <a:xfrm>
+                <a:off x="5523301" y="1816769"/>
+                <a:ext cx="1159292" cy="307777"/>
+              </a:xfrm>
+              <a:prstGeom prst="rect">
+                <a:avLst/>
+              </a:prstGeom>
+              <a:noFill/>
+            </p:spPr>
+            <p:txBody>
+              <a:bodyPr wrap="none" rtlCol="0">
+                <a:spAutoFit/>
+              </a:bodyPr>
+              <a:lstStyle/>
+              <a:p>
+                <a:r>
+                  <a:rPr lang="en-US" sz="1400"/>
+                  <a:t>vehicle_plate</a:t>
+                </a:r>
+              </a:p>
+            </p:txBody>
+          </p:sp>
+          <p:sp>
+            <p:nvSpPr>
+              <p:cNvPr id="53" name="TextBox 52"/>
+              <p:cNvSpPr txBox="1"/>
+              <p:nvPr/>
+            </p:nvSpPr>
+            <p:spPr>
+              <a:xfrm>
+                <a:off x="5526645" y="1991217"/>
+                <a:ext cx="787395" cy="307777"/>
+              </a:xfrm>
+              <a:prstGeom prst="rect">
+                <a:avLst/>
+              </a:prstGeom>
+              <a:noFill/>
+            </p:spPr>
+            <p:txBody>
+              <a:bodyPr wrap="none" rtlCol="0">
+                <a:spAutoFit/>
+              </a:bodyPr>
+              <a:lstStyle/>
+              <a:p>
+                <a:r>
+                  <a:rPr lang="en-US" sz="1400"/>
+                  <a:t>capacity</a:t>
+                </a:r>
+              </a:p>
+            </p:txBody>
+          </p:sp>
+          <p:sp>
+            <p:nvSpPr>
+              <p:cNvPr id="54" name="TextBox 53"/>
+              <p:cNvSpPr txBox="1"/>
+              <p:nvPr/>
+            </p:nvSpPr>
+            <p:spPr>
+              <a:xfrm>
+                <a:off x="5538625" y="2193033"/>
+                <a:ext cx="816637" cy="307777"/>
+              </a:xfrm>
+              <a:prstGeom prst="rect">
+                <a:avLst/>
+              </a:prstGeom>
+              <a:noFill/>
+            </p:spPr>
+            <p:txBody>
+              <a:bodyPr wrap="none" rtlCol="0">
+                <a:spAutoFit/>
+              </a:bodyPr>
+              <a:lstStyle/>
+              <a:p>
+                <a:r>
+                  <a:rPr lang="en-US" sz="1400"/>
+                  <a:t>is_driver</a:t>
+                </a:r>
+              </a:p>
+            </p:txBody>
+          </p:sp>
+          <p:cxnSp>
+            <p:nvCxnSpPr>
+              <p:cNvPr id="56" name="Straight Connector 55"/>
+              <p:cNvCxnSpPr/>
+              <p:nvPr/>
+            </p:nvCxnSpPr>
+            <p:spPr>
+              <a:xfrm>
+                <a:off x="3937960" y="1585091"/>
+                <a:ext cx="0" cy="197800"/>
+              </a:xfrm>
+              <a:prstGeom prst="line">
+                <a:avLst/>
+              </a:prstGeom>
+              <a:ln w="9525">
+                <a:solidFill>
+                  <a:schemeClr val="tx1"/>
+                </a:solidFill>
+              </a:ln>
+              <a:effectLst>
+                <a:outerShdw blurRad="40000" dist="20000" dir="5400000" rotWithShape="0">
+                  <a:schemeClr val="bg1">
+                    <a:alpha val="38000"/>
+                  </a:schemeClr>
+                </a:outerShdw>
+              </a:effectLst>
+            </p:spPr>
+            <p:style>
+              <a:lnRef idx="2">
+                <a:schemeClr val="accent1"/>
+              </a:lnRef>
+              <a:fillRef idx="0">
+                <a:schemeClr val="accent1"/>
+              </a:fillRef>
+              <a:effectRef idx="1">
+                <a:schemeClr val="accent1"/>
+              </a:effectRef>
+              <a:fontRef idx="minor">
+                <a:schemeClr val="tx1"/>
+              </a:fontRef>
+            </p:style>
+          </p:cxnSp>
+          <p:grpSp>
+            <p:nvGrpSpPr>
+              <p:cNvPr id="58" name="Group 57"/>
+              <p:cNvGrpSpPr/>
+              <p:nvPr/>
+            </p:nvGrpSpPr>
+            <p:grpSpPr>
+              <a:xfrm rot="10800000">
+                <a:off x="3925980" y="1519192"/>
+                <a:ext cx="462534" cy="131798"/>
+                <a:chOff x="934467" y="508435"/>
+                <a:chExt cx="462534" cy="131798"/>
+              </a:xfrm>
+            </p:grpSpPr>
+            <p:cxnSp>
+              <p:nvCxnSpPr>
+                <p:cNvPr id="59" name="Straight Connector 58"/>
+                <p:cNvCxnSpPr/>
+                <p:nvPr/>
+              </p:nvCxnSpPr>
+              <p:spPr>
+                <a:xfrm>
+                  <a:off x="1066251" y="574334"/>
+                  <a:ext cx="330750" cy="0"/>
+                </a:xfrm>
+                <a:prstGeom prst="line">
+                  <a:avLst/>
+                </a:prstGeom>
+                <a:ln w="12700">
+                  <a:solidFill>
+                    <a:schemeClr val="tx1"/>
+                  </a:solidFill>
+                </a:ln>
+                <a:effectLst>
+                  <a:outerShdw blurRad="40000" dist="20000" dir="5400000" rotWithShape="0">
+                    <a:schemeClr val="bg1">
+                      <a:alpha val="38000"/>
+                    </a:schemeClr>
+                  </a:outerShdw>
+                </a:effectLst>
+              </p:spPr>
+              <p:style>
+                <a:lnRef idx="2">
+                  <a:schemeClr val="accent1"/>
+                </a:lnRef>
+                <a:fillRef idx="0">
+                  <a:schemeClr val="accent1"/>
+                </a:fillRef>
+                <a:effectRef idx="1">
+                  <a:schemeClr val="accent1"/>
+                </a:effectRef>
+                <a:fontRef idx="minor">
+                  <a:schemeClr val="tx1"/>
+                </a:fontRef>
+              </p:style>
+            </p:cxnSp>
+            <p:sp>
+              <p:nvSpPr>
+                <p:cNvPr id="60" name="Oval 59"/>
+                <p:cNvSpPr/>
+                <p:nvPr/>
+              </p:nvSpPr>
+              <p:spPr>
+                <a:xfrm>
+                  <a:off x="934467" y="508435"/>
+                  <a:ext cx="131784" cy="131798"/>
+                </a:xfrm>
+                <a:prstGeom prst="ellipse">
+                  <a:avLst/>
+                </a:prstGeom>
+                <a:solidFill>
+                  <a:srgbClr val="FFFFFF"/>
+                </a:solidFill>
+                <a:ln>
+                  <a:solidFill>
+                    <a:srgbClr val="000000"/>
+                  </a:solidFill>
+                </a:ln>
+              </p:spPr>
+              <p:style>
+                <a:lnRef idx="1">
+                  <a:schemeClr val="accent1"/>
+                </a:lnRef>
+                <a:fillRef idx="3">
+                  <a:schemeClr val="accent1"/>
+                </a:fillRef>
+                <a:effectRef idx="2">
+                  <a:schemeClr val="accent1"/>
+                </a:effectRef>
+                <a:fontRef idx="minor">
+                  <a:schemeClr val="lt1"/>
+                </a:fontRef>
+              </p:style>
+              <p:txBody>
+                <a:bodyPr rtlCol="0" anchor="ctr"/>
+                <a:lstStyle/>
+                <a:p>
+                  <a:pPr algn="ctr"/>
+                  <a:endParaRPr lang="en-US"/>
+                </a:p>
+              </p:txBody>
+            </p:sp>
+          </p:grpSp>
+          <p:sp>
+            <p:nvSpPr>
+              <p:cNvPr id="61" name="TextBox 60"/>
+              <p:cNvSpPr txBox="1"/>
+              <p:nvPr/>
+            </p:nvSpPr>
+            <p:spPr>
+              <a:xfrm>
+                <a:off x="4328614" y="1407239"/>
+                <a:ext cx="844778" cy="307777"/>
+              </a:xfrm>
+              <a:prstGeom prst="rect">
+                <a:avLst/>
+              </a:prstGeom>
+              <a:noFill/>
+            </p:spPr>
+            <p:txBody>
+              <a:bodyPr wrap="none" rtlCol="0">
+                <a:spAutoFit/>
+              </a:bodyPr>
+              <a:lstStyle/>
+              <a:p>
+                <a:r>
+                  <a:rPr lang="en-US" sz="1400"/>
+                  <a:t>is_admin</a:t>
+                </a:r>
+              </a:p>
+            </p:txBody>
+          </p:sp>
+        </p:grpSp>
+        <p:cxnSp>
+          <p:nvCxnSpPr>
+            <p:cNvPr id="18" name="Straight Connector 17"/>
+            <p:cNvCxnSpPr/>
+            <p:nvPr/>
+          </p:nvCxnSpPr>
+          <p:spPr>
+            <a:xfrm>
+              <a:off x="2488466" y="2456144"/>
+              <a:ext cx="0" cy="475488"/>
+            </a:xfrm>
+            <a:prstGeom prst="line">
+              <a:avLst/>
+            </a:prstGeom>
+            <a:ln w="12700">
+              <a:solidFill>
+                <a:srgbClr val="000000"/>
+              </a:solidFill>
+            </a:ln>
+            <a:effectLst>
+              <a:outerShdw blurRad="40000" dist="20000" dir="5400000" rotWithShape="0">
+                <a:schemeClr val="bg1">
+                  <a:alpha val="38000"/>
+                </a:schemeClr>
+              </a:outerShdw>
+            </a:effectLst>
+          </p:spPr>
+          <p:style>
+            <a:lnRef idx="2">
+              <a:schemeClr val="accent1"/>
+            </a:lnRef>
+            <a:fillRef idx="0">
+              <a:schemeClr val="accent1"/>
+            </a:fillRef>
+            <a:effectRef idx="1">
+              <a:schemeClr val="accent1"/>
+            </a:effectRef>
+            <a:fontRef idx="minor">
+              <a:schemeClr val="tx1"/>
+            </a:fontRef>
+          </p:style>
+        </p:cxnSp>
+        <p:sp>
+          <p:nvSpPr>
+            <p:cNvPr id="29" name="TextBox 28"/>
+            <p:cNvSpPr txBox="1"/>
+            <p:nvPr/>
+          </p:nvSpPr>
+          <p:spPr>
+            <a:xfrm>
+              <a:off x="3327347" y="2069231"/>
+              <a:ext cx="613344" cy="307777"/>
+            </a:xfrm>
+            <a:prstGeom prst="rect">
+              <a:avLst/>
+            </a:prstGeom>
+            <a:noFill/>
+          </p:spPr>
+          <p:txBody>
+            <a:bodyPr wrap="none" rtlCol="0">
+              <a:spAutoFit/>
+            </a:bodyPr>
+            <a:lstStyle/>
+            <a:p>
+              <a:r>
+                <a:rPr lang="en-US" sz="1400"/>
+                <a:t>(0, m)</a:t>
+              </a:r>
+            </a:p>
+          </p:txBody>
+        </p:sp>
+        <p:sp>
+          <p:nvSpPr>
+            <p:cNvPr id="167" name="TextBox 166"/>
+            <p:cNvSpPr txBox="1"/>
+            <p:nvPr/>
+          </p:nvSpPr>
+          <p:spPr>
+            <a:xfrm>
+              <a:off x="3386735" y="4576019"/>
+              <a:ext cx="564252" cy="307777"/>
+            </a:xfrm>
+            <a:prstGeom prst="rect">
+              <a:avLst/>
+            </a:prstGeom>
+            <a:noFill/>
+          </p:spPr>
+          <p:txBody>
+            <a:bodyPr wrap="none" rtlCol="0">
+              <a:spAutoFit/>
+            </a:bodyPr>
+            <a:lstStyle/>
+            <a:p>
+              <a:r>
+                <a:rPr lang="en-US" sz="1400"/>
+                <a:t>(0, n)</a:t>
+              </a:r>
+            </a:p>
+          </p:txBody>
+        </p:sp>
+        <p:cxnSp>
+          <p:nvCxnSpPr>
+            <p:cNvPr id="245" name="Straight Connector 244"/>
+            <p:cNvCxnSpPr/>
+            <p:nvPr/>
+          </p:nvCxnSpPr>
+          <p:spPr>
+            <a:xfrm>
+              <a:off x="2478683" y="2456144"/>
+              <a:ext cx="1406582" cy="0"/>
+            </a:xfrm>
+            <a:prstGeom prst="line">
+              <a:avLst/>
+            </a:prstGeom>
+            <a:ln w="12700">
+              <a:solidFill>
+                <a:srgbClr val="000000"/>
+              </a:solidFill>
+            </a:ln>
+            <a:effectLst>
+              <a:outerShdw blurRad="40000" dist="20000" dir="5400000" rotWithShape="0">
+                <a:schemeClr val="bg1">
+                  <a:alpha val="38000"/>
+                </a:schemeClr>
+              </a:outerShdw>
+            </a:effectLst>
+          </p:spPr>
+          <p:style>
+            <a:lnRef idx="2">
+              <a:schemeClr val="accent1"/>
+            </a:lnRef>
+            <a:fillRef idx="0">
+              <a:schemeClr val="accent1"/>
+            </a:fillRef>
+            <a:effectRef idx="1">
+              <a:schemeClr val="accent1"/>
+            </a:effectRef>
+            <a:fontRef idx="minor">
+              <a:schemeClr val="tx1"/>
+            </a:fontRef>
+          </p:style>
+        </p:cxnSp>
+        <p:cxnSp>
+          <p:nvCxnSpPr>
+            <p:cNvPr id="246" name="Straight Connector 245"/>
+            <p:cNvCxnSpPr/>
+            <p:nvPr/>
+          </p:nvCxnSpPr>
+          <p:spPr>
+            <a:xfrm>
+              <a:off x="3876128" y="2031617"/>
+              <a:ext cx="0" cy="429768"/>
+            </a:xfrm>
+            <a:prstGeom prst="line">
+              <a:avLst/>
+            </a:prstGeom>
+            <a:ln w="12700">
+              <a:solidFill>
+                <a:srgbClr val="000000"/>
+              </a:solidFill>
+            </a:ln>
+            <a:effectLst>
+              <a:outerShdw blurRad="40000" dist="20000" dir="5400000" rotWithShape="0">
+                <a:schemeClr val="bg1">
+                  <a:alpha val="38000"/>
+                </a:schemeClr>
+              </a:outerShdw>
+            </a:effectLst>
+          </p:spPr>
+          <p:style>
+            <a:lnRef idx="2">
+              <a:schemeClr val="accent1"/>
+            </a:lnRef>
+            <a:fillRef idx="0">
+              <a:schemeClr val="accent1"/>
+            </a:fillRef>
+            <a:effectRef idx="1">
+              <a:schemeClr val="accent1"/>
+            </a:effectRef>
+            <a:fontRef idx="minor">
+              <a:schemeClr val="tx1"/>
+            </a:fontRef>
+          </p:style>
+        </p:cxnSp>
+        <p:cxnSp>
+          <p:nvCxnSpPr>
+            <p:cNvPr id="247" name="Straight Connector 246"/>
+            <p:cNvCxnSpPr/>
+            <p:nvPr/>
+          </p:nvCxnSpPr>
+          <p:spPr>
+            <a:xfrm>
+              <a:off x="2495211" y="4025166"/>
+              <a:ext cx="0" cy="475488"/>
+            </a:xfrm>
+            <a:prstGeom prst="line">
+              <a:avLst/>
+            </a:prstGeom>
+            <a:ln w="12700">
+              <a:solidFill>
+                <a:srgbClr val="000000"/>
+              </a:solidFill>
+            </a:ln>
+            <a:effectLst>
+              <a:outerShdw blurRad="40000" dist="20000" dir="5400000" rotWithShape="0">
+                <a:schemeClr val="bg1">
+                  <a:alpha val="38000"/>
+                </a:schemeClr>
+              </a:outerShdw>
+            </a:effectLst>
+          </p:spPr>
+          <p:style>
+            <a:lnRef idx="2">
+              <a:schemeClr val="accent1"/>
+            </a:lnRef>
+            <a:fillRef idx="0">
+              <a:schemeClr val="accent1"/>
+            </a:fillRef>
+            <a:effectRef idx="1">
+              <a:schemeClr val="accent1"/>
+            </a:effectRef>
+            <a:fontRef idx="minor">
+              <a:schemeClr val="tx1"/>
+            </a:fontRef>
+          </p:style>
+        </p:cxnSp>
+        <p:cxnSp>
+          <p:nvCxnSpPr>
+            <p:cNvPr id="248" name="Straight Connector 247"/>
+            <p:cNvCxnSpPr/>
+            <p:nvPr/>
+          </p:nvCxnSpPr>
+          <p:spPr>
+            <a:xfrm>
+              <a:off x="2487820" y="4500654"/>
+              <a:ext cx="1406582" cy="0"/>
+            </a:xfrm>
+            <a:prstGeom prst="line">
+              <a:avLst/>
+            </a:prstGeom>
+            <a:ln w="12700">
+              <a:solidFill>
+                <a:srgbClr val="000000"/>
+              </a:solidFill>
+            </a:ln>
+            <a:effectLst>
+              <a:outerShdw blurRad="40000" dist="20000" dir="5400000" rotWithShape="0">
+                <a:schemeClr val="bg1">
+                  <a:alpha val="38000"/>
+                </a:schemeClr>
+              </a:outerShdw>
+            </a:effectLst>
+          </p:spPr>
+          <p:style>
+            <a:lnRef idx="2">
+              <a:schemeClr val="accent1"/>
+            </a:lnRef>
+            <a:fillRef idx="0">
+              <a:schemeClr val="accent1"/>
+            </a:fillRef>
+            <a:effectRef idx="1">
+              <a:schemeClr val="accent1"/>
+            </a:effectRef>
+            <a:fontRef idx="minor">
+              <a:schemeClr val="tx1"/>
+            </a:fontRef>
+          </p:style>
+        </p:cxnSp>
+        <p:cxnSp>
+          <p:nvCxnSpPr>
+            <p:cNvPr id="249" name="Straight Connector 248"/>
+            <p:cNvCxnSpPr/>
+            <p:nvPr/>
+          </p:nvCxnSpPr>
+          <p:spPr>
+            <a:xfrm>
+              <a:off x="3891471" y="4499708"/>
+              <a:ext cx="0" cy="429768"/>
+            </a:xfrm>
+            <a:prstGeom prst="line">
+              <a:avLst/>
+            </a:prstGeom>
+            <a:ln w="12700">
+              <a:solidFill>
+                <a:srgbClr val="000000"/>
+              </a:solidFill>
+            </a:ln>
+            <a:effectLst>
+              <a:outerShdw blurRad="40000" dist="20000" dir="5400000" rotWithShape="0">
+                <a:schemeClr val="bg1">
+                  <a:alpha val="38000"/>
+                </a:schemeClr>
+              </a:outerShdw>
+            </a:effectLst>
+          </p:spPr>
+          <p:style>
+            <a:lnRef idx="2">
+              <a:schemeClr val="accent1"/>
+            </a:lnRef>
+            <a:fillRef idx="0">
+              <a:schemeClr val="accent1"/>
+            </a:fillRef>
+            <a:effectRef idx="1">
+              <a:schemeClr val="accent1"/>
+            </a:effectRef>
+            <a:fontRef idx="minor">
+              <a:schemeClr val="tx1"/>
+            </a:fontRef>
+          </p:style>
+        </p:cxnSp>
+        <p:grpSp>
+          <p:nvGrpSpPr>
+            <p:cNvPr id="290" name="Group 289"/>
+            <p:cNvGrpSpPr/>
+            <p:nvPr/>
+          </p:nvGrpSpPr>
+          <p:grpSpPr>
+            <a:xfrm>
+              <a:off x="1860940" y="4789347"/>
+              <a:ext cx="5179152" cy="856702"/>
+              <a:chOff x="2077920" y="354213"/>
+              <a:chExt cx="5179152" cy="856702"/>
+            </a:xfrm>
+          </p:grpSpPr>
+          <p:grpSp>
+            <p:nvGrpSpPr>
+              <p:cNvPr id="250" name="Group 249"/>
+              <p:cNvGrpSpPr/>
+              <p:nvPr/>
+            </p:nvGrpSpPr>
+            <p:grpSpPr>
+              <a:xfrm>
+                <a:off x="3901272" y="484211"/>
+                <a:ext cx="1639654" cy="687917"/>
+                <a:chOff x="3160438" y="772583"/>
+                <a:chExt cx="1639654" cy="687917"/>
+              </a:xfrm>
+            </p:grpSpPr>
+            <p:sp>
+              <p:nvSpPr>
+                <p:cNvPr id="251" name="Rectangle 250"/>
+                <p:cNvSpPr/>
+                <p:nvPr/>
+              </p:nvSpPr>
+              <p:spPr>
+                <a:xfrm>
+                  <a:off x="3164417" y="772583"/>
+                  <a:ext cx="1598083" cy="687917"/>
+                </a:xfrm>
+                <a:prstGeom prst="rect">
+                  <a:avLst/>
+                </a:prstGeom>
+                <a:noFill/>
+                <a:ln>
+                  <a:solidFill>
+                    <a:schemeClr val="tx1"/>
+                  </a:solidFill>
+                </a:ln>
+              </p:spPr>
+              <p:style>
+                <a:lnRef idx="1">
+                  <a:schemeClr val="accent1"/>
+                </a:lnRef>
+                <a:fillRef idx="3">
+                  <a:schemeClr val="accent1"/>
+                </a:fillRef>
+                <a:effectRef idx="2">
+                  <a:schemeClr val="accent1"/>
+                </a:effectRef>
+                <a:fontRef idx="minor">
+                  <a:schemeClr val="lt1"/>
+                </a:fontRef>
+              </p:style>
+              <p:txBody>
+                <a:bodyPr rtlCol="0" anchor="ctr"/>
+                <a:lstStyle/>
+                <a:p>
+                  <a:pPr algn="ctr"/>
+                  <a:endParaRPr lang="en-US"/>
+                </a:p>
+              </p:txBody>
+            </p:sp>
+            <p:sp>
+              <p:nvSpPr>
+                <p:cNvPr id="252" name="TextBox 251"/>
+                <p:cNvSpPr txBox="1"/>
+                <p:nvPr/>
+              </p:nvSpPr>
+              <p:spPr>
+                <a:xfrm>
+                  <a:off x="3160438" y="920751"/>
+                  <a:ext cx="1639654" cy="369332"/>
+                </a:xfrm>
+                <a:prstGeom prst="rect">
+                  <a:avLst/>
+                </a:prstGeom>
+                <a:noFill/>
+              </p:spPr>
+              <p:txBody>
+                <a:bodyPr wrap="none" rtlCol="0">
+                  <a:spAutoFit/>
+                </a:bodyPr>
+                <a:lstStyle/>
+                <a:p>
+                  <a:r>
+                    <a:rPr lang="en-US"/>
+                    <a:t>advertisements</a:t>
+                  </a:r>
+                </a:p>
+              </p:txBody>
+            </p:sp>
+          </p:grpSp>
+          <p:grpSp>
+            <p:nvGrpSpPr>
+              <p:cNvPr id="253" name="Group 252"/>
+              <p:cNvGrpSpPr/>
+              <p:nvPr/>
+            </p:nvGrpSpPr>
+            <p:grpSpPr>
+              <a:xfrm>
+                <a:off x="3442717" y="484211"/>
+                <a:ext cx="462534" cy="131798"/>
+                <a:chOff x="934467" y="508435"/>
+                <a:chExt cx="462534" cy="131798"/>
+              </a:xfrm>
+            </p:grpSpPr>
+            <p:cxnSp>
+              <p:nvCxnSpPr>
+                <p:cNvPr id="254" name="Straight Connector 253"/>
+                <p:cNvCxnSpPr/>
+                <p:nvPr/>
+              </p:nvCxnSpPr>
+              <p:spPr>
+                <a:xfrm>
+                  <a:off x="1066251" y="574334"/>
+                  <a:ext cx="330750" cy="0"/>
+                </a:xfrm>
+                <a:prstGeom prst="line">
+                  <a:avLst/>
+                </a:prstGeom>
+                <a:ln w="12700">
+                  <a:solidFill>
+                    <a:schemeClr val="tx1"/>
+                  </a:solidFill>
+                </a:ln>
+                <a:effectLst>
+                  <a:outerShdw blurRad="40000" dist="20000" dir="5400000" rotWithShape="0">
+                    <a:schemeClr val="bg1">
+                      <a:alpha val="38000"/>
+                    </a:schemeClr>
+                  </a:outerShdw>
+                </a:effectLst>
+              </p:spPr>
+              <p:style>
+                <a:lnRef idx="2">
+                  <a:schemeClr val="accent1"/>
+                </a:lnRef>
+                <a:fillRef idx="0">
+                  <a:schemeClr val="accent1"/>
+                </a:fillRef>
+                <a:effectRef idx="1">
+                  <a:schemeClr val="accent1"/>
+                </a:effectRef>
+                <a:fontRef idx="minor">
+                  <a:schemeClr val="tx1"/>
+                </a:fontRef>
+              </p:style>
+            </p:cxnSp>
+            <p:sp>
+              <p:nvSpPr>
+                <p:cNvPr id="255" name="Oval 254"/>
+                <p:cNvSpPr/>
+                <p:nvPr/>
+              </p:nvSpPr>
+              <p:spPr>
+                <a:xfrm>
+                  <a:off x="934467" y="508435"/>
+                  <a:ext cx="131784" cy="131798"/>
+                </a:xfrm>
+                <a:prstGeom prst="ellipse">
+                  <a:avLst/>
+                </a:prstGeom>
+                <a:solidFill>
+                  <a:srgbClr val="FFFFFF"/>
+                </a:solidFill>
+                <a:ln>
+                  <a:solidFill>
+                    <a:srgbClr val="000000"/>
+                  </a:solidFill>
+                </a:ln>
+              </p:spPr>
+              <p:style>
+                <a:lnRef idx="1">
+                  <a:schemeClr val="accent1"/>
+                </a:lnRef>
+                <a:fillRef idx="3">
+                  <a:schemeClr val="accent1"/>
+                </a:fillRef>
+                <a:effectRef idx="2">
+                  <a:schemeClr val="accent1"/>
+                </a:effectRef>
+                <a:fontRef idx="minor">
+                  <a:schemeClr val="lt1"/>
+                </a:fontRef>
+              </p:style>
+              <p:txBody>
+                <a:bodyPr rtlCol="0" anchor="ctr"/>
+                <a:lstStyle/>
+                <a:p>
+                  <a:pPr algn="ctr"/>
+                  <a:endParaRPr lang="en-US"/>
+                </a:p>
+              </p:txBody>
+            </p:sp>
+          </p:grpSp>
+          <p:grpSp>
+            <p:nvGrpSpPr>
+              <p:cNvPr id="256" name="Group 255"/>
+              <p:cNvGrpSpPr/>
+              <p:nvPr/>
+            </p:nvGrpSpPr>
+            <p:grpSpPr>
+              <a:xfrm>
+                <a:off x="3438738" y="657454"/>
+                <a:ext cx="462534" cy="131798"/>
+                <a:chOff x="934467" y="508435"/>
+                <a:chExt cx="462534" cy="131798"/>
+              </a:xfrm>
+            </p:grpSpPr>
+            <p:cxnSp>
+              <p:nvCxnSpPr>
+                <p:cNvPr id="257" name="Straight Connector 256"/>
+                <p:cNvCxnSpPr/>
+                <p:nvPr/>
+              </p:nvCxnSpPr>
+              <p:spPr>
+                <a:xfrm>
+                  <a:off x="1066251" y="574334"/>
+                  <a:ext cx="330750" cy="0"/>
+                </a:xfrm>
+                <a:prstGeom prst="line">
+                  <a:avLst/>
+                </a:prstGeom>
+                <a:ln w="12700">
+                  <a:solidFill>
+                    <a:schemeClr val="tx1"/>
+                  </a:solidFill>
+                </a:ln>
+                <a:effectLst>
+                  <a:outerShdw blurRad="40000" dist="20000" dir="5400000" rotWithShape="0">
+                    <a:schemeClr val="bg1">
+                      <a:alpha val="38000"/>
+                    </a:schemeClr>
+                  </a:outerShdw>
+                </a:effectLst>
+              </p:spPr>
+              <p:style>
+                <a:lnRef idx="2">
+                  <a:schemeClr val="accent1"/>
+                </a:lnRef>
+                <a:fillRef idx="0">
+                  <a:schemeClr val="accent1"/>
+                </a:fillRef>
+                <a:effectRef idx="1">
+                  <a:schemeClr val="accent1"/>
+                </a:effectRef>
+                <a:fontRef idx="minor">
+                  <a:schemeClr val="tx1"/>
+                </a:fontRef>
+              </p:style>
+            </p:cxnSp>
+            <p:sp>
+              <p:nvSpPr>
+                <p:cNvPr id="258" name="Oval 257"/>
+                <p:cNvSpPr/>
+                <p:nvPr/>
+              </p:nvSpPr>
+              <p:spPr>
+                <a:xfrm>
+                  <a:off x="934467" y="508435"/>
+                  <a:ext cx="131784" cy="131798"/>
+                </a:xfrm>
+                <a:prstGeom prst="ellipse">
+                  <a:avLst/>
+                </a:prstGeom>
+                <a:solidFill>
+                  <a:srgbClr val="FFFFFF"/>
+                </a:solidFill>
+                <a:ln>
+                  <a:solidFill>
+                    <a:srgbClr val="000000"/>
+                  </a:solidFill>
+                </a:ln>
+              </p:spPr>
+              <p:style>
+                <a:lnRef idx="1">
+                  <a:schemeClr val="accent1"/>
+                </a:lnRef>
+                <a:fillRef idx="3">
+                  <a:schemeClr val="accent1"/>
+                </a:fillRef>
+                <a:effectRef idx="2">
+                  <a:schemeClr val="accent1"/>
+                </a:effectRef>
+                <a:fontRef idx="minor">
+                  <a:schemeClr val="lt1"/>
+                </a:fontRef>
+              </p:style>
+              <p:txBody>
+                <a:bodyPr rtlCol="0" anchor="ctr"/>
+                <a:lstStyle/>
+                <a:p>
+                  <a:pPr algn="ctr"/>
+                  <a:endParaRPr lang="en-US"/>
+                </a:p>
+              </p:txBody>
+            </p:sp>
+          </p:grpSp>
+          <p:grpSp>
+            <p:nvGrpSpPr>
+              <p:cNvPr id="259" name="Group 258"/>
+              <p:cNvGrpSpPr/>
+              <p:nvPr/>
+            </p:nvGrpSpPr>
+            <p:grpSpPr>
+              <a:xfrm>
+                <a:off x="3442717" y="833817"/>
+                <a:ext cx="462534" cy="131798"/>
+                <a:chOff x="934467" y="508435"/>
+                <a:chExt cx="462534" cy="131798"/>
+              </a:xfrm>
+            </p:grpSpPr>
+            <p:cxnSp>
+              <p:nvCxnSpPr>
+                <p:cNvPr id="260" name="Straight Connector 259"/>
+                <p:cNvCxnSpPr/>
+                <p:nvPr/>
+              </p:nvCxnSpPr>
+              <p:spPr>
+                <a:xfrm>
+                  <a:off x="1066251" y="574334"/>
+                  <a:ext cx="330750" cy="0"/>
+                </a:xfrm>
+                <a:prstGeom prst="line">
+                  <a:avLst/>
+                </a:prstGeom>
+                <a:ln w="12700">
+                  <a:solidFill>
+                    <a:schemeClr val="tx1"/>
+                  </a:solidFill>
+                </a:ln>
+                <a:effectLst>
+                  <a:outerShdw blurRad="40000" dist="20000" dir="5400000" rotWithShape="0">
+                    <a:schemeClr val="bg1">
+                      <a:alpha val="38000"/>
+                    </a:schemeClr>
+                  </a:outerShdw>
+                </a:effectLst>
+              </p:spPr>
+              <p:style>
+                <a:lnRef idx="2">
+                  <a:schemeClr val="accent1"/>
+                </a:lnRef>
+                <a:fillRef idx="0">
+                  <a:schemeClr val="accent1"/>
+                </a:fillRef>
+                <a:effectRef idx="1">
+                  <a:schemeClr val="accent1"/>
+                </a:effectRef>
+                <a:fontRef idx="minor">
+                  <a:schemeClr val="tx1"/>
+                </a:fontRef>
+              </p:style>
+            </p:cxnSp>
+            <p:sp>
+              <p:nvSpPr>
+                <p:cNvPr id="261" name="Oval 260"/>
+                <p:cNvSpPr/>
+                <p:nvPr/>
+              </p:nvSpPr>
+              <p:spPr>
+                <a:xfrm>
+                  <a:off x="934467" y="508435"/>
+                  <a:ext cx="131784" cy="131798"/>
+                </a:xfrm>
+                <a:prstGeom prst="ellipse">
+                  <a:avLst/>
+                </a:prstGeom>
+                <a:solidFill>
+                  <a:srgbClr val="FFFFFF"/>
+                </a:solidFill>
+                <a:ln>
+                  <a:solidFill>
+                    <a:srgbClr val="000000"/>
+                  </a:solidFill>
+                </a:ln>
+              </p:spPr>
+              <p:style>
+                <a:lnRef idx="1">
+                  <a:schemeClr val="accent1"/>
+                </a:lnRef>
+                <a:fillRef idx="3">
+                  <a:schemeClr val="accent1"/>
+                </a:fillRef>
+                <a:effectRef idx="2">
+                  <a:schemeClr val="accent1"/>
+                </a:effectRef>
+                <a:fontRef idx="minor">
+                  <a:schemeClr val="lt1"/>
+                </a:fontRef>
+              </p:style>
+              <p:txBody>
+                <a:bodyPr rtlCol="0" anchor="ctr"/>
+                <a:lstStyle/>
+                <a:p>
+                  <a:pPr algn="ctr"/>
+                  <a:endParaRPr lang="en-US"/>
+                </a:p>
+              </p:txBody>
+            </p:sp>
+          </p:grpSp>
+          <p:grpSp>
+            <p:nvGrpSpPr>
+              <p:cNvPr id="262" name="Group 261"/>
+              <p:cNvGrpSpPr/>
+              <p:nvPr/>
+            </p:nvGrpSpPr>
+            <p:grpSpPr>
+              <a:xfrm>
+                <a:off x="3438738" y="1001711"/>
+                <a:ext cx="462534" cy="131798"/>
+                <a:chOff x="934467" y="508435"/>
+                <a:chExt cx="462534" cy="131798"/>
+              </a:xfrm>
+            </p:grpSpPr>
+            <p:cxnSp>
+              <p:nvCxnSpPr>
+                <p:cNvPr id="263" name="Straight Connector 262"/>
+                <p:cNvCxnSpPr/>
+                <p:nvPr/>
+              </p:nvCxnSpPr>
+              <p:spPr>
+                <a:xfrm>
+                  <a:off x="1066251" y="574334"/>
+                  <a:ext cx="330750" cy="0"/>
+                </a:xfrm>
+                <a:prstGeom prst="line">
+                  <a:avLst/>
+                </a:prstGeom>
+                <a:ln w="12700">
+                  <a:solidFill>
+                    <a:schemeClr val="tx1"/>
+                  </a:solidFill>
+                </a:ln>
+                <a:effectLst>
+                  <a:outerShdw blurRad="40000" dist="20000" dir="5400000" rotWithShape="0">
+                    <a:schemeClr val="bg1">
+                      <a:alpha val="38000"/>
+                    </a:schemeClr>
+                  </a:outerShdw>
+                </a:effectLst>
+              </p:spPr>
+              <p:style>
+                <a:lnRef idx="2">
+                  <a:schemeClr val="accent1"/>
+                </a:lnRef>
+                <a:fillRef idx="0">
+                  <a:schemeClr val="accent1"/>
+                </a:fillRef>
+                <a:effectRef idx="1">
+                  <a:schemeClr val="accent1"/>
+                </a:effectRef>
+                <a:fontRef idx="minor">
+                  <a:schemeClr val="tx1"/>
+                </a:fontRef>
+              </p:style>
+            </p:cxnSp>
+            <p:sp>
+              <p:nvSpPr>
+                <p:cNvPr id="264" name="Oval 263"/>
+                <p:cNvSpPr/>
+                <p:nvPr/>
+              </p:nvSpPr>
+              <p:spPr>
+                <a:xfrm>
+                  <a:off x="934467" y="508435"/>
+                  <a:ext cx="131784" cy="131798"/>
+                </a:xfrm>
+                <a:prstGeom prst="ellipse">
+                  <a:avLst/>
+                </a:prstGeom>
+                <a:solidFill>
+                  <a:schemeClr val="tx1"/>
+                </a:solidFill>
+                <a:ln>
+                  <a:solidFill>
+                    <a:srgbClr val="000000"/>
+                  </a:solidFill>
+                </a:ln>
+              </p:spPr>
+              <p:style>
+                <a:lnRef idx="1">
+                  <a:schemeClr val="accent1"/>
+                </a:lnRef>
+                <a:fillRef idx="3">
+                  <a:schemeClr val="accent1"/>
+                </a:fillRef>
+                <a:effectRef idx="2">
+                  <a:schemeClr val="accent1"/>
+                </a:effectRef>
+                <a:fontRef idx="minor">
+                  <a:schemeClr val="lt1"/>
+                </a:fontRef>
+              </p:style>
+              <p:txBody>
+                <a:bodyPr rtlCol="0" anchor="ctr"/>
+                <a:lstStyle/>
+                <a:p>
+                  <a:pPr algn="ctr"/>
+                  <a:endParaRPr lang="en-US"/>
+                </a:p>
+              </p:txBody>
+            </p:sp>
+          </p:grpSp>
+          <p:sp>
+            <p:nvSpPr>
+              <p:cNvPr id="265" name="TextBox 264"/>
+              <p:cNvSpPr txBox="1"/>
+              <p:nvPr/>
+            </p:nvSpPr>
+            <p:spPr>
+              <a:xfrm>
+                <a:off x="2290753" y="376314"/>
+                <a:ext cx="1201308" cy="307777"/>
+              </a:xfrm>
+              <a:prstGeom prst="rect">
+                <a:avLst/>
+              </a:prstGeom>
+              <a:noFill/>
+            </p:spPr>
+            <p:txBody>
+              <a:bodyPr wrap="none" rtlCol="0">
+                <a:spAutoFit/>
+              </a:bodyPr>
+              <a:lstStyle/>
+              <a:p>
+                <a:r>
+                  <a:rPr lang="en-US" sz="1400"/>
+                  <a:t>s</a:t>
+                </a:r>
+                <a:r>
+                  <a:rPr lang="en-US" sz="1400"/>
+                  <a:t>tart_location</a:t>
+                </a:r>
+              </a:p>
+            </p:txBody>
+          </p:sp>
+          <p:sp>
+            <p:nvSpPr>
+              <p:cNvPr id="266" name="TextBox 265"/>
+              <p:cNvSpPr txBox="1"/>
+              <p:nvPr/>
+            </p:nvSpPr>
+            <p:spPr>
+              <a:xfrm>
+                <a:off x="2133397" y="721744"/>
+                <a:ext cx="1351652" cy="307777"/>
+              </a:xfrm>
+              <a:prstGeom prst="rect">
+                <a:avLst/>
+              </a:prstGeom>
+              <a:noFill/>
+            </p:spPr>
+            <p:txBody>
+              <a:bodyPr wrap="none" rtlCol="0">
+                <a:spAutoFit/>
+              </a:bodyPr>
+              <a:lstStyle/>
+              <a:p>
+                <a:r>
+                  <a:rPr lang="en-US" sz="1400"/>
+                  <a:t>e</a:t>
+                </a:r>
+                <a:r>
+                  <a:rPr lang="en-US" sz="1400"/>
+                  <a:t>mail_of_driver</a:t>
+                </a:r>
+              </a:p>
+            </p:txBody>
+          </p:sp>
+          <p:sp>
+            <p:nvSpPr>
+              <p:cNvPr id="267" name="TextBox 266"/>
+              <p:cNvSpPr txBox="1"/>
+              <p:nvPr/>
+            </p:nvSpPr>
+            <p:spPr>
+              <a:xfrm>
+                <a:off x="2077920" y="903138"/>
+                <a:ext cx="1401796" cy="307777"/>
+              </a:xfrm>
+              <a:prstGeom prst="rect">
+                <a:avLst/>
+              </a:prstGeom>
+              <a:noFill/>
+            </p:spPr>
+            <p:txBody>
+              <a:bodyPr wrap="none" rtlCol="0">
+                <a:spAutoFit/>
+              </a:bodyPr>
+              <a:lstStyle/>
+              <a:p>
+                <a:r>
+                  <a:rPr lang="en-US" sz="1400"/>
+                  <a:t>advertisementID</a:t>
+                </a:r>
+              </a:p>
+            </p:txBody>
+          </p:sp>
+          <p:grpSp>
+            <p:nvGrpSpPr>
+              <p:cNvPr id="268" name="Group 267"/>
+              <p:cNvGrpSpPr/>
+              <p:nvPr/>
+            </p:nvGrpSpPr>
+            <p:grpSpPr>
+              <a:xfrm rot="10800000">
+                <a:off x="5503334" y="464635"/>
+                <a:ext cx="462534" cy="131798"/>
+                <a:chOff x="934467" y="508435"/>
+                <a:chExt cx="462534" cy="131798"/>
+              </a:xfrm>
+            </p:grpSpPr>
+            <p:cxnSp>
+              <p:nvCxnSpPr>
+                <p:cNvPr id="269" name="Straight Connector 268"/>
+                <p:cNvCxnSpPr/>
+                <p:nvPr/>
+              </p:nvCxnSpPr>
+              <p:spPr>
+                <a:xfrm>
+                  <a:off x="1066251" y="574334"/>
+                  <a:ext cx="330750" cy="0"/>
+                </a:xfrm>
+                <a:prstGeom prst="line">
+                  <a:avLst/>
+                </a:prstGeom>
+                <a:ln w="12700">
+                  <a:solidFill>
+                    <a:schemeClr val="tx1"/>
+                  </a:solidFill>
+                </a:ln>
+                <a:effectLst>
+                  <a:outerShdw blurRad="40000" dist="20000" dir="5400000" rotWithShape="0">
+                    <a:schemeClr val="bg1">
+                      <a:alpha val="38000"/>
+                    </a:schemeClr>
+                  </a:outerShdw>
+                </a:effectLst>
+              </p:spPr>
+              <p:style>
+                <a:lnRef idx="2">
+                  <a:schemeClr val="accent1"/>
+                </a:lnRef>
+                <a:fillRef idx="0">
+                  <a:schemeClr val="accent1"/>
+                </a:fillRef>
+                <a:effectRef idx="1">
+                  <a:schemeClr val="accent1"/>
+                </a:effectRef>
+                <a:fontRef idx="minor">
+                  <a:schemeClr val="tx1"/>
+                </a:fontRef>
+              </p:style>
+            </p:cxnSp>
+            <p:sp>
+              <p:nvSpPr>
+                <p:cNvPr id="270" name="Oval 269"/>
+                <p:cNvSpPr/>
+                <p:nvPr/>
+              </p:nvSpPr>
+              <p:spPr>
+                <a:xfrm>
+                  <a:off x="934467" y="508435"/>
+                  <a:ext cx="131784" cy="131798"/>
+                </a:xfrm>
+                <a:prstGeom prst="ellipse">
+                  <a:avLst/>
+                </a:prstGeom>
+                <a:solidFill>
+                  <a:srgbClr val="FFFFFF"/>
+                </a:solidFill>
+                <a:ln>
+                  <a:solidFill>
+                    <a:srgbClr val="000000"/>
+                  </a:solidFill>
+                </a:ln>
+              </p:spPr>
+              <p:style>
+                <a:lnRef idx="1">
+                  <a:schemeClr val="accent1"/>
+                </a:lnRef>
+                <a:fillRef idx="3">
+                  <a:schemeClr val="accent1"/>
+                </a:fillRef>
+                <a:effectRef idx="2">
+                  <a:schemeClr val="accent1"/>
+                </a:effectRef>
+                <a:fontRef idx="minor">
+                  <a:schemeClr val="lt1"/>
+                </a:fontRef>
+              </p:style>
+              <p:txBody>
+                <a:bodyPr rtlCol="0" anchor="ctr"/>
+                <a:lstStyle/>
+                <a:p>
+                  <a:pPr algn="ctr"/>
+                  <a:endParaRPr lang="en-US"/>
+                </a:p>
+              </p:txBody>
+            </p:sp>
+          </p:grpSp>
+          <p:grpSp>
+            <p:nvGrpSpPr>
+              <p:cNvPr id="271" name="Group 270"/>
+              <p:cNvGrpSpPr/>
+              <p:nvPr/>
+            </p:nvGrpSpPr>
+            <p:grpSpPr>
+              <a:xfrm rot="10800000">
+                <a:off x="5509979" y="638159"/>
+                <a:ext cx="462534" cy="131798"/>
+                <a:chOff x="934467" y="508435"/>
+                <a:chExt cx="462534" cy="131798"/>
+              </a:xfrm>
+            </p:grpSpPr>
+            <p:cxnSp>
+              <p:nvCxnSpPr>
+                <p:cNvPr id="272" name="Straight Connector 271"/>
+                <p:cNvCxnSpPr/>
+                <p:nvPr/>
+              </p:nvCxnSpPr>
+              <p:spPr>
+                <a:xfrm>
+                  <a:off x="1066251" y="574334"/>
+                  <a:ext cx="330750" cy="0"/>
+                </a:xfrm>
+                <a:prstGeom prst="line">
+                  <a:avLst/>
+                </a:prstGeom>
+                <a:ln w="12700">
+                  <a:solidFill>
+                    <a:schemeClr val="tx1"/>
+                  </a:solidFill>
+                </a:ln>
+                <a:effectLst>
+                  <a:outerShdw blurRad="40000" dist="20000" dir="5400000" rotWithShape="0">
+                    <a:schemeClr val="bg1">
+                      <a:alpha val="38000"/>
+                    </a:schemeClr>
+                  </a:outerShdw>
+                </a:effectLst>
+              </p:spPr>
+              <p:style>
+                <a:lnRef idx="2">
+                  <a:schemeClr val="accent1"/>
+                </a:lnRef>
+                <a:fillRef idx="0">
+                  <a:schemeClr val="accent1"/>
+                </a:fillRef>
+                <a:effectRef idx="1">
+                  <a:schemeClr val="accent1"/>
+                </a:effectRef>
+                <a:fontRef idx="minor">
+                  <a:schemeClr val="tx1"/>
+                </a:fontRef>
+              </p:style>
+            </p:cxnSp>
+            <p:sp>
+              <p:nvSpPr>
+                <p:cNvPr id="273" name="Oval 272"/>
+                <p:cNvSpPr/>
+                <p:nvPr/>
+              </p:nvSpPr>
+              <p:spPr>
+                <a:xfrm>
+                  <a:off x="934467" y="508435"/>
+                  <a:ext cx="131784" cy="131798"/>
+                </a:xfrm>
+                <a:prstGeom prst="ellipse">
+                  <a:avLst/>
+                </a:prstGeom>
+                <a:solidFill>
+                  <a:srgbClr val="FFFFFF"/>
+                </a:solidFill>
+                <a:ln>
+                  <a:solidFill>
+                    <a:srgbClr val="000000"/>
+                  </a:solidFill>
+                </a:ln>
+              </p:spPr>
+              <p:style>
+                <a:lnRef idx="1">
+                  <a:schemeClr val="accent1"/>
+                </a:lnRef>
+                <a:fillRef idx="3">
+                  <a:schemeClr val="accent1"/>
+                </a:fillRef>
+                <a:effectRef idx="2">
+                  <a:schemeClr val="accent1"/>
+                </a:effectRef>
+                <a:fontRef idx="minor">
+                  <a:schemeClr val="lt1"/>
+                </a:fontRef>
+              </p:style>
+              <p:txBody>
+                <a:bodyPr rtlCol="0" anchor="ctr"/>
+                <a:lstStyle/>
+                <a:p>
+                  <a:pPr algn="ctr"/>
+                  <a:endParaRPr lang="en-US"/>
+                </a:p>
+              </p:txBody>
+            </p:sp>
+          </p:grpSp>
+          <p:grpSp>
+            <p:nvGrpSpPr>
+              <p:cNvPr id="274" name="Group 273"/>
+              <p:cNvGrpSpPr/>
+              <p:nvPr/>
+            </p:nvGrpSpPr>
+            <p:grpSpPr>
+              <a:xfrm rot="10800000">
+                <a:off x="5509979" y="820317"/>
+                <a:ext cx="462534" cy="131798"/>
+                <a:chOff x="934467" y="508435"/>
+                <a:chExt cx="462534" cy="131798"/>
+              </a:xfrm>
+            </p:grpSpPr>
+            <p:cxnSp>
+              <p:nvCxnSpPr>
+                <p:cNvPr id="275" name="Straight Connector 274"/>
+                <p:cNvCxnSpPr/>
+                <p:nvPr/>
+              </p:nvCxnSpPr>
+              <p:spPr>
+                <a:xfrm>
+                  <a:off x="1066251" y="574334"/>
+                  <a:ext cx="330750" cy="0"/>
+                </a:xfrm>
+                <a:prstGeom prst="line">
+                  <a:avLst/>
+                </a:prstGeom>
+                <a:ln w="12700">
+                  <a:solidFill>
+                    <a:schemeClr val="tx1"/>
+                  </a:solidFill>
+                </a:ln>
+                <a:effectLst>
+                  <a:outerShdw blurRad="40000" dist="20000" dir="5400000" rotWithShape="0">
+                    <a:schemeClr val="bg1">
+                      <a:alpha val="38000"/>
+                    </a:schemeClr>
+                  </a:outerShdw>
+                </a:effectLst>
+              </p:spPr>
+              <p:style>
+                <a:lnRef idx="2">
+                  <a:schemeClr val="accent1"/>
+                </a:lnRef>
+                <a:fillRef idx="0">
+                  <a:schemeClr val="accent1"/>
+                </a:fillRef>
+                <a:effectRef idx="1">
+                  <a:schemeClr val="accent1"/>
+                </a:effectRef>
+                <a:fontRef idx="minor">
+                  <a:schemeClr val="tx1"/>
+                </a:fontRef>
+              </p:style>
+            </p:cxnSp>
+            <p:sp>
+              <p:nvSpPr>
+                <p:cNvPr id="276" name="Oval 275"/>
+                <p:cNvSpPr/>
+                <p:nvPr/>
+              </p:nvSpPr>
+              <p:spPr>
+                <a:xfrm>
+                  <a:off x="934467" y="508435"/>
+                  <a:ext cx="131784" cy="131798"/>
+                </a:xfrm>
+                <a:prstGeom prst="ellipse">
+                  <a:avLst/>
+                </a:prstGeom>
+                <a:solidFill>
+                  <a:srgbClr val="FFFFFF"/>
+                </a:solidFill>
+                <a:ln>
+                  <a:solidFill>
+                    <a:srgbClr val="000000"/>
+                  </a:solidFill>
+                </a:ln>
+              </p:spPr>
+              <p:style>
+                <a:lnRef idx="1">
+                  <a:schemeClr val="accent1"/>
+                </a:lnRef>
+                <a:fillRef idx="3">
+                  <a:schemeClr val="accent1"/>
+                </a:fillRef>
+                <a:effectRef idx="2">
+                  <a:schemeClr val="accent1"/>
+                </a:effectRef>
+                <a:fontRef idx="minor">
+                  <a:schemeClr val="lt1"/>
+                </a:fontRef>
+              </p:style>
+              <p:txBody>
+                <a:bodyPr rtlCol="0" anchor="ctr"/>
+                <a:lstStyle/>
+                <a:p>
+                  <a:pPr algn="ctr"/>
+                  <a:endParaRPr lang="en-US"/>
+                </a:p>
+              </p:txBody>
+            </p:sp>
+          </p:grpSp>
+          <p:grpSp>
+            <p:nvGrpSpPr>
+              <p:cNvPr id="277" name="Group 276"/>
+              <p:cNvGrpSpPr/>
+              <p:nvPr/>
+            </p:nvGrpSpPr>
+            <p:grpSpPr>
+              <a:xfrm rot="10800000">
+                <a:off x="5515314" y="989729"/>
+                <a:ext cx="462534" cy="131798"/>
+                <a:chOff x="934467" y="508435"/>
+                <a:chExt cx="462534" cy="131798"/>
+              </a:xfrm>
+            </p:grpSpPr>
+            <p:cxnSp>
+              <p:nvCxnSpPr>
+                <p:cNvPr id="278" name="Straight Connector 277"/>
+                <p:cNvCxnSpPr/>
+                <p:nvPr/>
+              </p:nvCxnSpPr>
+              <p:spPr>
+                <a:xfrm>
+                  <a:off x="1066251" y="574334"/>
+                  <a:ext cx="330750" cy="0"/>
+                </a:xfrm>
+                <a:prstGeom prst="line">
+                  <a:avLst/>
+                </a:prstGeom>
+                <a:ln w="12700">
+                  <a:solidFill>
+                    <a:schemeClr val="tx1"/>
+                  </a:solidFill>
+                </a:ln>
+                <a:effectLst>
+                  <a:outerShdw blurRad="40000" dist="20000" dir="5400000" rotWithShape="0">
+                    <a:schemeClr val="bg1">
+                      <a:alpha val="38000"/>
+                    </a:schemeClr>
+                  </a:outerShdw>
+                </a:effectLst>
+              </p:spPr>
+              <p:style>
+                <a:lnRef idx="2">
+                  <a:schemeClr val="accent1"/>
+                </a:lnRef>
+                <a:fillRef idx="0">
+                  <a:schemeClr val="accent1"/>
+                </a:fillRef>
+                <a:effectRef idx="1">
+                  <a:schemeClr val="accent1"/>
+                </a:effectRef>
+                <a:fontRef idx="minor">
+                  <a:schemeClr val="tx1"/>
+                </a:fontRef>
+              </p:style>
+            </p:cxnSp>
+            <p:sp>
+              <p:nvSpPr>
+                <p:cNvPr id="279" name="Oval 278"/>
+                <p:cNvSpPr/>
+                <p:nvPr/>
+              </p:nvSpPr>
+              <p:spPr>
+                <a:xfrm>
+                  <a:off x="934467" y="508435"/>
+                  <a:ext cx="131784" cy="131798"/>
+                </a:xfrm>
+                <a:prstGeom prst="ellipse">
+                  <a:avLst/>
+                </a:prstGeom>
+                <a:solidFill>
+                  <a:srgbClr val="FFFFFF"/>
+                </a:solidFill>
+                <a:ln>
+                  <a:solidFill>
+                    <a:srgbClr val="000000"/>
+                  </a:solidFill>
+                </a:ln>
+              </p:spPr>
+              <p:style>
+                <a:lnRef idx="1">
+                  <a:schemeClr val="accent1"/>
+                </a:lnRef>
+                <a:fillRef idx="3">
+                  <a:schemeClr val="accent1"/>
+                </a:fillRef>
+                <a:effectRef idx="2">
+                  <a:schemeClr val="accent1"/>
+                </a:effectRef>
+                <a:fontRef idx="minor">
+                  <a:schemeClr val="lt1"/>
+                </a:fontRef>
+              </p:style>
+              <p:txBody>
+                <a:bodyPr rtlCol="0" anchor="ctr"/>
+                <a:lstStyle/>
+                <a:p>
+                  <a:pPr algn="ctr"/>
+                  <a:endParaRPr lang="en-US"/>
+                </a:p>
+              </p:txBody>
+            </p:sp>
+          </p:grpSp>
+          <p:sp>
+            <p:nvSpPr>
+              <p:cNvPr id="280" name="TextBox 279"/>
+              <p:cNvSpPr txBox="1"/>
+              <p:nvPr/>
+            </p:nvSpPr>
+            <p:spPr>
+              <a:xfrm>
+                <a:off x="5929928" y="687941"/>
+                <a:ext cx="650338" cy="307777"/>
+              </a:xfrm>
+              <a:prstGeom prst="rect">
+                <a:avLst/>
+              </a:prstGeom>
+              <a:noFill/>
+            </p:spPr>
+            <p:txBody>
+              <a:bodyPr wrap="none" rtlCol="0">
+                <a:spAutoFit/>
+              </a:bodyPr>
+              <a:lstStyle/>
+              <a:p>
+                <a:r>
+                  <a:rPr lang="en-US" sz="1400"/>
+                  <a:t>closed</a:t>
+                </a:r>
+              </a:p>
+            </p:txBody>
+          </p:sp>
+          <p:sp>
+            <p:nvSpPr>
+              <p:cNvPr id="281" name="TextBox 280"/>
+              <p:cNvSpPr txBox="1"/>
+              <p:nvPr/>
+            </p:nvSpPr>
+            <p:spPr>
+              <a:xfrm>
+                <a:off x="5941908" y="889757"/>
+                <a:ext cx="955760" cy="307777"/>
+              </a:xfrm>
+              <a:prstGeom prst="rect">
+                <a:avLst/>
+              </a:prstGeom>
+              <a:noFill/>
+            </p:spPr>
+            <p:txBody>
+              <a:bodyPr wrap="none" rtlCol="0">
+                <a:spAutoFit/>
+              </a:bodyPr>
+              <a:lstStyle/>
+              <a:p>
+                <a:r>
+                  <a:rPr lang="en-US" sz="1400"/>
+                  <a:t>s</a:t>
+                </a:r>
+                <a:r>
+                  <a:rPr lang="en-US" sz="1400"/>
+                  <a:t>elf_select</a:t>
+                </a:r>
+              </a:p>
+            </p:txBody>
+          </p:sp>
+          <p:sp>
+            <p:nvSpPr>
+              <p:cNvPr id="287" name="TextBox 286"/>
+              <p:cNvSpPr txBox="1"/>
+              <p:nvPr/>
+            </p:nvSpPr>
+            <p:spPr>
+              <a:xfrm>
+                <a:off x="2348048" y="539527"/>
+                <a:ext cx="1140206" cy="307777"/>
+              </a:xfrm>
+              <a:prstGeom prst="rect">
+                <a:avLst/>
+              </a:prstGeom>
+              <a:noFill/>
+            </p:spPr>
+            <p:txBody>
+              <a:bodyPr wrap="none" rtlCol="0">
+                <a:spAutoFit/>
+              </a:bodyPr>
+              <a:lstStyle/>
+              <a:p>
+                <a:r>
+                  <a:rPr lang="en-US" sz="1400"/>
+                  <a:t>end_location</a:t>
+                </a:r>
+              </a:p>
+            </p:txBody>
+          </p:sp>
+          <p:sp>
+            <p:nvSpPr>
+              <p:cNvPr id="288" name="TextBox 287"/>
+              <p:cNvSpPr txBox="1"/>
+              <p:nvPr/>
+            </p:nvSpPr>
+            <p:spPr>
+              <a:xfrm>
+                <a:off x="5928300" y="354213"/>
+                <a:ext cx="1326004" cy="307777"/>
+              </a:xfrm>
+              <a:prstGeom prst="rect">
+                <a:avLst/>
+              </a:prstGeom>
+              <a:noFill/>
+            </p:spPr>
+            <p:txBody>
+              <a:bodyPr wrap="none" rtlCol="0">
+                <a:spAutoFit/>
+              </a:bodyPr>
+              <a:lstStyle/>
+              <a:p>
+                <a:r>
+                  <a:rPr lang="en-US" sz="1400"/>
+                  <a:t>date_of_pickup</a:t>
+                </a:r>
+                <a:endParaRPr lang="en-US" sz="1400"/>
+              </a:p>
+            </p:txBody>
+          </p:sp>
+          <p:sp>
+            <p:nvSpPr>
+              <p:cNvPr id="289" name="TextBox 288"/>
+              <p:cNvSpPr txBox="1"/>
+              <p:nvPr/>
+            </p:nvSpPr>
+            <p:spPr>
+              <a:xfrm>
+                <a:off x="5928300" y="520499"/>
+                <a:ext cx="1328772" cy="307777"/>
+              </a:xfrm>
+              <a:prstGeom prst="rect">
+                <a:avLst/>
+              </a:prstGeom>
+              <a:noFill/>
+            </p:spPr>
+            <p:txBody>
+              <a:bodyPr wrap="none" rtlCol="0">
+                <a:spAutoFit/>
+              </a:bodyPr>
+              <a:lstStyle/>
+              <a:p>
+                <a:r>
+                  <a:rPr lang="en-US" sz="1400"/>
+                  <a:t>time_of_pickup</a:t>
+                </a:r>
+                <a:endParaRPr lang="en-US" sz="1400"/>
+              </a:p>
+            </p:txBody>
+          </p:sp>
+        </p:grpSp>
+        <p:grpSp>
+          <p:nvGrpSpPr>
+            <p:cNvPr id="305" name="Group 304"/>
+            <p:cNvGrpSpPr/>
+            <p:nvPr/>
+          </p:nvGrpSpPr>
+          <p:grpSpPr>
+            <a:xfrm>
+              <a:off x="431423" y="2623383"/>
+              <a:ext cx="3229285" cy="1470189"/>
+              <a:chOff x="2411831" y="741665"/>
+              <a:chExt cx="3229285" cy="1470189"/>
+            </a:xfrm>
+          </p:grpSpPr>
+          <p:grpSp>
+            <p:nvGrpSpPr>
+              <p:cNvPr id="291" name="Group 290"/>
+              <p:cNvGrpSpPr/>
+              <p:nvPr/>
+            </p:nvGrpSpPr>
+            <p:grpSpPr>
+              <a:xfrm rot="21148015">
+                <a:off x="3823734" y="1012061"/>
+                <a:ext cx="256767" cy="319104"/>
+                <a:chOff x="3872622" y="2854611"/>
+                <a:chExt cx="256767" cy="319104"/>
+              </a:xfrm>
+            </p:grpSpPr>
+            <p:cxnSp>
+              <p:nvCxnSpPr>
+                <p:cNvPr id="292" name="Straight Connector 291"/>
+                <p:cNvCxnSpPr/>
+                <p:nvPr/>
+              </p:nvCxnSpPr>
+              <p:spPr>
+                <a:xfrm>
+                  <a:off x="3972683" y="2957948"/>
+                  <a:ext cx="156706" cy="215767"/>
+                </a:xfrm>
+                <a:prstGeom prst="line">
+                  <a:avLst/>
+                </a:prstGeom>
+                <a:ln w="12700">
+                  <a:solidFill>
+                    <a:schemeClr val="tx1"/>
+                  </a:solidFill>
+                </a:ln>
+                <a:effectLst>
+                  <a:outerShdw blurRad="40000" dist="20000" dir="5400000" rotWithShape="0">
+                    <a:schemeClr val="bg1">
+                      <a:alpha val="38000"/>
+                    </a:schemeClr>
+                  </a:outerShdw>
+                </a:effectLst>
+              </p:spPr>
+              <p:style>
+                <a:lnRef idx="2">
+                  <a:schemeClr val="accent1"/>
+                </a:lnRef>
+                <a:fillRef idx="0">
+                  <a:schemeClr val="accent1"/>
+                </a:fillRef>
+                <a:effectRef idx="1">
+                  <a:schemeClr val="accent1"/>
+                </a:effectRef>
+                <a:fontRef idx="minor">
+                  <a:schemeClr val="tx1"/>
+                </a:fontRef>
+              </p:style>
+            </p:cxnSp>
+            <p:sp>
+              <p:nvSpPr>
+                <p:cNvPr id="293" name="Oval 292"/>
+                <p:cNvSpPr/>
+                <p:nvPr/>
+              </p:nvSpPr>
+              <p:spPr>
+                <a:xfrm rot="3062628">
+                  <a:off x="3872629" y="2854604"/>
+                  <a:ext cx="131784" cy="131798"/>
+                </a:xfrm>
+                <a:prstGeom prst="ellipse">
+                  <a:avLst/>
+                </a:prstGeom>
+                <a:solidFill>
+                  <a:srgbClr val="FFFFFF"/>
+                </a:solidFill>
+                <a:ln>
+                  <a:solidFill>
+                    <a:srgbClr val="000000"/>
+                  </a:solidFill>
+                </a:ln>
+              </p:spPr>
+              <p:style>
+                <a:lnRef idx="1">
+                  <a:schemeClr val="accent1"/>
+                </a:lnRef>
+                <a:fillRef idx="3">
+                  <a:schemeClr val="accent1"/>
+                </a:fillRef>
+                <a:effectRef idx="2">
+                  <a:schemeClr val="accent1"/>
+                </a:effectRef>
+                <a:fontRef idx="minor">
+                  <a:schemeClr val="lt1"/>
+                </a:fontRef>
+              </p:style>
+              <p:txBody>
+                <a:bodyPr rtlCol="0" anchor="ctr"/>
+                <a:lstStyle/>
+                <a:p>
+                  <a:pPr algn="ctr"/>
+                  <a:endParaRPr lang="en-US"/>
+                </a:p>
+              </p:txBody>
+            </p:sp>
+          </p:grpSp>
+          <p:sp>
+            <p:nvSpPr>
+              <p:cNvPr id="294" name="TextBox 293"/>
+              <p:cNvSpPr txBox="1"/>
+              <p:nvPr/>
+            </p:nvSpPr>
+            <p:spPr>
+              <a:xfrm>
+                <a:off x="5093082" y="896795"/>
+                <a:ext cx="548034" cy="307777"/>
+              </a:xfrm>
+              <a:prstGeom prst="rect">
+                <a:avLst/>
+              </a:prstGeom>
+              <a:noFill/>
+            </p:spPr>
+            <p:txBody>
+              <a:bodyPr wrap="none" rtlCol="0">
+                <a:spAutoFit/>
+              </a:bodyPr>
+              <a:lstStyle/>
+              <a:p>
+                <a:r>
+                  <a:rPr lang="en-US" sz="1400"/>
+                  <a:t>price</a:t>
+                </a:r>
+                <a:endParaRPr lang="en-US" sz="1400"/>
+              </a:p>
+            </p:txBody>
+          </p:sp>
+          <p:sp>
+            <p:nvSpPr>
+              <p:cNvPr id="295" name="TextBox 294"/>
+              <p:cNvSpPr txBox="1"/>
+              <p:nvPr/>
+            </p:nvSpPr>
+            <p:spPr>
+              <a:xfrm>
+                <a:off x="3177304" y="1904077"/>
+                <a:ext cx="625705" cy="307777"/>
+              </a:xfrm>
+              <a:prstGeom prst="rect">
+                <a:avLst/>
+              </a:prstGeom>
+              <a:noFill/>
+            </p:spPr>
+            <p:txBody>
+              <a:bodyPr wrap="none" rtlCol="0">
+                <a:spAutoFit/>
+              </a:bodyPr>
+              <a:lstStyle/>
+              <a:p>
+                <a:r>
+                  <a:rPr lang="en-US" sz="1400"/>
+                  <a:t>status</a:t>
+                </a:r>
+              </a:p>
+            </p:txBody>
+          </p:sp>
+          <p:sp>
+            <p:nvSpPr>
+              <p:cNvPr id="296" name="Diamond 295"/>
+              <p:cNvSpPr/>
+              <p:nvPr/>
+            </p:nvSpPr>
+            <p:spPr>
+              <a:xfrm>
+                <a:off x="3705163" y="1050684"/>
+                <a:ext cx="1534111" cy="1096366"/>
+              </a:xfrm>
+              <a:prstGeom prst="diamond">
+                <a:avLst/>
+              </a:prstGeom>
+              <a:solidFill>
+                <a:schemeClr val="bg1"/>
+              </a:solidFill>
+              <a:ln>
+                <a:solidFill>
+                  <a:srgbClr val="000000"/>
+                </a:solidFill>
+              </a:ln>
+            </p:spPr>
+            <p:style>
+              <a:lnRef idx="1">
+                <a:schemeClr val="accent1"/>
+              </a:lnRef>
+              <a:fillRef idx="3">
+                <a:schemeClr val="accent1"/>
+              </a:fillRef>
+              <a:effectRef idx="2">
+                <a:schemeClr val="accent1"/>
+              </a:effectRef>
+              <a:fontRef idx="minor">
+                <a:schemeClr val="lt1"/>
+              </a:fontRef>
+            </p:style>
+            <p:txBody>
+              <a:bodyPr rtlCol="0" anchor="ctr"/>
+              <a:lstStyle/>
+              <a:p>
+                <a:pPr algn="ctr"/>
+                <a:endParaRPr lang="en-US"/>
+              </a:p>
+            </p:txBody>
+          </p:sp>
+          <p:sp>
+            <p:nvSpPr>
+              <p:cNvPr id="297" name="TextBox 296"/>
+              <p:cNvSpPr txBox="1"/>
+              <p:nvPr/>
+            </p:nvSpPr>
+            <p:spPr>
+              <a:xfrm>
+                <a:off x="4224384" y="1380846"/>
+                <a:ext cx="298937" cy="369332"/>
+              </a:xfrm>
+              <a:prstGeom prst="rect">
+                <a:avLst/>
+              </a:prstGeom>
+              <a:noFill/>
+            </p:spPr>
+            <p:txBody>
+              <a:bodyPr wrap="none" rtlCol="0">
+                <a:spAutoFit/>
+              </a:bodyPr>
+              <a:lstStyle/>
+              <a:p>
+                <a:r>
+                  <a:rPr lang="en-US"/>
+                  <a:t>bid</a:t>
+                </a:r>
+              </a:p>
+            </p:txBody>
+          </p:sp>
+          <p:grpSp>
+            <p:nvGrpSpPr>
+              <p:cNvPr id="298" name="Group 297"/>
+              <p:cNvGrpSpPr/>
+              <p:nvPr/>
+            </p:nvGrpSpPr>
+            <p:grpSpPr>
+              <a:xfrm rot="4664185">
+                <a:off x="4849574" y="999628"/>
+                <a:ext cx="256767" cy="319104"/>
+                <a:chOff x="3872622" y="2854611"/>
+                <a:chExt cx="256767" cy="319104"/>
+              </a:xfrm>
+            </p:grpSpPr>
+            <p:cxnSp>
+              <p:nvCxnSpPr>
+                <p:cNvPr id="299" name="Straight Connector 298"/>
+                <p:cNvCxnSpPr/>
+                <p:nvPr/>
+              </p:nvCxnSpPr>
+              <p:spPr>
+                <a:xfrm>
+                  <a:off x="3972683" y="2957948"/>
+                  <a:ext cx="156706" cy="215767"/>
+                </a:xfrm>
+                <a:prstGeom prst="line">
+                  <a:avLst/>
+                </a:prstGeom>
+                <a:ln w="12700">
+                  <a:solidFill>
+                    <a:schemeClr val="tx1"/>
+                  </a:solidFill>
+                </a:ln>
+                <a:effectLst>
+                  <a:outerShdw blurRad="40000" dist="20000" dir="5400000" rotWithShape="0">
+                    <a:schemeClr val="bg1">
+                      <a:alpha val="38000"/>
+                    </a:schemeClr>
+                  </a:outerShdw>
+                </a:effectLst>
+              </p:spPr>
+              <p:style>
+                <a:lnRef idx="2">
+                  <a:schemeClr val="accent1"/>
+                </a:lnRef>
+                <a:fillRef idx="0">
+                  <a:schemeClr val="accent1"/>
+                </a:fillRef>
+                <a:effectRef idx="1">
+                  <a:schemeClr val="accent1"/>
+                </a:effectRef>
+                <a:fontRef idx="minor">
+                  <a:schemeClr val="tx1"/>
+                </a:fontRef>
+              </p:style>
+            </p:cxnSp>
+            <p:sp>
+              <p:nvSpPr>
+                <p:cNvPr id="300" name="Oval 299"/>
+                <p:cNvSpPr/>
+                <p:nvPr/>
+              </p:nvSpPr>
+              <p:spPr>
+                <a:xfrm rot="3062628">
+                  <a:off x="3872629" y="2854604"/>
+                  <a:ext cx="131784" cy="131798"/>
+                </a:xfrm>
+                <a:prstGeom prst="ellipse">
+                  <a:avLst/>
+                </a:prstGeom>
+                <a:solidFill>
+                  <a:srgbClr val="FFFFFF"/>
+                </a:solidFill>
+                <a:ln>
+                  <a:solidFill>
+                    <a:srgbClr val="000000"/>
+                  </a:solidFill>
+                </a:ln>
+              </p:spPr>
+              <p:style>
+                <a:lnRef idx="1">
+                  <a:schemeClr val="accent1"/>
+                </a:lnRef>
+                <a:fillRef idx="3">
+                  <a:schemeClr val="accent1"/>
+                </a:fillRef>
+                <a:effectRef idx="2">
+                  <a:schemeClr val="accent1"/>
+                </a:effectRef>
+                <a:fontRef idx="minor">
+                  <a:schemeClr val="lt1"/>
+                </a:fontRef>
+              </p:style>
+              <p:txBody>
+                <a:bodyPr rtlCol="0" anchor="ctr"/>
+                <a:lstStyle/>
+                <a:p>
+                  <a:pPr algn="ctr"/>
+                  <a:endParaRPr lang="en-US"/>
+                </a:p>
+              </p:txBody>
+            </p:sp>
+          </p:grpSp>
+          <p:grpSp>
+            <p:nvGrpSpPr>
+              <p:cNvPr id="301" name="Group 300"/>
+              <p:cNvGrpSpPr/>
+              <p:nvPr/>
+            </p:nvGrpSpPr>
+            <p:grpSpPr>
+              <a:xfrm rot="16005414">
+                <a:off x="3794083" y="1850294"/>
+                <a:ext cx="256767" cy="319104"/>
+                <a:chOff x="3872622" y="2854611"/>
+                <a:chExt cx="256767" cy="319104"/>
+              </a:xfrm>
+            </p:grpSpPr>
+            <p:cxnSp>
+              <p:nvCxnSpPr>
+                <p:cNvPr id="302" name="Straight Connector 301"/>
+                <p:cNvCxnSpPr/>
+                <p:nvPr/>
+              </p:nvCxnSpPr>
+              <p:spPr>
+                <a:xfrm>
+                  <a:off x="3972683" y="2957948"/>
+                  <a:ext cx="156706" cy="215767"/>
+                </a:xfrm>
+                <a:prstGeom prst="line">
+                  <a:avLst/>
+                </a:prstGeom>
+                <a:ln w="12700">
+                  <a:solidFill>
+                    <a:schemeClr val="tx1"/>
+                  </a:solidFill>
+                </a:ln>
+                <a:effectLst>
+                  <a:outerShdw blurRad="40000" dist="20000" dir="5400000" rotWithShape="0">
+                    <a:schemeClr val="bg1">
+                      <a:alpha val="38000"/>
+                    </a:schemeClr>
+                  </a:outerShdw>
+                </a:effectLst>
+              </p:spPr>
+              <p:style>
+                <a:lnRef idx="2">
+                  <a:schemeClr val="accent1"/>
+                </a:lnRef>
+                <a:fillRef idx="0">
+                  <a:schemeClr val="accent1"/>
+                </a:fillRef>
+                <a:effectRef idx="1">
+                  <a:schemeClr val="accent1"/>
+                </a:effectRef>
+                <a:fontRef idx="minor">
+                  <a:schemeClr val="tx1"/>
+                </a:fontRef>
+              </p:style>
+            </p:cxnSp>
+            <p:sp>
+              <p:nvSpPr>
+                <p:cNvPr id="303" name="Oval 302"/>
+                <p:cNvSpPr/>
+                <p:nvPr/>
+              </p:nvSpPr>
+              <p:spPr>
+                <a:xfrm rot="3062628">
+                  <a:off x="3872629" y="2854604"/>
+                  <a:ext cx="131784" cy="131798"/>
+                </a:xfrm>
+                <a:prstGeom prst="ellipse">
+                  <a:avLst/>
+                </a:prstGeom>
+                <a:solidFill>
+                  <a:srgbClr val="FFFFFF"/>
+                </a:solidFill>
+                <a:ln>
+                  <a:solidFill>
+                    <a:srgbClr val="000000"/>
+                  </a:solidFill>
+                </a:ln>
+              </p:spPr>
+              <p:style>
+                <a:lnRef idx="1">
+                  <a:schemeClr val="accent1"/>
+                </a:lnRef>
+                <a:fillRef idx="3">
+                  <a:schemeClr val="accent1"/>
+                </a:fillRef>
+                <a:effectRef idx="2">
+                  <a:schemeClr val="accent1"/>
+                </a:effectRef>
+                <a:fontRef idx="minor">
+                  <a:schemeClr val="lt1"/>
+                </a:fontRef>
+              </p:style>
+              <p:txBody>
+                <a:bodyPr rtlCol="0" anchor="ctr"/>
+                <a:lstStyle/>
+                <a:p>
+                  <a:pPr algn="ctr"/>
+                  <a:endParaRPr lang="en-US"/>
+                </a:p>
+              </p:txBody>
+            </p:sp>
+          </p:grpSp>
+          <p:sp>
+            <p:nvSpPr>
+              <p:cNvPr id="304" name="TextBox 303"/>
+              <p:cNvSpPr txBox="1"/>
+              <p:nvPr/>
+            </p:nvSpPr>
+            <p:spPr>
+              <a:xfrm>
+                <a:off x="2411831" y="741665"/>
+                <a:ext cx="1995634" cy="307777"/>
+              </a:xfrm>
+              <a:prstGeom prst="rect">
+                <a:avLst/>
+              </a:prstGeom>
+              <a:noFill/>
+            </p:spPr>
+            <p:txBody>
+              <a:bodyPr wrap="none" rtlCol="0">
+                <a:spAutoFit/>
+              </a:bodyPr>
+              <a:lstStyle/>
+              <a:p>
+                <a:r>
+                  <a:rPr lang="en-US" sz="1400"/>
+                  <a:t>creation_date_and_time</a:t>
+                </a:r>
+                <a:endParaRPr lang="en-US" sz="1400"/>
+              </a:p>
+            </p:txBody>
+          </p:sp>
+        </p:grpSp>
+        <p:grpSp>
+          <p:nvGrpSpPr>
+            <p:cNvPr id="312" name="Group 311"/>
+            <p:cNvGrpSpPr/>
+            <p:nvPr/>
+          </p:nvGrpSpPr>
+          <p:grpSpPr>
+            <a:xfrm>
+              <a:off x="5675430" y="2762669"/>
+              <a:ext cx="3383553" cy="1250255"/>
+              <a:chOff x="3705163" y="896795"/>
+              <a:chExt cx="3383553" cy="1250255"/>
+            </a:xfrm>
+          </p:grpSpPr>
+          <p:sp>
+            <p:nvSpPr>
+              <p:cNvPr id="306" name="TextBox 305"/>
+              <p:cNvSpPr txBox="1"/>
+              <p:nvPr/>
+            </p:nvSpPr>
+            <p:spPr>
+              <a:xfrm>
+                <a:off x="5093082" y="896795"/>
+                <a:ext cx="1995634" cy="307777"/>
+              </a:xfrm>
+              <a:prstGeom prst="rect">
+                <a:avLst/>
+              </a:prstGeom>
+              <a:noFill/>
+            </p:spPr>
+            <p:txBody>
+              <a:bodyPr wrap="none" rtlCol="0">
+                <a:spAutoFit/>
+              </a:bodyPr>
+              <a:lstStyle/>
+              <a:p>
+                <a:r>
+                  <a:rPr lang="en-US" sz="1400"/>
+                  <a:t>creation_date_and_time</a:t>
+                </a:r>
+                <a:endParaRPr lang="en-US" sz="1400"/>
+              </a:p>
+            </p:txBody>
+          </p:sp>
+          <p:sp>
+            <p:nvSpPr>
+              <p:cNvPr id="307" name="Diamond 306"/>
+              <p:cNvSpPr/>
+              <p:nvPr/>
+            </p:nvSpPr>
+            <p:spPr>
+              <a:xfrm>
+                <a:off x="3705163" y="1050684"/>
+                <a:ext cx="1534111" cy="1096366"/>
+              </a:xfrm>
+              <a:prstGeom prst="diamond">
+                <a:avLst/>
+              </a:prstGeom>
+              <a:solidFill>
+                <a:schemeClr val="bg1"/>
+              </a:solidFill>
+              <a:ln>
+                <a:solidFill>
+                  <a:srgbClr val="000000"/>
+                </a:solidFill>
+              </a:ln>
+            </p:spPr>
+            <p:style>
+              <a:lnRef idx="1">
+                <a:schemeClr val="accent1"/>
+              </a:lnRef>
+              <a:fillRef idx="3">
+                <a:schemeClr val="accent1"/>
+              </a:fillRef>
+              <a:effectRef idx="2">
+                <a:schemeClr val="accent1"/>
+              </a:effectRef>
+              <a:fontRef idx="minor">
+                <a:schemeClr val="lt1"/>
+              </a:fontRef>
+            </p:style>
+            <p:txBody>
+              <a:bodyPr rtlCol="0" anchor="ctr"/>
+              <a:lstStyle/>
+              <a:p>
+                <a:pPr algn="ctr"/>
+                <a:endParaRPr lang="en-US"/>
+              </a:p>
+            </p:txBody>
+          </p:sp>
+          <p:sp>
+            <p:nvSpPr>
+              <p:cNvPr id="308" name="TextBox 307"/>
+              <p:cNvSpPr txBox="1"/>
+              <p:nvPr/>
+            </p:nvSpPr>
+            <p:spPr>
+              <a:xfrm>
+                <a:off x="4165216" y="1391233"/>
+                <a:ext cx="642611" cy="369332"/>
+              </a:xfrm>
+              <a:prstGeom prst="rect">
+                <a:avLst/>
+              </a:prstGeom>
+              <a:noFill/>
+            </p:spPr>
+            <p:txBody>
+              <a:bodyPr wrap="none" rtlCol="0">
+                <a:spAutoFit/>
+              </a:bodyPr>
+              <a:lstStyle/>
+              <a:p>
+                <a:r>
+                  <a:rPr lang="en-US"/>
+                  <a:t>offer</a:t>
+                </a:r>
+                <a:endParaRPr lang="en-US"/>
+              </a:p>
+            </p:txBody>
+          </p:sp>
+          <p:grpSp>
+            <p:nvGrpSpPr>
+              <p:cNvPr id="309" name="Group 308"/>
+              <p:cNvGrpSpPr/>
+              <p:nvPr/>
+            </p:nvGrpSpPr>
+            <p:grpSpPr>
+              <a:xfrm rot="5073274">
+                <a:off x="4849574" y="999628"/>
+                <a:ext cx="256767" cy="319104"/>
+                <a:chOff x="3872622" y="2854611"/>
+                <a:chExt cx="256767" cy="319104"/>
+              </a:xfrm>
+            </p:grpSpPr>
+            <p:cxnSp>
+              <p:nvCxnSpPr>
+                <p:cNvPr id="310" name="Straight Connector 309"/>
+                <p:cNvCxnSpPr/>
+                <p:nvPr/>
+              </p:nvCxnSpPr>
+              <p:spPr>
+                <a:xfrm>
+                  <a:off x="3972683" y="2957948"/>
+                  <a:ext cx="156706" cy="215767"/>
+                </a:xfrm>
+                <a:prstGeom prst="line">
+                  <a:avLst/>
+                </a:prstGeom>
+                <a:ln w="12700">
+                  <a:solidFill>
+                    <a:schemeClr val="tx1"/>
+                  </a:solidFill>
+                </a:ln>
+                <a:effectLst>
+                  <a:outerShdw blurRad="40000" dist="20000" dir="5400000" rotWithShape="0">
+                    <a:schemeClr val="bg1">
+                      <a:alpha val="38000"/>
+                    </a:schemeClr>
+                  </a:outerShdw>
+                </a:effectLst>
+              </p:spPr>
+              <p:style>
+                <a:lnRef idx="2">
+                  <a:schemeClr val="accent1"/>
+                </a:lnRef>
+                <a:fillRef idx="0">
+                  <a:schemeClr val="accent1"/>
+                </a:fillRef>
+                <a:effectRef idx="1">
+                  <a:schemeClr val="accent1"/>
+                </a:effectRef>
+                <a:fontRef idx="minor">
+                  <a:schemeClr val="tx1"/>
+                </a:fontRef>
+              </p:style>
+            </p:cxnSp>
+            <p:sp>
+              <p:nvSpPr>
+                <p:cNvPr id="311" name="Oval 310"/>
+                <p:cNvSpPr/>
+                <p:nvPr/>
+              </p:nvSpPr>
+              <p:spPr>
+                <a:xfrm rot="3062628">
+                  <a:off x="3872629" y="2854604"/>
+                  <a:ext cx="131784" cy="131798"/>
+                </a:xfrm>
+                <a:prstGeom prst="ellipse">
+                  <a:avLst/>
+                </a:prstGeom>
+                <a:solidFill>
+                  <a:srgbClr val="FFFFFF"/>
+                </a:solidFill>
+                <a:ln>
+                  <a:solidFill>
+                    <a:srgbClr val="000000"/>
+                  </a:solidFill>
+                </a:ln>
+              </p:spPr>
+              <p:style>
+                <a:lnRef idx="1">
+                  <a:schemeClr val="accent1"/>
+                </a:lnRef>
+                <a:fillRef idx="3">
+                  <a:schemeClr val="accent1"/>
+                </a:fillRef>
+                <a:effectRef idx="2">
+                  <a:schemeClr val="accent1"/>
+                </a:effectRef>
+                <a:fontRef idx="minor">
+                  <a:schemeClr val="lt1"/>
+                </a:fontRef>
+              </p:style>
+              <p:txBody>
+                <a:bodyPr rtlCol="0" anchor="ctr"/>
+                <a:lstStyle/>
+                <a:p>
+                  <a:pPr algn="ctr"/>
+                  <a:endParaRPr lang="en-US"/>
+                </a:p>
+              </p:txBody>
+            </p:sp>
+          </p:grpSp>
+        </p:grpSp>
+        <p:cxnSp>
+          <p:nvCxnSpPr>
+            <p:cNvPr id="313" name="Straight Connector 312"/>
+            <p:cNvCxnSpPr/>
+            <p:nvPr/>
+          </p:nvCxnSpPr>
+          <p:spPr>
+            <a:xfrm>
+              <a:off x="5046026" y="4489577"/>
+              <a:ext cx="0" cy="429768"/>
+            </a:xfrm>
+            <a:prstGeom prst="line">
+              <a:avLst/>
+            </a:prstGeom>
+            <a:ln w="12700">
+              <a:solidFill>
+                <a:srgbClr val="000000"/>
+              </a:solidFill>
+            </a:ln>
+            <a:effectLst>
+              <a:outerShdw blurRad="40000" dist="20000" dir="5400000" rotWithShape="0">
+                <a:schemeClr val="bg1">
+                  <a:alpha val="38000"/>
+                </a:schemeClr>
+              </a:outerShdw>
+            </a:effectLst>
+          </p:spPr>
+          <p:style>
+            <a:lnRef idx="2">
+              <a:schemeClr val="accent1"/>
+            </a:lnRef>
+            <a:fillRef idx="0">
+              <a:schemeClr val="accent1"/>
+            </a:fillRef>
+            <a:effectRef idx="1">
+              <a:schemeClr val="accent1"/>
+            </a:effectRef>
+            <a:fontRef idx="minor">
+              <a:schemeClr val="tx1"/>
+            </a:fontRef>
+          </p:style>
+        </p:cxnSp>
+        <p:cxnSp>
+          <p:nvCxnSpPr>
+            <p:cNvPr id="314" name="Straight Connector 313"/>
+            <p:cNvCxnSpPr/>
+            <p:nvPr/>
+          </p:nvCxnSpPr>
+          <p:spPr>
+            <a:xfrm>
+              <a:off x="5046026" y="2026376"/>
+              <a:ext cx="0" cy="429768"/>
+            </a:xfrm>
+            <a:prstGeom prst="line">
+              <a:avLst/>
+            </a:prstGeom>
+            <a:ln w="12700">
+              <a:solidFill>
+                <a:srgbClr val="000000"/>
+              </a:solidFill>
+            </a:ln>
+            <a:effectLst>
+              <a:outerShdw blurRad="40000" dist="20000" dir="5400000" rotWithShape="0">
+                <a:schemeClr val="bg1">
+                  <a:alpha val="38000"/>
+                </a:schemeClr>
+              </a:outerShdw>
+            </a:effectLst>
+          </p:spPr>
+          <p:style>
+            <a:lnRef idx="2">
+              <a:schemeClr val="accent1"/>
+            </a:lnRef>
+            <a:fillRef idx="0">
+              <a:schemeClr val="accent1"/>
+            </a:fillRef>
+            <a:effectRef idx="1">
+              <a:schemeClr val="accent1"/>
+            </a:effectRef>
+            <a:fontRef idx="minor">
+              <a:schemeClr val="tx1"/>
+            </a:fontRef>
+          </p:style>
+        </p:cxnSp>
+        <p:cxnSp>
+          <p:nvCxnSpPr>
+            <p:cNvPr id="315" name="Straight Connector 314"/>
+            <p:cNvCxnSpPr/>
+            <p:nvPr/>
+          </p:nvCxnSpPr>
+          <p:spPr>
+            <a:xfrm>
+              <a:off x="5040519" y="2456144"/>
+              <a:ext cx="1406582" cy="0"/>
+            </a:xfrm>
+            <a:prstGeom prst="line">
+              <a:avLst/>
+            </a:prstGeom>
+            <a:ln w="12700">
+              <a:solidFill>
+                <a:srgbClr val="000000"/>
+              </a:solidFill>
+            </a:ln>
+            <a:effectLst>
+              <a:outerShdw blurRad="40000" dist="20000" dir="5400000" rotWithShape="0">
+                <a:schemeClr val="bg1">
+                  <a:alpha val="38000"/>
+                </a:schemeClr>
+              </a:outerShdw>
+            </a:effectLst>
+          </p:spPr>
+          <p:style>
+            <a:lnRef idx="2">
+              <a:schemeClr val="accent1"/>
+            </a:lnRef>
+            <a:fillRef idx="0">
+              <a:schemeClr val="accent1"/>
+            </a:fillRef>
+            <a:effectRef idx="1">
+              <a:schemeClr val="accent1"/>
+            </a:effectRef>
+            <a:fontRef idx="minor">
+              <a:schemeClr val="tx1"/>
+            </a:fontRef>
+          </p:style>
+        </p:cxnSp>
+        <p:cxnSp>
+          <p:nvCxnSpPr>
+            <p:cNvPr id="316" name="Straight Connector 315"/>
+            <p:cNvCxnSpPr/>
+            <p:nvPr/>
+          </p:nvCxnSpPr>
+          <p:spPr>
+            <a:xfrm>
+              <a:off x="5046026" y="4488412"/>
+              <a:ext cx="1406582" cy="0"/>
+            </a:xfrm>
+            <a:prstGeom prst="line">
+              <a:avLst/>
+            </a:prstGeom>
+            <a:ln w="12700">
+              <a:solidFill>
+                <a:srgbClr val="000000"/>
+              </a:solidFill>
+            </a:ln>
+            <a:effectLst>
+              <a:outerShdw blurRad="40000" dist="20000" dir="5400000" rotWithShape="0">
+                <a:schemeClr val="bg1">
+                  <a:alpha val="38000"/>
+                </a:schemeClr>
+              </a:outerShdw>
+            </a:effectLst>
+          </p:spPr>
+          <p:style>
+            <a:lnRef idx="2">
+              <a:schemeClr val="accent1"/>
+            </a:lnRef>
+            <a:fillRef idx="0">
+              <a:schemeClr val="accent1"/>
+            </a:fillRef>
+            <a:effectRef idx="1">
+              <a:schemeClr val="accent1"/>
+            </a:effectRef>
+            <a:fontRef idx="minor">
+              <a:schemeClr val="tx1"/>
+            </a:fontRef>
+          </p:style>
+        </p:cxnSp>
+        <p:cxnSp>
+          <p:nvCxnSpPr>
+            <p:cNvPr id="317" name="Straight Connector 316"/>
+            <p:cNvCxnSpPr/>
+            <p:nvPr/>
+          </p:nvCxnSpPr>
+          <p:spPr>
+            <a:xfrm>
+              <a:off x="6452608" y="4012924"/>
+              <a:ext cx="0" cy="475488"/>
+            </a:xfrm>
+            <a:prstGeom prst="line">
+              <a:avLst/>
+            </a:prstGeom>
+            <a:ln w="12700">
+              <a:solidFill>
+                <a:srgbClr val="000000"/>
+              </a:solidFill>
+            </a:ln>
+            <a:effectLst>
+              <a:outerShdw blurRad="40000" dist="20000" dir="5400000" rotWithShape="0">
+                <a:schemeClr val="bg1">
+                  <a:alpha val="38000"/>
+                </a:schemeClr>
+              </a:outerShdw>
+            </a:effectLst>
+          </p:spPr>
+          <p:style>
+            <a:lnRef idx="2">
+              <a:schemeClr val="accent1"/>
+            </a:lnRef>
+            <a:fillRef idx="0">
+              <a:schemeClr val="accent1"/>
+            </a:fillRef>
+            <a:effectRef idx="1">
+              <a:schemeClr val="accent1"/>
+            </a:effectRef>
+            <a:fontRef idx="minor">
+              <a:schemeClr val="tx1"/>
+            </a:fontRef>
+          </p:style>
+        </p:cxnSp>
+        <p:cxnSp>
+          <p:nvCxnSpPr>
+            <p:cNvPr id="318" name="Straight Connector 317"/>
+            <p:cNvCxnSpPr/>
+            <p:nvPr/>
+          </p:nvCxnSpPr>
+          <p:spPr>
+            <a:xfrm>
+              <a:off x="6445538" y="2453312"/>
+              <a:ext cx="0" cy="475488"/>
+            </a:xfrm>
+            <a:prstGeom prst="line">
+              <a:avLst/>
+            </a:prstGeom>
+            <a:ln w="12700">
+              <a:solidFill>
+                <a:srgbClr val="000000"/>
+              </a:solidFill>
+            </a:ln>
+            <a:effectLst>
+              <a:outerShdw blurRad="40000" dist="20000" dir="5400000" rotWithShape="0">
+                <a:schemeClr val="bg1">
+                  <a:alpha val="38000"/>
+                </a:schemeClr>
+              </a:outerShdw>
+            </a:effectLst>
+          </p:spPr>
+          <p:style>
+            <a:lnRef idx="2">
+              <a:schemeClr val="accent1"/>
+            </a:lnRef>
+            <a:fillRef idx="0">
+              <a:schemeClr val="accent1"/>
+            </a:fillRef>
+            <a:effectRef idx="1">
+              <a:schemeClr val="accent1"/>
+            </a:effectRef>
+            <a:fontRef idx="minor">
+              <a:schemeClr val="tx1"/>
+            </a:fontRef>
+          </p:style>
+        </p:cxnSp>
+        <p:sp>
+          <p:nvSpPr>
+            <p:cNvPr id="319" name="TextBox 318"/>
+            <p:cNvSpPr txBox="1"/>
+            <p:nvPr/>
+          </p:nvSpPr>
+          <p:spPr>
+            <a:xfrm>
+              <a:off x="4999246" y="4617758"/>
+              <a:ext cx="560921" cy="307777"/>
+            </a:xfrm>
+            <a:prstGeom prst="rect">
+              <a:avLst/>
+            </a:prstGeom>
+            <a:noFill/>
+          </p:spPr>
+          <p:txBody>
+            <a:bodyPr wrap="none" rtlCol="0">
+              <a:spAutoFit/>
+            </a:bodyPr>
+            <a:lstStyle/>
+            <a:p>
+              <a:r>
+                <a:rPr lang="en-US" sz="1400"/>
+                <a:t>(1, 1)</a:t>
+              </a:r>
+            </a:p>
+          </p:txBody>
+        </p:sp>
+        <p:sp>
+          <p:nvSpPr>
+            <p:cNvPr id="320" name="TextBox 319"/>
+            <p:cNvSpPr txBox="1"/>
+            <p:nvPr/>
+          </p:nvSpPr>
+          <p:spPr>
+            <a:xfrm>
+              <a:off x="5007868" y="2031617"/>
+              <a:ext cx="613344" cy="307777"/>
+            </a:xfrm>
+            <a:prstGeom prst="rect">
+              <a:avLst/>
+            </a:prstGeom>
+            <a:noFill/>
+          </p:spPr>
+          <p:txBody>
+            <a:bodyPr wrap="none" rtlCol="0">
+              <a:spAutoFit/>
+            </a:bodyPr>
+            <a:lstStyle/>
+            <a:p>
+              <a:r>
+                <a:rPr lang="en-US" sz="1400"/>
+                <a:t>(0, m)</a:t>
+              </a:r>
+            </a:p>
+          </p:txBody>
+        </p:sp>
+      </p:grpSp>
+    </p:spTree>
+    <p:extLst>
+      <p:ext uri="{BB962C8B-B14F-4D97-AF65-F5344CB8AC3E}">
+        <p14:creationId xmlns:p14="http://schemas.microsoft.com/office/powerpoint/2010/main" val="905448964"/>
+      </p:ext>
+    </p:extLst>
+  </p:cSld>
+  <p:clrMapOvr>
+    <a:masterClrMapping/>
+  </p:clrMapOvr>
+</p:sld>
+</file>
+
+<file path=ppt/slides/slide2.xml><?xml version="1.0" encoding="utf-8"?>
+<p:sld xmlns:a="http://schemas.openxmlformats.org/drawingml/2006/main" xmlns:r="http://schemas.openxmlformats.org/officeDocument/2006/relationships" xmlns:p="http://schemas.openxmlformats.org/presentationml/2006/main">
+  <p:cSld>
+    <p:spTree>
+      <p:nvGrpSpPr>
+        <p:cNvPr id="1" name=""/>
+        <p:cNvGrpSpPr/>
+        <p:nvPr/>
+      </p:nvGrpSpPr>
+      <p:grpSpPr>
+        <a:xfrm>
+          <a:off x="0" y="0"/>
+          <a:ext cx="0" cy="0"/>
+          <a:chOff x="0" y="0"/>
+          <a:chExt cx="0" cy="0"/>
+        </a:xfrm>
+      </p:grpSpPr>
+      <p:grpSp>
+        <p:nvGrpSpPr>
+          <p:cNvPr id="4" name="Group 3"/>
+          <p:cNvGrpSpPr/>
+          <p:nvPr/>
+        </p:nvGrpSpPr>
+        <p:grpSpPr>
+          <a:xfrm>
+            <a:off x="3901272" y="484211"/>
+            <a:ext cx="1639654" cy="687917"/>
+            <a:chOff x="3160438" y="772583"/>
+            <a:chExt cx="1639654" cy="687917"/>
           </a:xfrm>
         </p:grpSpPr>
         <p:sp>
           <p:nvSpPr>
-            <p:cNvPr id="4" name="Rectangle 3"/>
+            <p:cNvPr id="5" name="Rectangle 4"/>
             <p:cNvSpPr/>
             <p:nvPr/>
           </p:nvSpPr>
@@ -3110,14 +6996,14 @@
         </p:sp>
         <p:sp>
           <p:nvSpPr>
-            <p:cNvPr id="5" name="TextBox 4"/>
+            <p:cNvPr id="6" name="TextBox 5"/>
             <p:cNvSpPr txBox="1"/>
             <p:nvPr/>
           </p:nvSpPr>
           <p:spPr>
             <a:xfrm>
-              <a:off x="3302000" y="920751"/>
-              <a:ext cx="1338941" cy="369332"/>
+              <a:off x="3160438" y="920751"/>
+              <a:ext cx="1639654" cy="369332"/>
             </a:xfrm>
             <a:prstGeom prst="rect">
               <a:avLst/>
@@ -3132,7 +7018,7 @@
             <a:p>
               <a:r>
                 <a:rPr lang="en-US"/>
-                <a:t>useraccount</a:t>
+                <a:t>advertisements</a:t>
               </a:r>
             </a:p>
           </p:txBody>
@@ -3140,13 +7026,219 @@
       </p:grpSp>
       <p:grpSp>
         <p:nvGrpSpPr>
-          <p:cNvPr id="21" name="Group 20"/>
+          <p:cNvPr id="7" name="Group 6"/>
           <p:cNvGrpSpPr/>
           <p:nvPr/>
         </p:nvGrpSpPr>
         <p:grpSpPr>
           <a:xfrm>
-            <a:off x="934467" y="426166"/>
+            <a:off x="3442717" y="484211"/>
+            <a:ext cx="462534" cy="131798"/>
+            <a:chOff x="934467" y="508435"/>
+            <a:chExt cx="462534" cy="131798"/>
+          </a:xfrm>
+        </p:grpSpPr>
+        <p:cxnSp>
+          <p:nvCxnSpPr>
+            <p:cNvPr id="8" name="Straight Connector 7"/>
+            <p:cNvCxnSpPr/>
+            <p:nvPr/>
+          </p:nvCxnSpPr>
+          <p:spPr>
+            <a:xfrm>
+              <a:off x="1066251" y="574334"/>
+              <a:ext cx="330750" cy="0"/>
+            </a:xfrm>
+            <a:prstGeom prst="line">
+              <a:avLst/>
+            </a:prstGeom>
+            <a:ln w="12700">
+              <a:solidFill>
+                <a:schemeClr val="tx1"/>
+              </a:solidFill>
+            </a:ln>
+            <a:effectLst>
+              <a:outerShdw blurRad="40000" dist="20000" dir="5400000" rotWithShape="0">
+                <a:schemeClr val="bg1">
+                  <a:alpha val="38000"/>
+                </a:schemeClr>
+              </a:outerShdw>
+            </a:effectLst>
+          </p:spPr>
+          <p:style>
+            <a:lnRef idx="2">
+              <a:schemeClr val="accent1"/>
+            </a:lnRef>
+            <a:fillRef idx="0">
+              <a:schemeClr val="accent1"/>
+            </a:fillRef>
+            <a:effectRef idx="1">
+              <a:schemeClr val="accent1"/>
+            </a:effectRef>
+            <a:fontRef idx="minor">
+              <a:schemeClr val="tx1"/>
+            </a:fontRef>
+          </p:style>
+        </p:cxnSp>
+        <p:sp>
+          <p:nvSpPr>
+            <p:cNvPr id="9" name="Oval 8"/>
+            <p:cNvSpPr/>
+            <p:nvPr/>
+          </p:nvSpPr>
+          <p:spPr>
+            <a:xfrm>
+              <a:off x="934467" y="508435"/>
+              <a:ext cx="131784" cy="131798"/>
+            </a:xfrm>
+            <a:prstGeom prst="ellipse">
+              <a:avLst/>
+            </a:prstGeom>
+            <a:solidFill>
+              <a:srgbClr val="FFFFFF"/>
+            </a:solidFill>
+            <a:ln>
+              <a:solidFill>
+                <a:srgbClr val="000000"/>
+              </a:solidFill>
+            </a:ln>
+          </p:spPr>
+          <p:style>
+            <a:lnRef idx="1">
+              <a:schemeClr val="accent1"/>
+            </a:lnRef>
+            <a:fillRef idx="3">
+              <a:schemeClr val="accent1"/>
+            </a:fillRef>
+            <a:effectRef idx="2">
+              <a:schemeClr val="accent1"/>
+            </a:effectRef>
+            <a:fontRef idx="minor">
+              <a:schemeClr val="lt1"/>
+            </a:fontRef>
+          </p:style>
+          <p:txBody>
+            <a:bodyPr rtlCol="0" anchor="ctr"/>
+            <a:lstStyle/>
+            <a:p>
+              <a:pPr algn="ctr"/>
+              <a:endParaRPr lang="en-US"/>
+            </a:p>
+          </p:txBody>
+        </p:sp>
+      </p:grpSp>
+      <p:grpSp>
+        <p:nvGrpSpPr>
+          <p:cNvPr id="10" name="Group 9"/>
+          <p:cNvGrpSpPr/>
+          <p:nvPr/>
+        </p:nvGrpSpPr>
+        <p:grpSpPr>
+          <a:xfrm>
+            <a:off x="3438738" y="657454"/>
+            <a:ext cx="462534" cy="131798"/>
+            <a:chOff x="934467" y="508435"/>
+            <a:chExt cx="462534" cy="131798"/>
+          </a:xfrm>
+        </p:grpSpPr>
+        <p:cxnSp>
+          <p:nvCxnSpPr>
+            <p:cNvPr id="11" name="Straight Connector 10"/>
+            <p:cNvCxnSpPr/>
+            <p:nvPr/>
+          </p:nvCxnSpPr>
+          <p:spPr>
+            <a:xfrm>
+              <a:off x="1066251" y="574334"/>
+              <a:ext cx="330750" cy="0"/>
+            </a:xfrm>
+            <a:prstGeom prst="line">
+              <a:avLst/>
+            </a:prstGeom>
+            <a:ln w="12700">
+              <a:solidFill>
+                <a:schemeClr val="tx1"/>
+              </a:solidFill>
+            </a:ln>
+            <a:effectLst>
+              <a:outerShdw blurRad="40000" dist="20000" dir="5400000" rotWithShape="0">
+                <a:schemeClr val="bg1">
+                  <a:alpha val="38000"/>
+                </a:schemeClr>
+              </a:outerShdw>
+            </a:effectLst>
+          </p:spPr>
+          <p:style>
+            <a:lnRef idx="2">
+              <a:schemeClr val="accent1"/>
+            </a:lnRef>
+            <a:fillRef idx="0">
+              <a:schemeClr val="accent1"/>
+            </a:fillRef>
+            <a:effectRef idx="1">
+              <a:schemeClr val="accent1"/>
+            </a:effectRef>
+            <a:fontRef idx="minor">
+              <a:schemeClr val="tx1"/>
+            </a:fontRef>
+          </p:style>
+        </p:cxnSp>
+        <p:sp>
+          <p:nvSpPr>
+            <p:cNvPr id="12" name="Oval 11"/>
+            <p:cNvSpPr/>
+            <p:nvPr/>
+          </p:nvSpPr>
+          <p:spPr>
+            <a:xfrm>
+              <a:off x="934467" y="508435"/>
+              <a:ext cx="131784" cy="131798"/>
+            </a:xfrm>
+            <a:prstGeom prst="ellipse">
+              <a:avLst/>
+            </a:prstGeom>
+            <a:solidFill>
+              <a:srgbClr val="FFFFFF"/>
+            </a:solidFill>
+            <a:ln>
+              <a:solidFill>
+                <a:srgbClr val="000000"/>
+              </a:solidFill>
+            </a:ln>
+          </p:spPr>
+          <p:style>
+            <a:lnRef idx="1">
+              <a:schemeClr val="accent1"/>
+            </a:lnRef>
+            <a:fillRef idx="3">
+              <a:schemeClr val="accent1"/>
+            </a:fillRef>
+            <a:effectRef idx="2">
+              <a:schemeClr val="accent1"/>
+            </a:effectRef>
+            <a:fontRef idx="minor">
+              <a:schemeClr val="lt1"/>
+            </a:fontRef>
+          </p:style>
+          <p:txBody>
+            <a:bodyPr rtlCol="0" anchor="ctr"/>
+            <a:lstStyle/>
+            <a:p>
+              <a:pPr algn="ctr"/>
+              <a:endParaRPr lang="en-US"/>
+            </a:p>
+          </p:txBody>
+        </p:sp>
+      </p:grpSp>
+      <p:grpSp>
+        <p:nvGrpSpPr>
+          <p:cNvPr id="13" name="Group 12"/>
+          <p:cNvGrpSpPr/>
+          <p:nvPr/>
+        </p:nvGrpSpPr>
+        <p:grpSpPr>
+          <a:xfrm>
+            <a:off x="3442717" y="833817"/>
             <a:ext cx="462534" cy="131798"/>
             <a:chOff x="934467" y="508435"/>
             <a:chExt cx="462534" cy="131798"/>
@@ -3196,7 +7288,7 @@
         </p:cxnSp>
         <p:sp>
           <p:nvSpPr>
-            <p:cNvPr id="20" name="Oval 19"/>
+            <p:cNvPr id="15" name="Oval 14"/>
             <p:cNvSpPr/>
             <p:nvPr/>
           </p:nvSpPr>
@@ -3243,13 +7335,13 @@
       </p:grpSp>
       <p:grpSp>
         <p:nvGrpSpPr>
-          <p:cNvPr id="22" name="Group 21"/>
+          <p:cNvPr id="16" name="Group 15"/>
           <p:cNvGrpSpPr/>
           <p:nvPr/>
         </p:nvGrpSpPr>
         <p:grpSpPr>
           <a:xfrm>
-            <a:off x="930488" y="599409"/>
+            <a:off x="3438738" y="1001711"/>
             <a:ext cx="462534" cy="131798"/>
             <a:chOff x="934467" y="508435"/>
             <a:chExt cx="462534" cy="131798"/>
@@ -3257,7 +7349,7 @@
         </p:grpSpPr>
         <p:cxnSp>
           <p:nvCxnSpPr>
-            <p:cNvPr id="23" name="Straight Connector 22"/>
+            <p:cNvPr id="17" name="Straight Connector 16"/>
             <p:cNvCxnSpPr/>
             <p:nvPr/>
           </p:nvCxnSpPr>
@@ -3299,7 +7391,7 @@
         </p:cxnSp>
         <p:sp>
           <p:nvSpPr>
-            <p:cNvPr id="24" name="Oval 23"/>
+            <p:cNvPr id="18" name="Oval 17"/>
             <p:cNvSpPr/>
             <p:nvPr/>
           </p:nvSpPr>
@@ -3312,7 +7404,7 @@
               <a:avLst/>
             </a:prstGeom>
             <a:solidFill>
-              <a:srgbClr val="FFFFFF"/>
+              <a:schemeClr val="tx1"/>
             </a:solidFill>
             <a:ln>
               <a:solidFill>
@@ -3344,15 +7436,110 @@
           </p:txBody>
         </p:sp>
       </p:grpSp>
+      <p:sp>
+        <p:nvSpPr>
+          <p:cNvPr id="19" name="TextBox 18"/>
+          <p:cNvSpPr txBox="1"/>
+          <p:nvPr/>
+        </p:nvSpPr>
+        <p:spPr>
+          <a:xfrm>
+            <a:off x="2290753" y="376314"/>
+            <a:ext cx="1201308" cy="307777"/>
+          </a:xfrm>
+          <a:prstGeom prst="rect">
+            <a:avLst/>
+          </a:prstGeom>
+          <a:noFill/>
+        </p:spPr>
+        <p:txBody>
+          <a:bodyPr wrap="none" rtlCol="0">
+            <a:spAutoFit/>
+          </a:bodyPr>
+          <a:lstStyle/>
+          <a:p>
+            <a:r>
+              <a:rPr lang="en-US" sz="1400"/>
+              <a:t>s</a:t>
+            </a:r>
+            <a:r>
+              <a:rPr lang="en-US" sz="1400"/>
+              <a:t>tart_location</a:t>
+            </a:r>
+          </a:p>
+        </p:txBody>
+      </p:sp>
+      <p:sp>
+        <p:nvSpPr>
+          <p:cNvPr id="20" name="TextBox 19"/>
+          <p:cNvSpPr txBox="1"/>
+          <p:nvPr/>
+        </p:nvSpPr>
+        <p:spPr>
+          <a:xfrm>
+            <a:off x="2133397" y="721744"/>
+            <a:ext cx="1351652" cy="307777"/>
+          </a:xfrm>
+          <a:prstGeom prst="rect">
+            <a:avLst/>
+          </a:prstGeom>
+          <a:noFill/>
+        </p:spPr>
+        <p:txBody>
+          <a:bodyPr wrap="none" rtlCol="0">
+            <a:spAutoFit/>
+          </a:bodyPr>
+          <a:lstStyle/>
+          <a:p>
+            <a:r>
+              <a:rPr lang="en-US" sz="1400"/>
+              <a:t>e</a:t>
+            </a:r>
+            <a:r>
+              <a:rPr lang="en-US" sz="1400"/>
+              <a:t>mail_of_driver</a:t>
+            </a:r>
+          </a:p>
+        </p:txBody>
+      </p:sp>
+      <p:sp>
+        <p:nvSpPr>
+          <p:cNvPr id="21" name="TextBox 20"/>
+          <p:cNvSpPr txBox="1"/>
+          <p:nvPr/>
+        </p:nvSpPr>
+        <p:spPr>
+          <a:xfrm>
+            <a:off x="2077920" y="903138"/>
+            <a:ext cx="1401796" cy="307777"/>
+          </a:xfrm>
+          <a:prstGeom prst="rect">
+            <a:avLst/>
+          </a:prstGeom>
+          <a:noFill/>
+        </p:spPr>
+        <p:txBody>
+          <a:bodyPr wrap="none" rtlCol="0">
+            <a:spAutoFit/>
+          </a:bodyPr>
+          <a:lstStyle/>
+          <a:p>
+            <a:r>
+              <a:rPr lang="en-US" sz="1400"/>
+              <a:t>advertisementID</a:t>
+            </a:r>
+          </a:p>
+        </p:txBody>
+      </p:sp>
       <p:grpSp>
         <p:nvGrpSpPr>
-          <p:cNvPr id="25" name="Group 24"/>
+          <p:cNvPr id="23" name="Group 22"/>
           <p:cNvGrpSpPr/>
           <p:nvPr/>
         </p:nvGrpSpPr>
         <p:grpSpPr>
-          <a:xfrm>
-            <a:off x="934467" y="775772"/>
+          <a:xfrm rot="10800000">
+            <a:off x="5503334" y="464635"/>
             <a:ext cx="462534" cy="131798"/>
             <a:chOff x="934467" y="508435"/>
             <a:chExt cx="462534" cy="131798"/>
@@ -3360,7 +7547,7 @@
         </p:grpSpPr>
         <p:cxnSp>
           <p:nvCxnSpPr>
-            <p:cNvPr id="26" name="Straight Connector 25"/>
+            <p:cNvPr id="24" name="Straight Connector 23"/>
             <p:cNvCxnSpPr/>
             <p:nvPr/>
           </p:nvCxnSpPr>
@@ -3402,7 +7589,7 @@
         </p:cxnSp>
         <p:sp>
           <p:nvSpPr>
-            <p:cNvPr id="27" name="Oval 26"/>
+            <p:cNvPr id="25" name="Oval 24"/>
             <p:cNvSpPr/>
             <p:nvPr/>
           </p:nvSpPr>
@@ -3449,13 +7636,13 @@
       </p:grpSp>
       <p:grpSp>
         <p:nvGrpSpPr>
-          <p:cNvPr id="31" name="Group 30"/>
+          <p:cNvPr id="26" name="Group 25"/>
           <p:cNvGrpSpPr/>
           <p:nvPr/>
         </p:nvGrpSpPr>
         <p:grpSpPr>
-          <a:xfrm>
-            <a:off x="930488" y="943666"/>
+          <a:xfrm rot="10800000">
+            <a:off x="5509979" y="638159"/>
             <a:ext cx="462534" cy="131798"/>
             <a:chOff x="934467" y="508435"/>
             <a:chExt cx="462534" cy="131798"/>
@@ -3463,7 +7650,7 @@
         </p:grpSpPr>
         <p:cxnSp>
           <p:nvCxnSpPr>
-            <p:cNvPr id="32" name="Straight Connector 31"/>
+            <p:cNvPr id="27" name="Straight Connector 26"/>
             <p:cNvCxnSpPr/>
             <p:nvPr/>
           </p:nvCxnSpPr>
@@ -3505,7 +7692,7 @@
         </p:cxnSp>
         <p:sp>
           <p:nvSpPr>
-            <p:cNvPr id="33" name="Oval 32"/>
+            <p:cNvPr id="28" name="Oval 27"/>
             <p:cNvSpPr/>
             <p:nvPr/>
           </p:nvSpPr>
@@ -3518,7 +7705,7 @@
               <a:avLst/>
             </a:prstGeom>
             <a:solidFill>
-              <a:schemeClr val="tx1"/>
+              <a:srgbClr val="FFFFFF"/>
             </a:solidFill>
             <a:ln>
               <a:solidFill>
@@ -3550,160 +7737,15 @@
           </p:txBody>
         </p:sp>
       </p:grpSp>
-      <p:sp>
-        <p:nvSpPr>
-          <p:cNvPr id="34" name="TextBox 33"/>
-          <p:cNvSpPr txBox="1"/>
-          <p:nvPr/>
-        </p:nvSpPr>
-        <p:spPr>
-          <a:xfrm>
-            <a:off x="364568" y="307686"/>
-            <a:ext cx="543400" cy="307777"/>
-          </a:xfrm>
-          <a:prstGeom prst="rect">
-            <a:avLst/>
-          </a:prstGeom>
-          <a:noFill/>
-        </p:spPr>
-        <p:txBody>
-          <a:bodyPr wrap="none" rtlCol="0">
-            <a:spAutoFit/>
-          </a:bodyPr>
-          <a:lstStyle/>
-          <a:p>
-            <a:r>
-              <a:rPr lang="en-US" sz="1400"/>
-              <a:t>name</a:t>
-            </a:r>
-          </a:p>
-        </p:txBody>
-      </p:sp>
-      <p:sp>
-        <p:nvSpPr>
-          <p:cNvPr id="35" name="TextBox 34"/>
-          <p:cNvSpPr txBox="1"/>
-          <p:nvPr/>
-        </p:nvSpPr>
-        <p:spPr>
-          <a:xfrm>
-            <a:off x="256748" y="484760"/>
-            <a:ext cx="699080" cy="307777"/>
-          </a:xfrm>
-          <a:prstGeom prst="rect">
-            <a:avLst/>
-          </a:prstGeom>
-          <a:noFill/>
-        </p:spPr>
-        <p:txBody>
-          <a:bodyPr wrap="none" rtlCol="0">
-            <a:spAutoFit/>
-          </a:bodyPr>
-          <a:lstStyle/>
-          <a:p>
-            <a:r>
-              <a:rPr lang="en-US" sz="1400"/>
-              <a:t>gender</a:t>
-            </a:r>
-          </a:p>
-        </p:txBody>
-      </p:sp>
-      <p:sp>
-        <p:nvSpPr>
-          <p:cNvPr id="36" name="TextBox 35"/>
-          <p:cNvSpPr txBox="1"/>
-          <p:nvPr/>
-        </p:nvSpPr>
-        <p:spPr>
-          <a:xfrm>
-            <a:off x="3409694" y="291066"/>
-            <a:ext cx="1402948" cy="307777"/>
-          </a:xfrm>
-          <a:prstGeom prst="rect">
-            <a:avLst/>
-          </a:prstGeom>
-          <a:noFill/>
-        </p:spPr>
-        <p:txBody>
-          <a:bodyPr wrap="none" rtlCol="0">
-            <a:spAutoFit/>
-          </a:bodyPr>
-          <a:lstStyle/>
-          <a:p>
-            <a:r>
-              <a:rPr lang="en-US" sz="1400"/>
-              <a:t>contact_number</a:t>
-            </a:r>
-          </a:p>
-        </p:txBody>
-      </p:sp>
-      <p:sp>
-        <p:nvSpPr>
-          <p:cNvPr id="37" name="TextBox 36"/>
-          <p:cNvSpPr txBox="1"/>
-          <p:nvPr/>
-        </p:nvSpPr>
-        <p:spPr>
-          <a:xfrm>
-            <a:off x="71562" y="665842"/>
-            <a:ext cx="885366" cy="307777"/>
-          </a:xfrm>
-          <a:prstGeom prst="rect">
-            <a:avLst/>
-          </a:prstGeom>
-          <a:noFill/>
-        </p:spPr>
-        <p:txBody>
-          <a:bodyPr wrap="none" rtlCol="0">
-            <a:spAutoFit/>
-          </a:bodyPr>
-          <a:lstStyle/>
-          <a:p>
-            <a:r>
-              <a:rPr lang="en-US" sz="1400"/>
-              <a:t>password</a:t>
-            </a:r>
-          </a:p>
-        </p:txBody>
-      </p:sp>
-      <p:sp>
-        <p:nvSpPr>
-          <p:cNvPr id="38" name="TextBox 37"/>
-          <p:cNvSpPr txBox="1"/>
-          <p:nvPr/>
-        </p:nvSpPr>
-        <p:spPr>
-          <a:xfrm>
-            <a:off x="358091" y="843694"/>
-            <a:ext cx="585817" cy="307777"/>
-          </a:xfrm>
-          <a:prstGeom prst="rect">
-            <a:avLst/>
-          </a:prstGeom>
-          <a:noFill/>
-        </p:spPr>
-        <p:txBody>
-          <a:bodyPr wrap="none" rtlCol="0">
-            <a:spAutoFit/>
-          </a:bodyPr>
-          <a:lstStyle/>
-          <a:p>
-            <a:r>
-              <a:rPr lang="en-US" sz="1400"/>
-              <a:t>email</a:t>
-            </a:r>
-          </a:p>
-        </p:txBody>
-      </p:sp>
       <p:grpSp>
         <p:nvGrpSpPr>
-          <p:cNvPr id="40" name="Group 39"/>
+          <p:cNvPr id="29" name="Group 28"/>
           <p:cNvGrpSpPr/>
           <p:nvPr/>
         </p:nvGrpSpPr>
         <p:grpSpPr>
           <a:xfrm rot="10800000">
-            <a:off x="2995084" y="406590"/>
+            <a:off x="5509979" y="820317"/>
             <a:ext cx="462534" cy="131798"/>
             <a:chOff x="934467" y="508435"/>
             <a:chExt cx="462534" cy="131798"/>
@@ -3711,7 +7753,7 @@
         </p:grpSpPr>
         <p:cxnSp>
           <p:nvCxnSpPr>
-            <p:cNvPr id="41" name="Straight Connector 40"/>
+            <p:cNvPr id="30" name="Straight Connector 29"/>
             <p:cNvCxnSpPr/>
             <p:nvPr/>
           </p:nvCxnSpPr>
@@ -3753,7 +7795,7 @@
         </p:cxnSp>
         <p:sp>
           <p:nvSpPr>
-            <p:cNvPr id="42" name="Oval 41"/>
+            <p:cNvPr id="31" name="Oval 30"/>
             <p:cNvSpPr/>
             <p:nvPr/>
           </p:nvSpPr>
@@ -3800,13 +7842,13 @@
       </p:grpSp>
       <p:grpSp>
         <p:nvGrpSpPr>
-          <p:cNvPr id="43" name="Group 42"/>
+          <p:cNvPr id="32" name="Group 31"/>
           <p:cNvGrpSpPr/>
           <p:nvPr/>
         </p:nvGrpSpPr>
         <p:grpSpPr>
           <a:xfrm rot="10800000">
-            <a:off x="3001729" y="580114"/>
+            <a:off x="5515314" y="989729"/>
             <a:ext cx="462534" cy="131798"/>
             <a:chOff x="934467" y="508435"/>
             <a:chExt cx="462534" cy="131798"/>
@@ -3814,7 +7856,7 @@
         </p:grpSpPr>
         <p:cxnSp>
           <p:nvCxnSpPr>
-            <p:cNvPr id="44" name="Straight Connector 43"/>
+            <p:cNvPr id="33" name="Straight Connector 32"/>
             <p:cNvCxnSpPr/>
             <p:nvPr/>
           </p:nvCxnSpPr>
@@ -3856,7 +7898,7 @@
         </p:cxnSp>
         <p:sp>
           <p:nvSpPr>
-            <p:cNvPr id="45" name="Oval 44"/>
+            <p:cNvPr id="34" name="Oval 33"/>
             <p:cNvSpPr/>
             <p:nvPr/>
           </p:nvSpPr>
@@ -3901,30 +7943,211 @@
           </p:txBody>
         </p:sp>
       </p:grpSp>
+      <p:sp>
+        <p:nvSpPr>
+          <p:cNvPr id="35" name="TextBox 34"/>
+          <p:cNvSpPr txBox="1"/>
+          <p:nvPr/>
+        </p:nvSpPr>
+        <p:spPr>
+          <a:xfrm>
+            <a:off x="5929928" y="687941"/>
+            <a:ext cx="650338" cy="307777"/>
+          </a:xfrm>
+          <a:prstGeom prst="rect">
+            <a:avLst/>
+          </a:prstGeom>
+          <a:noFill/>
+        </p:spPr>
+        <p:txBody>
+          <a:bodyPr wrap="none" rtlCol="0">
+            <a:spAutoFit/>
+          </a:bodyPr>
+          <a:lstStyle/>
+          <a:p>
+            <a:r>
+              <a:rPr lang="en-US" sz="1400"/>
+              <a:t>closed</a:t>
+            </a:r>
+          </a:p>
+        </p:txBody>
+      </p:sp>
+      <p:sp>
+        <p:nvSpPr>
+          <p:cNvPr id="36" name="TextBox 35"/>
+          <p:cNvSpPr txBox="1"/>
+          <p:nvPr/>
+        </p:nvSpPr>
+        <p:spPr>
+          <a:xfrm>
+            <a:off x="5941908" y="889757"/>
+            <a:ext cx="955760" cy="307777"/>
+          </a:xfrm>
+          <a:prstGeom prst="rect">
+            <a:avLst/>
+          </a:prstGeom>
+          <a:noFill/>
+        </p:spPr>
+        <p:txBody>
+          <a:bodyPr wrap="none" rtlCol="0">
+            <a:spAutoFit/>
+          </a:bodyPr>
+          <a:lstStyle/>
+          <a:p>
+            <a:r>
+              <a:rPr lang="en-US" sz="1400"/>
+              <a:t>s</a:t>
+            </a:r>
+            <a:r>
+              <a:rPr lang="en-US" sz="1400"/>
+              <a:t>elf_select</a:t>
+            </a:r>
+          </a:p>
+        </p:txBody>
+      </p:sp>
+      <p:sp>
+        <p:nvSpPr>
+          <p:cNvPr id="42" name="TextBox 41"/>
+          <p:cNvSpPr txBox="1"/>
+          <p:nvPr/>
+        </p:nvSpPr>
+        <p:spPr>
+          <a:xfrm>
+            <a:off x="2348048" y="539527"/>
+            <a:ext cx="1140206" cy="307777"/>
+          </a:xfrm>
+          <a:prstGeom prst="rect">
+            <a:avLst/>
+          </a:prstGeom>
+          <a:noFill/>
+        </p:spPr>
+        <p:txBody>
+          <a:bodyPr wrap="none" rtlCol="0">
+            <a:spAutoFit/>
+          </a:bodyPr>
+          <a:lstStyle/>
+          <a:p>
+            <a:r>
+              <a:rPr lang="en-US" sz="1400"/>
+              <a:t>end_location</a:t>
+            </a:r>
+          </a:p>
+        </p:txBody>
+      </p:sp>
+      <p:sp>
+        <p:nvSpPr>
+          <p:cNvPr id="43" name="TextBox 42"/>
+          <p:cNvSpPr txBox="1"/>
+          <p:nvPr/>
+        </p:nvSpPr>
+        <p:spPr>
+          <a:xfrm>
+            <a:off x="5928300" y="354213"/>
+            <a:ext cx="1326004" cy="307777"/>
+          </a:xfrm>
+          <a:prstGeom prst="rect">
+            <a:avLst/>
+          </a:prstGeom>
+          <a:noFill/>
+        </p:spPr>
+        <p:txBody>
+          <a:bodyPr wrap="none" rtlCol="0">
+            <a:spAutoFit/>
+          </a:bodyPr>
+          <a:lstStyle/>
+          <a:p>
+            <a:r>
+              <a:rPr lang="en-US" sz="1400"/>
+              <a:t>date_of_pickup</a:t>
+            </a:r>
+            <a:endParaRPr lang="en-US" sz="1400"/>
+          </a:p>
+        </p:txBody>
+      </p:sp>
+      <p:sp>
+        <p:nvSpPr>
+          <p:cNvPr id="44" name="TextBox 43"/>
+          <p:cNvSpPr txBox="1"/>
+          <p:nvPr/>
+        </p:nvSpPr>
+        <p:spPr>
+          <a:xfrm>
+            <a:off x="5928300" y="520499"/>
+            <a:ext cx="1328772" cy="307777"/>
+          </a:xfrm>
+          <a:prstGeom prst="rect">
+            <a:avLst/>
+          </a:prstGeom>
+          <a:noFill/>
+        </p:spPr>
+        <p:txBody>
+          <a:bodyPr wrap="none" rtlCol="0">
+            <a:spAutoFit/>
+          </a:bodyPr>
+          <a:lstStyle/>
+          <a:p>
+            <a:r>
+              <a:rPr lang="en-US" sz="1400"/>
+              <a:t>time_of_pickup</a:t>
+            </a:r>
+            <a:endParaRPr lang="en-US" sz="1400"/>
+          </a:p>
+        </p:txBody>
+      </p:sp>
+    </p:spTree>
+    <p:extLst>
+      <p:ext uri="{BB962C8B-B14F-4D97-AF65-F5344CB8AC3E}">
+        <p14:creationId xmlns:p14="http://schemas.microsoft.com/office/powerpoint/2010/main" val="1226488223"/>
+      </p:ext>
+    </p:extLst>
+  </p:cSld>
+  <p:clrMapOvr>
+    <a:masterClrMapping/>
+  </p:clrMapOvr>
+</p:sld>
+</file>
+
+<file path=ppt/slides/slide3.xml><?xml version="1.0" encoding="utf-8"?>
+<p:sld xmlns:a="http://schemas.openxmlformats.org/drawingml/2006/main" xmlns:r="http://schemas.openxmlformats.org/officeDocument/2006/relationships" xmlns:p="http://schemas.openxmlformats.org/presentationml/2006/main">
+  <p:cSld>
+    <p:spTree>
+      <p:nvGrpSpPr>
+        <p:cNvPr id="1" name=""/>
+        <p:cNvGrpSpPr/>
+        <p:nvPr/>
+      </p:nvGrpSpPr>
+      <p:grpSpPr>
+        <a:xfrm>
+          <a:off x="0" y="0"/>
+          <a:ext cx="0" cy="0"/>
+          <a:chOff x="0" y="0"/>
+          <a:chExt cx="0" cy="0"/>
+        </a:xfrm>
+      </p:grpSpPr>
       <p:grpSp>
         <p:nvGrpSpPr>
-          <p:cNvPr id="46" name="Group 45"/>
+          <p:cNvPr id="52" name="Group 51"/>
           <p:cNvGrpSpPr/>
           <p:nvPr/>
         </p:nvGrpSpPr>
         <p:grpSpPr>
-          <a:xfrm rot="10800000">
-            <a:off x="3001729" y="762272"/>
-            <a:ext cx="462534" cy="131798"/>
-            <a:chOff x="934467" y="508435"/>
-            <a:chExt cx="462534" cy="131798"/>
+          <a:xfrm rot="21148015">
+            <a:off x="3823734" y="1012061"/>
+            <a:ext cx="256767" cy="319104"/>
+            <a:chOff x="3872622" y="2854611"/>
+            <a:chExt cx="256767" cy="319104"/>
           </a:xfrm>
         </p:grpSpPr>
         <p:cxnSp>
           <p:nvCxnSpPr>
-            <p:cNvPr id="47" name="Straight Connector 46"/>
+            <p:cNvPr id="8" name="Straight Connector 7"/>
             <p:cNvCxnSpPr/>
             <p:nvPr/>
           </p:nvCxnSpPr>
           <p:spPr>
             <a:xfrm>
-              <a:off x="1066251" y="574334"/>
-              <a:ext cx="330750" cy="0"/>
+              <a:off x="3972683" y="2957948"/>
+              <a:ext cx="156706" cy="215767"/>
             </a:xfrm>
             <a:prstGeom prst="line">
               <a:avLst/>
@@ -3959,13 +8182,13 @@
         </p:cxnSp>
         <p:sp>
           <p:nvSpPr>
-            <p:cNvPr id="48" name="Oval 47"/>
+            <p:cNvPr id="9" name="Oval 8"/>
             <p:cNvSpPr/>
             <p:nvPr/>
           </p:nvSpPr>
           <p:spPr>
-            <a:xfrm>
-              <a:off x="934467" y="508435"/>
+            <a:xfrm rot="3062628">
+              <a:off x="3872629" y="2854604"/>
               <a:ext cx="131784" cy="131798"/>
             </a:xfrm>
             <a:prstGeom prst="ellipse">
@@ -4004,30 +8227,164 @@
           </p:txBody>
         </p:sp>
       </p:grpSp>
+      <p:sp>
+        <p:nvSpPr>
+          <p:cNvPr id="19" name="TextBox 18"/>
+          <p:cNvSpPr txBox="1"/>
+          <p:nvPr/>
+        </p:nvSpPr>
+        <p:spPr>
+          <a:xfrm>
+            <a:off x="5093082" y="896795"/>
+            <a:ext cx="548034" cy="307777"/>
+          </a:xfrm>
+          <a:prstGeom prst="rect">
+            <a:avLst/>
+          </a:prstGeom>
+          <a:noFill/>
+        </p:spPr>
+        <p:txBody>
+          <a:bodyPr wrap="none" rtlCol="0">
+            <a:spAutoFit/>
+          </a:bodyPr>
+          <a:lstStyle/>
+          <a:p>
+            <a:r>
+              <a:rPr lang="en-US" sz="1400"/>
+              <a:t>price</a:t>
+            </a:r>
+            <a:endParaRPr lang="en-US" sz="1400"/>
+          </a:p>
+        </p:txBody>
+      </p:sp>
+      <p:sp>
+        <p:nvSpPr>
+          <p:cNvPr id="34" name="TextBox 33"/>
+          <p:cNvSpPr txBox="1"/>
+          <p:nvPr/>
+        </p:nvSpPr>
+        <p:spPr>
+          <a:xfrm>
+            <a:off x="3177304" y="1904077"/>
+            <a:ext cx="625705" cy="307777"/>
+          </a:xfrm>
+          <a:prstGeom prst="rect">
+            <a:avLst/>
+          </a:prstGeom>
+          <a:noFill/>
+        </p:spPr>
+        <p:txBody>
+          <a:bodyPr wrap="none" rtlCol="0">
+            <a:spAutoFit/>
+          </a:bodyPr>
+          <a:lstStyle/>
+          <a:p>
+            <a:r>
+              <a:rPr lang="en-US" sz="1400"/>
+              <a:t>status</a:t>
+            </a:r>
+          </a:p>
+        </p:txBody>
+      </p:sp>
+      <p:sp>
+        <p:nvSpPr>
+          <p:cNvPr id="48" name="Diamond 47"/>
+          <p:cNvSpPr/>
+          <p:nvPr/>
+        </p:nvSpPr>
+        <p:spPr>
+          <a:xfrm>
+            <a:off x="3705163" y="1050684"/>
+            <a:ext cx="1534111" cy="1096366"/>
+          </a:xfrm>
+          <a:prstGeom prst="diamond">
+            <a:avLst/>
+          </a:prstGeom>
+          <a:solidFill>
+            <a:schemeClr val="bg1"/>
+          </a:solidFill>
+          <a:ln>
+            <a:solidFill>
+              <a:srgbClr val="000000"/>
+            </a:solidFill>
+          </a:ln>
+        </p:spPr>
+        <p:style>
+          <a:lnRef idx="1">
+            <a:schemeClr val="accent1"/>
+          </a:lnRef>
+          <a:fillRef idx="3">
+            <a:schemeClr val="accent1"/>
+          </a:fillRef>
+          <a:effectRef idx="2">
+            <a:schemeClr val="accent1"/>
+          </a:effectRef>
+          <a:fontRef idx="minor">
+            <a:schemeClr val="lt1"/>
+          </a:fontRef>
+        </p:style>
+        <p:txBody>
+          <a:bodyPr rtlCol="0" anchor="ctr"/>
+          <a:lstStyle/>
+          <a:p>
+            <a:pPr algn="ctr"/>
+            <a:endParaRPr lang="en-US"/>
+          </a:p>
+        </p:txBody>
+      </p:sp>
+      <p:sp>
+        <p:nvSpPr>
+          <p:cNvPr id="49" name="TextBox 48"/>
+          <p:cNvSpPr txBox="1"/>
+          <p:nvPr/>
+        </p:nvSpPr>
+        <p:spPr>
+          <a:xfrm>
+            <a:off x="4224384" y="1380846"/>
+            <a:ext cx="298937" cy="369332"/>
+          </a:xfrm>
+          <a:prstGeom prst="rect">
+            <a:avLst/>
+          </a:prstGeom>
+          <a:noFill/>
+        </p:spPr>
+        <p:txBody>
+          <a:bodyPr wrap="none" rtlCol="0">
+            <a:spAutoFit/>
+          </a:bodyPr>
+          <a:lstStyle/>
+          <a:p>
+            <a:r>
+              <a:rPr lang="en-US"/>
+              <a:t>bid</a:t>
+            </a:r>
+          </a:p>
+        </p:txBody>
+      </p:sp>
       <p:grpSp>
         <p:nvGrpSpPr>
-          <p:cNvPr id="49" name="Group 48"/>
+          <p:cNvPr id="68" name="Group 67"/>
           <p:cNvGrpSpPr/>
           <p:nvPr/>
         </p:nvGrpSpPr>
         <p:grpSpPr>
-          <a:xfrm rot="10800000">
-            <a:off x="3007064" y="931684"/>
-            <a:ext cx="462534" cy="131798"/>
-            <a:chOff x="934467" y="508435"/>
-            <a:chExt cx="462534" cy="131798"/>
+          <a:xfrm rot="4664185">
+            <a:off x="4849574" y="999628"/>
+            <a:ext cx="256767" cy="319104"/>
+            <a:chOff x="3872622" y="2854611"/>
+            <a:chExt cx="256767" cy="319104"/>
           </a:xfrm>
         </p:grpSpPr>
         <p:cxnSp>
           <p:nvCxnSpPr>
-            <p:cNvPr id="50" name="Straight Connector 49"/>
+            <p:cNvPr id="69" name="Straight Connector 68"/>
             <p:cNvCxnSpPr/>
             <p:nvPr/>
           </p:nvCxnSpPr>
           <p:spPr>
             <a:xfrm>
-              <a:off x="1066251" y="574334"/>
-              <a:ext cx="330750" cy="0"/>
+              <a:off x="3972683" y="2957948"/>
+              <a:ext cx="156706" cy="215767"/>
             </a:xfrm>
             <a:prstGeom prst="line">
               <a:avLst/>
@@ -4062,13 +8419,13 @@
         </p:cxnSp>
         <p:sp>
           <p:nvSpPr>
-            <p:cNvPr id="51" name="Oval 50"/>
+            <p:cNvPr id="70" name="Oval 69"/>
             <p:cNvSpPr/>
             <p:nvPr/>
           </p:nvSpPr>
           <p:spPr>
-            <a:xfrm>
-              <a:off x="934467" y="508435"/>
+            <a:xfrm rot="3062628">
+              <a:off x="3872629" y="2854604"/>
               <a:ext cx="131784" cy="131798"/>
             </a:xfrm>
             <a:prstGeom prst="ellipse">
@@ -4107,159 +8464,30 @@
           </p:txBody>
         </p:sp>
       </p:grpSp>
-      <p:sp>
-        <p:nvSpPr>
-          <p:cNvPr id="52" name="TextBox 51"/>
-          <p:cNvSpPr txBox="1"/>
-          <p:nvPr/>
-        </p:nvSpPr>
-        <p:spPr>
-          <a:xfrm>
-            <a:off x="3418334" y="455448"/>
-            <a:ext cx="1159292" cy="307777"/>
-          </a:xfrm>
-          <a:prstGeom prst="rect">
-            <a:avLst/>
-          </a:prstGeom>
-          <a:noFill/>
-        </p:spPr>
-        <p:txBody>
-          <a:bodyPr wrap="none" rtlCol="0">
-            <a:spAutoFit/>
-          </a:bodyPr>
-          <a:lstStyle/>
-          <a:p>
-            <a:r>
-              <a:rPr lang="en-US" sz="1400"/>
-              <a:t>vehicle_plate</a:t>
-            </a:r>
-          </a:p>
-        </p:txBody>
-      </p:sp>
-      <p:sp>
-        <p:nvSpPr>
-          <p:cNvPr id="53" name="TextBox 52"/>
-          <p:cNvSpPr txBox="1"/>
-          <p:nvPr/>
-        </p:nvSpPr>
-        <p:spPr>
-          <a:xfrm>
-            <a:off x="3421678" y="629896"/>
-            <a:ext cx="787395" cy="307777"/>
-          </a:xfrm>
-          <a:prstGeom prst="rect">
-            <a:avLst/>
-          </a:prstGeom>
-          <a:noFill/>
-        </p:spPr>
-        <p:txBody>
-          <a:bodyPr wrap="none" rtlCol="0">
-            <a:spAutoFit/>
-          </a:bodyPr>
-          <a:lstStyle/>
-          <a:p>
-            <a:r>
-              <a:rPr lang="en-US" sz="1400"/>
-              <a:t>capacity</a:t>
-            </a:r>
-          </a:p>
-        </p:txBody>
-      </p:sp>
-      <p:sp>
-        <p:nvSpPr>
-          <p:cNvPr id="54" name="TextBox 53"/>
-          <p:cNvSpPr txBox="1"/>
-          <p:nvPr/>
-        </p:nvSpPr>
-        <p:spPr>
-          <a:xfrm>
-            <a:off x="3433658" y="831712"/>
-            <a:ext cx="816637" cy="307777"/>
-          </a:xfrm>
-          <a:prstGeom prst="rect">
-            <a:avLst/>
-          </a:prstGeom>
-          <a:noFill/>
-        </p:spPr>
-        <p:txBody>
-          <a:bodyPr wrap="none" rtlCol="0">
-            <a:spAutoFit/>
-          </a:bodyPr>
-          <a:lstStyle/>
-          <a:p>
-            <a:r>
-              <a:rPr lang="en-US" sz="1400"/>
-              <a:t>is_driver</a:t>
-            </a:r>
-          </a:p>
-        </p:txBody>
-      </p:sp>
-      <p:cxnSp>
-        <p:nvCxnSpPr>
-          <p:cNvPr id="56" name="Straight Connector 55"/>
-          <p:cNvCxnSpPr/>
-          <p:nvPr/>
-        </p:nvCxnSpPr>
-        <p:spPr>
-          <a:xfrm>
-            <a:off x="1832993" y="223770"/>
-            <a:ext cx="0" cy="197800"/>
-          </a:xfrm>
-          <a:prstGeom prst="line">
-            <a:avLst/>
-          </a:prstGeom>
-          <a:ln w="9525">
-            <a:solidFill>
-              <a:schemeClr val="tx1"/>
-            </a:solidFill>
-          </a:ln>
-          <a:effectLst>
-            <a:outerShdw blurRad="40000" dist="20000" dir="5400000" rotWithShape="0">
-              <a:schemeClr val="bg1">
-                <a:alpha val="38000"/>
-              </a:schemeClr>
-            </a:outerShdw>
-          </a:effectLst>
-        </p:spPr>
-        <p:style>
-          <a:lnRef idx="2">
-            <a:schemeClr val="accent1"/>
-          </a:lnRef>
-          <a:fillRef idx="0">
-            <a:schemeClr val="accent1"/>
-          </a:fillRef>
-          <a:effectRef idx="1">
-            <a:schemeClr val="accent1"/>
-          </a:effectRef>
-          <a:fontRef idx="minor">
-            <a:schemeClr val="tx1"/>
-          </a:fontRef>
-        </p:style>
-      </p:cxnSp>
       <p:grpSp>
         <p:nvGrpSpPr>
-          <p:cNvPr id="58" name="Group 57"/>
+          <p:cNvPr id="71" name="Group 70"/>
           <p:cNvGrpSpPr/>
           <p:nvPr/>
         </p:nvGrpSpPr>
         <p:grpSpPr>
-          <a:xfrm rot="10800000">
-            <a:off x="1821013" y="157871"/>
-            <a:ext cx="462534" cy="131798"/>
-            <a:chOff x="934467" y="508435"/>
-            <a:chExt cx="462534" cy="131798"/>
+          <a:xfrm rot="16005414">
+            <a:off x="3794083" y="1850294"/>
+            <a:ext cx="256767" cy="319104"/>
+            <a:chOff x="3872622" y="2854611"/>
+            <a:chExt cx="256767" cy="319104"/>
           </a:xfrm>
         </p:grpSpPr>
         <p:cxnSp>
           <p:nvCxnSpPr>
-            <p:cNvPr id="59" name="Straight Connector 58"/>
+            <p:cNvPr id="72" name="Straight Connector 71"/>
             <p:cNvCxnSpPr/>
             <p:nvPr/>
           </p:nvCxnSpPr>
           <p:spPr>
             <a:xfrm>
-              <a:off x="1066251" y="574334"/>
-              <a:ext cx="330750" cy="0"/>
+              <a:off x="3972683" y="2957948"/>
+              <a:ext cx="156706" cy="215767"/>
             </a:xfrm>
             <a:prstGeom prst="line">
               <a:avLst/>
@@ -4294,13 +8522,13 @@
         </p:cxnSp>
         <p:sp>
           <p:nvSpPr>
-            <p:cNvPr id="60" name="Oval 59"/>
+            <p:cNvPr id="73" name="Oval 72"/>
             <p:cNvSpPr/>
             <p:nvPr/>
           </p:nvSpPr>
           <p:spPr>
-            <a:xfrm>
-              <a:off x="934467" y="508435"/>
+            <a:xfrm rot="3062628">
+              <a:off x="3872629" y="2854604"/>
               <a:ext cx="131784" cy="131798"/>
             </a:xfrm>
             <a:prstGeom prst="ellipse">
@@ -4341,14 +8569,14 @@
       </p:grpSp>
       <p:sp>
         <p:nvSpPr>
-          <p:cNvPr id="61" name="TextBox 60"/>
+          <p:cNvPr id="74" name="TextBox 73"/>
           <p:cNvSpPr txBox="1"/>
           <p:nvPr/>
         </p:nvSpPr>
         <p:spPr>
           <a:xfrm>
-            <a:off x="2223647" y="45918"/>
-            <a:ext cx="844778" cy="307777"/>
+            <a:off x="2059853" y="741863"/>
+            <a:ext cx="1995634" cy="307777"/>
           </a:xfrm>
           <a:prstGeom prst="rect">
             <a:avLst/>
@@ -4363,15 +8591,255 @@
           <a:p>
             <a:r>
               <a:rPr lang="en-US" sz="1400"/>
-              <a:t>is_admin</a:t>
+              <a:t>creation_date_and_time</a:t>
             </a:r>
+            <a:endParaRPr lang="en-US" sz="1400"/>
           </a:p>
         </p:txBody>
       </p:sp>
     </p:spTree>
     <p:extLst>
       <p:ext uri="{BB962C8B-B14F-4D97-AF65-F5344CB8AC3E}">
-        <p14:creationId xmlns:p14="http://schemas.microsoft.com/office/powerpoint/2010/main" val="905448964"/>
+        <p14:creationId xmlns:p14="http://schemas.microsoft.com/office/powerpoint/2010/main" val="1683015297"/>
+      </p:ext>
+    </p:extLst>
+  </p:cSld>
+  <p:clrMapOvr>
+    <a:masterClrMapping/>
+  </p:clrMapOvr>
+</p:sld>
+</file>
+
+<file path=ppt/slides/slide4.xml><?xml version="1.0" encoding="utf-8"?>
+<p:sld xmlns:a="http://schemas.openxmlformats.org/drawingml/2006/main" xmlns:r="http://schemas.openxmlformats.org/officeDocument/2006/relationships" xmlns:p="http://schemas.openxmlformats.org/presentationml/2006/main">
+  <p:cSld>
+    <p:spTree>
+      <p:nvGrpSpPr>
+        <p:cNvPr id="1" name=""/>
+        <p:cNvGrpSpPr/>
+        <p:nvPr/>
+      </p:nvGrpSpPr>
+      <p:grpSpPr>
+        <a:xfrm>
+          <a:off x="0" y="0"/>
+          <a:ext cx="0" cy="0"/>
+          <a:chOff x="0" y="0"/>
+          <a:chExt cx="0" cy="0"/>
+        </a:xfrm>
+      </p:grpSpPr>
+      <p:sp>
+        <p:nvSpPr>
+          <p:cNvPr id="7" name="TextBox 6"/>
+          <p:cNvSpPr txBox="1"/>
+          <p:nvPr/>
+        </p:nvSpPr>
+        <p:spPr>
+          <a:xfrm>
+            <a:off x="5093082" y="896795"/>
+            <a:ext cx="1995634" cy="307777"/>
+          </a:xfrm>
+          <a:prstGeom prst="rect">
+            <a:avLst/>
+          </a:prstGeom>
+          <a:noFill/>
+        </p:spPr>
+        <p:txBody>
+          <a:bodyPr wrap="none" rtlCol="0">
+            <a:spAutoFit/>
+          </a:bodyPr>
+          <a:lstStyle/>
+          <a:p>
+            <a:r>
+              <a:rPr lang="en-US" sz="1400"/>
+              <a:t>creation_date_and_time</a:t>
+            </a:r>
+            <a:endParaRPr lang="en-US" sz="1400"/>
+          </a:p>
+        </p:txBody>
+      </p:sp>
+      <p:sp>
+        <p:nvSpPr>
+          <p:cNvPr id="13" name="Diamond 12"/>
+          <p:cNvSpPr/>
+          <p:nvPr/>
+        </p:nvSpPr>
+        <p:spPr>
+          <a:xfrm>
+            <a:off x="3705163" y="1050684"/>
+            <a:ext cx="1534111" cy="1096366"/>
+          </a:xfrm>
+          <a:prstGeom prst="diamond">
+            <a:avLst/>
+          </a:prstGeom>
+          <a:solidFill>
+            <a:schemeClr val="bg1"/>
+          </a:solidFill>
+          <a:ln>
+            <a:solidFill>
+              <a:srgbClr val="000000"/>
+            </a:solidFill>
+          </a:ln>
+        </p:spPr>
+        <p:style>
+          <a:lnRef idx="1">
+            <a:schemeClr val="accent1"/>
+          </a:lnRef>
+          <a:fillRef idx="3">
+            <a:schemeClr val="accent1"/>
+          </a:fillRef>
+          <a:effectRef idx="2">
+            <a:schemeClr val="accent1"/>
+          </a:effectRef>
+          <a:fontRef idx="minor">
+            <a:schemeClr val="lt1"/>
+          </a:fontRef>
+        </p:style>
+        <p:txBody>
+          <a:bodyPr rtlCol="0" anchor="ctr"/>
+          <a:lstStyle/>
+          <a:p>
+            <a:pPr algn="ctr"/>
+            <a:endParaRPr lang="en-US"/>
+          </a:p>
+        </p:txBody>
+      </p:sp>
+      <p:sp>
+        <p:nvSpPr>
+          <p:cNvPr id="14" name="TextBox 13"/>
+          <p:cNvSpPr txBox="1"/>
+          <p:nvPr/>
+        </p:nvSpPr>
+        <p:spPr>
+          <a:xfrm>
+            <a:off x="4165216" y="1391233"/>
+            <a:ext cx="642611" cy="369332"/>
+          </a:xfrm>
+          <a:prstGeom prst="rect">
+            <a:avLst/>
+          </a:prstGeom>
+          <a:noFill/>
+        </p:spPr>
+        <p:txBody>
+          <a:bodyPr wrap="none" rtlCol="0">
+            <a:spAutoFit/>
+          </a:bodyPr>
+          <a:lstStyle/>
+          <a:p>
+            <a:r>
+              <a:rPr lang="en-US"/>
+              <a:t>offer</a:t>
+            </a:r>
+            <a:endParaRPr lang="en-US"/>
+          </a:p>
+        </p:txBody>
+      </p:sp>
+      <p:grpSp>
+        <p:nvGrpSpPr>
+          <p:cNvPr id="22" name="Group 21"/>
+          <p:cNvGrpSpPr/>
+          <p:nvPr/>
+        </p:nvGrpSpPr>
+        <p:grpSpPr>
+          <a:xfrm rot="5073274">
+            <a:off x="4849574" y="999628"/>
+            <a:ext cx="256767" cy="319104"/>
+            <a:chOff x="3872622" y="2854611"/>
+            <a:chExt cx="256767" cy="319104"/>
+          </a:xfrm>
+        </p:grpSpPr>
+        <p:cxnSp>
+          <p:nvCxnSpPr>
+            <p:cNvPr id="23" name="Straight Connector 22"/>
+            <p:cNvCxnSpPr/>
+            <p:nvPr/>
+          </p:nvCxnSpPr>
+          <p:spPr>
+            <a:xfrm>
+              <a:off x="3972683" y="2957948"/>
+              <a:ext cx="156706" cy="215767"/>
+            </a:xfrm>
+            <a:prstGeom prst="line">
+              <a:avLst/>
+            </a:prstGeom>
+            <a:ln w="12700">
+              <a:solidFill>
+                <a:schemeClr val="tx1"/>
+              </a:solidFill>
+            </a:ln>
+            <a:effectLst>
+              <a:outerShdw blurRad="40000" dist="20000" dir="5400000" rotWithShape="0">
+                <a:schemeClr val="bg1">
+                  <a:alpha val="38000"/>
+                </a:schemeClr>
+              </a:outerShdw>
+            </a:effectLst>
+          </p:spPr>
+          <p:style>
+            <a:lnRef idx="2">
+              <a:schemeClr val="accent1"/>
+            </a:lnRef>
+            <a:fillRef idx="0">
+              <a:schemeClr val="accent1"/>
+            </a:fillRef>
+            <a:effectRef idx="1">
+              <a:schemeClr val="accent1"/>
+            </a:effectRef>
+            <a:fontRef idx="minor">
+              <a:schemeClr val="tx1"/>
+            </a:fontRef>
+          </p:style>
+        </p:cxnSp>
+        <p:sp>
+          <p:nvSpPr>
+            <p:cNvPr id="24" name="Oval 23"/>
+            <p:cNvSpPr/>
+            <p:nvPr/>
+          </p:nvSpPr>
+          <p:spPr>
+            <a:xfrm rot="3062628">
+              <a:off x="3872629" y="2854604"/>
+              <a:ext cx="131784" cy="131798"/>
+            </a:xfrm>
+            <a:prstGeom prst="ellipse">
+              <a:avLst/>
+            </a:prstGeom>
+            <a:solidFill>
+              <a:srgbClr val="FFFFFF"/>
+            </a:solidFill>
+            <a:ln>
+              <a:solidFill>
+                <a:srgbClr val="000000"/>
+              </a:solidFill>
+            </a:ln>
+          </p:spPr>
+          <p:style>
+            <a:lnRef idx="1">
+              <a:schemeClr val="accent1"/>
+            </a:lnRef>
+            <a:fillRef idx="3">
+              <a:schemeClr val="accent1"/>
+            </a:fillRef>
+            <a:effectRef idx="2">
+              <a:schemeClr val="accent1"/>
+            </a:effectRef>
+            <a:fontRef idx="minor">
+              <a:schemeClr val="lt1"/>
+            </a:fontRef>
+          </p:style>
+          <p:txBody>
+            <a:bodyPr rtlCol="0" anchor="ctr"/>
+            <a:lstStyle/>
+            <a:p>
+              <a:pPr algn="ctr"/>
+              <a:endParaRPr lang="en-US"/>
+            </a:p>
+          </p:txBody>
+        </p:sp>
+      </p:grpSp>
+    </p:spTree>
+    <p:extLst>
+      <p:ext uri="{BB962C8B-B14F-4D97-AF65-F5344CB8AC3E}">
+        <p14:creationId xmlns:p14="http://schemas.microsoft.com/office/powerpoint/2010/main" val="1504362117"/>
       </p:ext>
     </p:extLst>
   </p:cSld>

--- a/ER Diagram.pptx
+++ b/ER Diagram.pptx
@@ -9,6 +9,8 @@
     <p:sldId id="257" r:id="rId3"/>
     <p:sldId id="258" r:id="rId4"/>
     <p:sldId id="259" r:id="rId5"/>
+    <p:sldId id="260" r:id="rId6"/>
+    <p:sldId id="261" r:id="rId7"/>
   </p:sldIdLst>
   <p:sldSz cx="9144000" cy="6858000" type="screen4x3"/>
   <p:notesSz cx="6858000" cy="9144000"/>
@@ -3055,13 +3057,103 @@
       </p:grpSpPr>
       <p:grpSp>
         <p:nvGrpSpPr>
+          <p:cNvPr id="7" name="Group 6"/>
+          <p:cNvGrpSpPr/>
+          <p:nvPr/>
+        </p:nvGrpSpPr>
+        <p:grpSpPr>
+          <a:xfrm>
+            <a:off x="3372295" y="5079828"/>
+            <a:ext cx="919818" cy="623419"/>
+            <a:chOff x="3458304" y="5131785"/>
+            <a:chExt cx="919818" cy="623419"/>
+          </a:xfrm>
+        </p:grpSpPr>
+        <p:sp>
+          <p:nvSpPr>
+            <p:cNvPr id="130" name="Diamond 129"/>
+            <p:cNvSpPr/>
+            <p:nvPr/>
+          </p:nvSpPr>
+          <p:spPr>
+            <a:xfrm>
+              <a:off x="3463656" y="5131785"/>
+              <a:ext cx="868980" cy="623419"/>
+            </a:xfrm>
+            <a:prstGeom prst="diamond">
+              <a:avLst/>
+            </a:prstGeom>
+            <a:solidFill>
+              <a:schemeClr val="bg1"/>
+            </a:solidFill>
+            <a:ln>
+              <a:solidFill>
+                <a:srgbClr val="000000"/>
+              </a:solidFill>
+            </a:ln>
+          </p:spPr>
+          <p:style>
+            <a:lnRef idx="1">
+              <a:schemeClr val="accent1"/>
+            </a:lnRef>
+            <a:fillRef idx="3">
+              <a:schemeClr val="accent1"/>
+            </a:fillRef>
+            <a:effectRef idx="2">
+              <a:schemeClr val="accent1"/>
+            </a:effectRef>
+            <a:fontRef idx="minor">
+              <a:schemeClr val="lt1"/>
+            </a:fontRef>
+          </p:style>
+          <p:txBody>
+            <a:bodyPr rtlCol="0" anchor="ctr"/>
+            <a:lstStyle/>
+            <a:p>
+              <a:pPr algn="ctr"/>
+              <a:endParaRPr lang="en-US"/>
+            </a:p>
+          </p:txBody>
+        </p:sp>
+        <p:sp>
+          <p:nvSpPr>
+            <p:cNvPr id="127" name="TextBox 126"/>
+            <p:cNvSpPr txBox="1"/>
+            <p:nvPr/>
+          </p:nvSpPr>
+          <p:spPr>
+            <a:xfrm>
+              <a:off x="3458304" y="5251435"/>
+              <a:ext cx="919818" cy="307777"/>
+            </a:xfrm>
+            <a:prstGeom prst="rect">
+              <a:avLst/>
+            </a:prstGeom>
+            <a:noFill/>
+          </p:spPr>
+          <p:txBody>
+            <a:bodyPr wrap="none" rtlCol="0">
+              <a:spAutoFit/>
+            </a:bodyPr>
+            <a:lstStyle/>
+            <a:p>
+              <a:r>
+                <a:rPr lang="en-US" sz="1400"/>
+                <a:t>start from</a:t>
+              </a:r>
+            </a:p>
+          </p:txBody>
+        </p:sp>
+      </p:grpSp>
+      <p:grpSp>
+        <p:nvGrpSpPr>
           <p:cNvPr id="321" name="Group 320"/>
           <p:cNvGrpSpPr/>
           <p:nvPr/>
         </p:nvGrpSpPr>
         <p:grpSpPr>
           <a:xfrm>
-            <a:off x="431423" y="963452"/>
+            <a:off x="312640" y="120086"/>
             <a:ext cx="8627560" cy="4682597"/>
             <a:chOff x="431423" y="963452"/>
             <a:chExt cx="8627560" cy="4682597"/>
@@ -4450,7 +4542,7 @@
           </p:nvSpPr>
           <p:spPr>
             <a:xfrm>
-              <a:off x="3327347" y="2069231"/>
+              <a:off x="3327347" y="2032687"/>
               <a:ext cx="613344" cy="307777"/>
             </a:xfrm>
             <a:prstGeom prst="rect">
@@ -4479,7 +4571,7 @@
           </p:nvSpPr>
           <p:spPr>
             <a:xfrm>
-              <a:off x="3386735" y="4576019"/>
+              <a:off x="3386735" y="4612563"/>
               <a:ext cx="564252" cy="307777"/>
             </a:xfrm>
             <a:prstGeom prst="rect">
@@ -4808,212 +4900,6 @@
                     <a:rPr lang="en-US"/>
                     <a:t>advertisements</a:t>
                   </a:r>
-                </a:p>
-              </p:txBody>
-            </p:sp>
-          </p:grpSp>
-          <p:grpSp>
-            <p:nvGrpSpPr>
-              <p:cNvPr id="253" name="Group 252"/>
-              <p:cNvGrpSpPr/>
-              <p:nvPr/>
-            </p:nvGrpSpPr>
-            <p:grpSpPr>
-              <a:xfrm>
-                <a:off x="3442717" y="484211"/>
-                <a:ext cx="462534" cy="131798"/>
-                <a:chOff x="934467" y="508435"/>
-                <a:chExt cx="462534" cy="131798"/>
-              </a:xfrm>
-            </p:grpSpPr>
-            <p:cxnSp>
-              <p:nvCxnSpPr>
-                <p:cNvPr id="254" name="Straight Connector 253"/>
-                <p:cNvCxnSpPr/>
-                <p:nvPr/>
-              </p:nvCxnSpPr>
-              <p:spPr>
-                <a:xfrm>
-                  <a:off x="1066251" y="574334"/>
-                  <a:ext cx="330750" cy="0"/>
-                </a:xfrm>
-                <a:prstGeom prst="line">
-                  <a:avLst/>
-                </a:prstGeom>
-                <a:ln w="12700">
-                  <a:solidFill>
-                    <a:schemeClr val="tx1"/>
-                  </a:solidFill>
-                </a:ln>
-                <a:effectLst>
-                  <a:outerShdw blurRad="40000" dist="20000" dir="5400000" rotWithShape="0">
-                    <a:schemeClr val="bg1">
-                      <a:alpha val="38000"/>
-                    </a:schemeClr>
-                  </a:outerShdw>
-                </a:effectLst>
-              </p:spPr>
-              <p:style>
-                <a:lnRef idx="2">
-                  <a:schemeClr val="accent1"/>
-                </a:lnRef>
-                <a:fillRef idx="0">
-                  <a:schemeClr val="accent1"/>
-                </a:fillRef>
-                <a:effectRef idx="1">
-                  <a:schemeClr val="accent1"/>
-                </a:effectRef>
-                <a:fontRef idx="minor">
-                  <a:schemeClr val="tx1"/>
-                </a:fontRef>
-              </p:style>
-            </p:cxnSp>
-            <p:sp>
-              <p:nvSpPr>
-                <p:cNvPr id="255" name="Oval 254"/>
-                <p:cNvSpPr/>
-                <p:nvPr/>
-              </p:nvSpPr>
-              <p:spPr>
-                <a:xfrm>
-                  <a:off x="934467" y="508435"/>
-                  <a:ext cx="131784" cy="131798"/>
-                </a:xfrm>
-                <a:prstGeom prst="ellipse">
-                  <a:avLst/>
-                </a:prstGeom>
-                <a:solidFill>
-                  <a:srgbClr val="FFFFFF"/>
-                </a:solidFill>
-                <a:ln>
-                  <a:solidFill>
-                    <a:srgbClr val="000000"/>
-                  </a:solidFill>
-                </a:ln>
-              </p:spPr>
-              <p:style>
-                <a:lnRef idx="1">
-                  <a:schemeClr val="accent1"/>
-                </a:lnRef>
-                <a:fillRef idx="3">
-                  <a:schemeClr val="accent1"/>
-                </a:fillRef>
-                <a:effectRef idx="2">
-                  <a:schemeClr val="accent1"/>
-                </a:effectRef>
-                <a:fontRef idx="minor">
-                  <a:schemeClr val="lt1"/>
-                </a:fontRef>
-              </p:style>
-              <p:txBody>
-                <a:bodyPr rtlCol="0" anchor="ctr"/>
-                <a:lstStyle/>
-                <a:p>
-                  <a:pPr algn="ctr"/>
-                  <a:endParaRPr lang="en-US"/>
-                </a:p>
-              </p:txBody>
-            </p:sp>
-          </p:grpSp>
-          <p:grpSp>
-            <p:nvGrpSpPr>
-              <p:cNvPr id="256" name="Group 255"/>
-              <p:cNvGrpSpPr/>
-              <p:nvPr/>
-            </p:nvGrpSpPr>
-            <p:grpSpPr>
-              <a:xfrm>
-                <a:off x="3438738" y="657454"/>
-                <a:ext cx="462534" cy="131798"/>
-                <a:chOff x="934467" y="508435"/>
-                <a:chExt cx="462534" cy="131798"/>
-              </a:xfrm>
-            </p:grpSpPr>
-            <p:cxnSp>
-              <p:nvCxnSpPr>
-                <p:cNvPr id="257" name="Straight Connector 256"/>
-                <p:cNvCxnSpPr/>
-                <p:nvPr/>
-              </p:nvCxnSpPr>
-              <p:spPr>
-                <a:xfrm>
-                  <a:off x="1066251" y="574334"/>
-                  <a:ext cx="330750" cy="0"/>
-                </a:xfrm>
-                <a:prstGeom prst="line">
-                  <a:avLst/>
-                </a:prstGeom>
-                <a:ln w="12700">
-                  <a:solidFill>
-                    <a:schemeClr val="tx1"/>
-                  </a:solidFill>
-                </a:ln>
-                <a:effectLst>
-                  <a:outerShdw blurRad="40000" dist="20000" dir="5400000" rotWithShape="0">
-                    <a:schemeClr val="bg1">
-                      <a:alpha val="38000"/>
-                    </a:schemeClr>
-                  </a:outerShdw>
-                </a:effectLst>
-              </p:spPr>
-              <p:style>
-                <a:lnRef idx="2">
-                  <a:schemeClr val="accent1"/>
-                </a:lnRef>
-                <a:fillRef idx="0">
-                  <a:schemeClr val="accent1"/>
-                </a:fillRef>
-                <a:effectRef idx="1">
-                  <a:schemeClr val="accent1"/>
-                </a:effectRef>
-                <a:fontRef idx="minor">
-                  <a:schemeClr val="tx1"/>
-                </a:fontRef>
-              </p:style>
-            </p:cxnSp>
-            <p:sp>
-              <p:nvSpPr>
-                <p:cNvPr id="258" name="Oval 257"/>
-                <p:cNvSpPr/>
-                <p:nvPr/>
-              </p:nvSpPr>
-              <p:spPr>
-                <a:xfrm>
-                  <a:off x="934467" y="508435"/>
-                  <a:ext cx="131784" cy="131798"/>
-                </a:xfrm>
-                <a:prstGeom prst="ellipse">
-                  <a:avLst/>
-                </a:prstGeom>
-                <a:solidFill>
-                  <a:srgbClr val="FFFFFF"/>
-                </a:solidFill>
-                <a:ln>
-                  <a:solidFill>
-                    <a:srgbClr val="000000"/>
-                  </a:solidFill>
-                </a:ln>
-              </p:spPr>
-              <p:style>
-                <a:lnRef idx="1">
-                  <a:schemeClr val="accent1"/>
-                </a:lnRef>
-                <a:fillRef idx="3">
-                  <a:schemeClr val="accent1"/>
-                </a:fillRef>
-                <a:effectRef idx="2">
-                  <a:schemeClr val="accent1"/>
-                </a:effectRef>
-                <a:fontRef idx="minor">
-                  <a:schemeClr val="lt1"/>
-                </a:fontRef>
-              </p:style>
-              <p:txBody>
-                <a:bodyPr rtlCol="0" anchor="ctr"/>
-                <a:lstStyle/>
-                <a:p>
-                  <a:pPr algn="ctr"/>
-                  <a:endParaRPr lang="en-US"/>
                 </a:p>
               </p:txBody>
             </p:sp>
@@ -5226,39 +5112,6 @@
           </p:grpSp>
           <p:sp>
             <p:nvSpPr>
-              <p:cNvPr id="265" name="TextBox 264"/>
-              <p:cNvSpPr txBox="1"/>
-              <p:nvPr/>
-            </p:nvSpPr>
-            <p:spPr>
-              <a:xfrm>
-                <a:off x="2290753" y="376314"/>
-                <a:ext cx="1201308" cy="307777"/>
-              </a:xfrm>
-              <a:prstGeom prst="rect">
-                <a:avLst/>
-              </a:prstGeom>
-              <a:noFill/>
-            </p:spPr>
-            <p:txBody>
-              <a:bodyPr wrap="none" rtlCol="0">
-                <a:spAutoFit/>
-              </a:bodyPr>
-              <a:lstStyle/>
-              <a:p>
-                <a:r>
-                  <a:rPr lang="en-US" sz="1400"/>
-                  <a:t>s</a:t>
-                </a:r>
-                <a:r>
-                  <a:rPr lang="en-US" sz="1400"/>
-                  <a:t>tart_location</a:t>
-                </a:r>
-              </a:p>
-            </p:txBody>
-          </p:sp>
-          <p:sp>
-            <p:nvSpPr>
               <p:cNvPr id="266" name="TextBox 265"/>
               <p:cNvSpPr txBox="1"/>
               <p:nvPr/>
@@ -5281,11 +5134,7 @@
               <a:p>
                 <a:r>
                   <a:rPr lang="en-US" sz="1400"/>
-                  <a:t>e</a:t>
-                </a:r>
-                <a:r>
-                  <a:rPr lang="en-US" sz="1400"/>
-                  <a:t>mail_of_driver</a:t>
+                  <a:t>email_of_driver</a:t>
                 </a:r>
               </a:p>
             </p:txBody>
@@ -5784,40 +5633,7 @@
               <a:p>
                 <a:r>
                   <a:rPr lang="en-US" sz="1400"/>
-                  <a:t>s</a:t>
-                </a:r>
-                <a:r>
-                  <a:rPr lang="en-US" sz="1400"/>
-                  <a:t>elf_select</a:t>
-                </a:r>
-              </a:p>
-            </p:txBody>
-          </p:sp>
-          <p:sp>
-            <p:nvSpPr>
-              <p:cNvPr id="287" name="TextBox 286"/>
-              <p:cNvSpPr txBox="1"/>
-              <p:nvPr/>
-            </p:nvSpPr>
-            <p:spPr>
-              <a:xfrm>
-                <a:off x="2348048" y="539527"/>
-                <a:ext cx="1140206" cy="307777"/>
-              </a:xfrm>
-              <a:prstGeom prst="rect">
-                <a:avLst/>
-              </a:prstGeom>
-              <a:noFill/>
-            </p:spPr>
-            <p:txBody>
-              <a:bodyPr wrap="none" rtlCol="0">
-                <a:spAutoFit/>
-              </a:bodyPr>
-              <a:lstStyle/>
-              <a:p>
-                <a:r>
-                  <a:rPr lang="en-US" sz="1400"/>
-                  <a:t>end_location</a:t>
+                  <a:t>self_select</a:t>
                 </a:r>
               </a:p>
             </p:txBody>
@@ -5848,7 +5664,6 @@
                   <a:rPr lang="en-US" sz="1400"/>
                   <a:t>date_of_pickup</a:t>
                 </a:r>
-                <a:endParaRPr lang="en-US" sz="1400"/>
               </a:p>
             </p:txBody>
           </p:sp>
@@ -5878,7 +5693,6 @@
                   <a:rPr lang="en-US" sz="1400"/>
                   <a:t>time_of_pickup</a:t>
                 </a:r>
-                <a:endParaRPr lang="en-US" sz="1400"/>
               </a:p>
             </p:txBody>
           </p:sp>
@@ -5891,10 +5705,10 @@
           </p:nvGrpSpPr>
           <p:grpSpPr>
             <a:xfrm>
-              <a:off x="431423" y="2623383"/>
-              <a:ext cx="3229285" cy="1470189"/>
-              <a:chOff x="2411831" y="741665"/>
-              <a:chExt cx="3229285" cy="1470189"/>
+              <a:off x="431423" y="2595975"/>
+              <a:ext cx="3229285" cy="1497597"/>
+              <a:chOff x="2411831" y="714257"/>
+              <a:chExt cx="3229285" cy="1497597"/>
             </a:xfrm>
           </p:grpSpPr>
           <p:grpSp>
@@ -6026,7 +5840,6 @@
                   <a:rPr lang="en-US" sz="1400"/>
                   <a:t>price</a:t>
                 </a:r>
-                <a:endParaRPr lang="en-US" sz="1400"/>
               </a:p>
             </p:txBody>
           </p:sp>
@@ -6348,7 +6161,7 @@
             </p:nvSpPr>
             <p:spPr>
               <a:xfrm>
-                <a:off x="2411831" y="741665"/>
+                <a:off x="2411831" y="714257"/>
                 <a:ext cx="1995634" cy="307777"/>
               </a:xfrm>
               <a:prstGeom prst="rect">
@@ -6366,7 +6179,6 @@
                   <a:rPr lang="en-US" sz="1400"/>
                   <a:t>creation_date_and_time</a:t>
                 </a:r>
-                <a:endParaRPr lang="en-US" sz="1400"/>
               </a:p>
             </p:txBody>
           </p:sp>
@@ -6411,7 +6223,6 @@
                   <a:rPr lang="en-US" sz="1400"/>
                   <a:t>creation_date_and_time</a:t>
                 </a:r>
-                <a:endParaRPr lang="en-US" sz="1400"/>
               </a:p>
             </p:txBody>
           </p:sp>
@@ -6487,7 +6298,6 @@
                   <a:rPr lang="en-US"/>
                   <a:t>offer</a:t>
                 </a:r>
-                <a:endParaRPr lang="en-US"/>
               </a:p>
             </p:txBody>
           </p:sp>
@@ -6906,6 +6716,615 @@
           </p:txBody>
         </p:sp>
       </p:grpSp>
+      <p:grpSp>
+        <p:nvGrpSpPr>
+          <p:cNvPr id="2" name="Group 1"/>
+          <p:cNvGrpSpPr/>
+          <p:nvPr/>
+        </p:nvGrpSpPr>
+        <p:grpSpPr>
+          <a:xfrm>
+            <a:off x="2452970" y="6015171"/>
+            <a:ext cx="2761747" cy="687917"/>
+            <a:chOff x="5351706" y="387488"/>
+            <a:chExt cx="2761747" cy="687917"/>
+          </a:xfrm>
+        </p:grpSpPr>
+        <p:grpSp>
+          <p:nvGrpSpPr>
+            <p:cNvPr id="118" name="Group 117"/>
+            <p:cNvGrpSpPr/>
+            <p:nvPr/>
+          </p:nvGrpSpPr>
+          <p:grpSpPr>
+            <a:xfrm>
+              <a:off x="6515370" y="387488"/>
+              <a:ext cx="1598083" cy="687917"/>
+              <a:chOff x="3164417" y="772583"/>
+              <a:chExt cx="1598083" cy="687917"/>
+            </a:xfrm>
+          </p:grpSpPr>
+          <p:sp>
+            <p:nvSpPr>
+              <p:cNvPr id="119" name="Rectangle 118"/>
+              <p:cNvSpPr/>
+              <p:nvPr/>
+            </p:nvSpPr>
+            <p:spPr>
+              <a:xfrm>
+                <a:off x="3164417" y="772583"/>
+                <a:ext cx="1598083" cy="687917"/>
+              </a:xfrm>
+              <a:prstGeom prst="rect">
+                <a:avLst/>
+              </a:prstGeom>
+              <a:noFill/>
+              <a:ln>
+                <a:solidFill>
+                  <a:schemeClr val="tx1"/>
+                </a:solidFill>
+              </a:ln>
+            </p:spPr>
+            <p:style>
+              <a:lnRef idx="1">
+                <a:schemeClr val="accent1"/>
+              </a:lnRef>
+              <a:fillRef idx="3">
+                <a:schemeClr val="accent1"/>
+              </a:fillRef>
+              <a:effectRef idx="2">
+                <a:schemeClr val="accent1"/>
+              </a:effectRef>
+              <a:fontRef idx="minor">
+                <a:schemeClr val="lt1"/>
+              </a:fontRef>
+            </p:style>
+            <p:txBody>
+              <a:bodyPr rtlCol="0" anchor="ctr"/>
+              <a:lstStyle/>
+              <a:p>
+                <a:pPr algn="ctr"/>
+                <a:endParaRPr lang="en-US"/>
+              </a:p>
+            </p:txBody>
+          </p:sp>
+          <p:sp>
+            <p:nvSpPr>
+              <p:cNvPr id="120" name="TextBox 119"/>
+              <p:cNvSpPr txBox="1"/>
+              <p:nvPr/>
+            </p:nvSpPr>
+            <p:spPr>
+              <a:xfrm>
+                <a:off x="3443689" y="920751"/>
+                <a:ext cx="1031127" cy="369332"/>
+              </a:xfrm>
+              <a:prstGeom prst="rect">
+                <a:avLst/>
+              </a:prstGeom>
+              <a:noFill/>
+            </p:spPr>
+            <p:txBody>
+              <a:bodyPr wrap="none" rtlCol="0">
+                <a:spAutoFit/>
+              </a:bodyPr>
+              <a:lstStyle/>
+              <a:p>
+                <a:r>
+                  <a:rPr lang="en-US"/>
+                  <a:t>locations</a:t>
+                </a:r>
+              </a:p>
+            </p:txBody>
+          </p:sp>
+        </p:grpSp>
+        <p:grpSp>
+          <p:nvGrpSpPr>
+            <p:cNvPr id="121" name="Group 120"/>
+            <p:cNvGrpSpPr/>
+            <p:nvPr/>
+          </p:nvGrpSpPr>
+          <p:grpSpPr>
+            <a:xfrm>
+              <a:off x="6052836" y="698126"/>
+              <a:ext cx="462534" cy="131798"/>
+              <a:chOff x="934467" y="508435"/>
+              <a:chExt cx="462534" cy="131798"/>
+            </a:xfrm>
+          </p:grpSpPr>
+          <p:cxnSp>
+            <p:nvCxnSpPr>
+              <p:cNvPr id="122" name="Straight Connector 121"/>
+              <p:cNvCxnSpPr/>
+              <p:nvPr/>
+            </p:nvCxnSpPr>
+            <p:spPr>
+              <a:xfrm>
+                <a:off x="1066251" y="574334"/>
+                <a:ext cx="330750" cy="0"/>
+              </a:xfrm>
+              <a:prstGeom prst="line">
+                <a:avLst/>
+              </a:prstGeom>
+              <a:ln w="12700">
+                <a:solidFill>
+                  <a:schemeClr val="tx1"/>
+                </a:solidFill>
+              </a:ln>
+              <a:effectLst>
+                <a:outerShdw blurRad="40000" dist="20000" dir="5400000" rotWithShape="0">
+                  <a:schemeClr val="bg1">
+                    <a:alpha val="38000"/>
+                  </a:schemeClr>
+                </a:outerShdw>
+              </a:effectLst>
+            </p:spPr>
+            <p:style>
+              <a:lnRef idx="2">
+                <a:schemeClr val="accent1"/>
+              </a:lnRef>
+              <a:fillRef idx="0">
+                <a:schemeClr val="accent1"/>
+              </a:fillRef>
+              <a:effectRef idx="1">
+                <a:schemeClr val="accent1"/>
+              </a:effectRef>
+              <a:fontRef idx="minor">
+                <a:schemeClr val="tx1"/>
+              </a:fontRef>
+            </p:style>
+          </p:cxnSp>
+          <p:sp>
+            <p:nvSpPr>
+              <p:cNvPr id="123" name="Oval 122"/>
+              <p:cNvSpPr/>
+              <p:nvPr/>
+            </p:nvSpPr>
+            <p:spPr>
+              <a:xfrm>
+                <a:off x="934467" y="508435"/>
+                <a:ext cx="131784" cy="131798"/>
+              </a:xfrm>
+              <a:prstGeom prst="ellipse">
+                <a:avLst/>
+              </a:prstGeom>
+              <a:solidFill>
+                <a:schemeClr val="tx1"/>
+              </a:solidFill>
+              <a:ln>
+                <a:solidFill>
+                  <a:schemeClr val="tx1"/>
+                </a:solidFill>
+              </a:ln>
+            </p:spPr>
+            <p:style>
+              <a:lnRef idx="1">
+                <a:schemeClr val="accent1"/>
+              </a:lnRef>
+              <a:fillRef idx="3">
+                <a:schemeClr val="accent1"/>
+              </a:fillRef>
+              <a:effectRef idx="2">
+                <a:schemeClr val="accent1"/>
+              </a:effectRef>
+              <a:fontRef idx="minor">
+                <a:schemeClr val="lt1"/>
+              </a:fontRef>
+            </p:style>
+            <p:txBody>
+              <a:bodyPr rtlCol="0" anchor="ctr"/>
+              <a:lstStyle/>
+              <a:p>
+                <a:pPr algn="ctr"/>
+                <a:endParaRPr lang="en-US"/>
+              </a:p>
+            </p:txBody>
+          </p:sp>
+        </p:grpSp>
+        <p:sp>
+          <p:nvSpPr>
+            <p:cNvPr id="124" name="TextBox 123"/>
+            <p:cNvSpPr txBox="1"/>
+            <p:nvPr/>
+          </p:nvSpPr>
+          <p:spPr>
+            <a:xfrm>
+              <a:off x="5351706" y="587141"/>
+              <a:ext cx="702550" cy="307777"/>
+            </a:xfrm>
+            <a:prstGeom prst="rect">
+              <a:avLst/>
+            </a:prstGeom>
+            <a:noFill/>
+          </p:spPr>
+          <p:txBody>
+            <a:bodyPr wrap="none" rtlCol="0">
+              <a:spAutoFit/>
+            </a:bodyPr>
+            <a:lstStyle/>
+            <a:p>
+              <a:r>
+                <a:rPr lang="en-US" sz="1400"/>
+                <a:t>location</a:t>
+              </a:r>
+            </a:p>
+          </p:txBody>
+        </p:sp>
+      </p:grpSp>
+      <p:grpSp>
+        <p:nvGrpSpPr>
+          <p:cNvPr id="3" name="Group 2"/>
+          <p:cNvGrpSpPr/>
+          <p:nvPr/>
+        </p:nvGrpSpPr>
+        <p:grpSpPr>
+          <a:xfrm>
+            <a:off x="4547313" y="5079831"/>
+            <a:ext cx="868980" cy="623419"/>
+            <a:chOff x="4529039" y="5134647"/>
+            <a:chExt cx="868980" cy="623419"/>
+          </a:xfrm>
+        </p:grpSpPr>
+        <p:sp>
+          <p:nvSpPr>
+            <p:cNvPr id="128" name="Diamond 127"/>
+            <p:cNvSpPr/>
+            <p:nvPr/>
+          </p:nvSpPr>
+          <p:spPr>
+            <a:xfrm>
+              <a:off x="4529039" y="5134647"/>
+              <a:ext cx="868980" cy="623419"/>
+            </a:xfrm>
+            <a:prstGeom prst="diamond">
+              <a:avLst/>
+            </a:prstGeom>
+            <a:solidFill>
+              <a:schemeClr val="bg1"/>
+            </a:solidFill>
+            <a:ln>
+              <a:solidFill>
+                <a:srgbClr val="000000"/>
+              </a:solidFill>
+            </a:ln>
+          </p:spPr>
+          <p:style>
+            <a:lnRef idx="1">
+              <a:schemeClr val="accent1"/>
+            </a:lnRef>
+            <a:fillRef idx="3">
+              <a:schemeClr val="accent1"/>
+            </a:fillRef>
+            <a:effectRef idx="2">
+              <a:schemeClr val="accent1"/>
+            </a:effectRef>
+            <a:fontRef idx="minor">
+              <a:schemeClr val="lt1"/>
+            </a:fontRef>
+          </p:style>
+          <p:txBody>
+            <a:bodyPr rtlCol="0" anchor="ctr"/>
+            <a:lstStyle/>
+            <a:p>
+              <a:pPr algn="ctr"/>
+              <a:endParaRPr lang="en-US"/>
+            </a:p>
+          </p:txBody>
+        </p:sp>
+        <p:sp>
+          <p:nvSpPr>
+            <p:cNvPr id="129" name="TextBox 128"/>
+            <p:cNvSpPr txBox="1"/>
+            <p:nvPr/>
+          </p:nvSpPr>
+          <p:spPr>
+            <a:xfrm>
+              <a:off x="4649445" y="5279837"/>
+              <a:ext cx="649374" cy="307777"/>
+            </a:xfrm>
+            <a:prstGeom prst="rect">
+              <a:avLst/>
+            </a:prstGeom>
+            <a:noFill/>
+          </p:spPr>
+          <p:txBody>
+            <a:bodyPr wrap="none" rtlCol="0">
+              <a:spAutoFit/>
+            </a:bodyPr>
+            <a:lstStyle/>
+            <a:p>
+              <a:r>
+                <a:rPr lang="en-US" sz="1400"/>
+                <a:t>end at</a:t>
+              </a:r>
+            </a:p>
+          </p:txBody>
+        </p:sp>
+      </p:grpSp>
+      <p:cxnSp>
+        <p:nvCxnSpPr>
+          <p:cNvPr id="133" name="Straight Connector 132"/>
+          <p:cNvCxnSpPr/>
+          <p:nvPr/>
+        </p:nvCxnSpPr>
+        <p:spPr>
+          <a:xfrm>
+            <a:off x="4983269" y="4759874"/>
+            <a:ext cx="0" cy="329184"/>
+          </a:xfrm>
+          <a:prstGeom prst="line">
+            <a:avLst/>
+          </a:prstGeom>
+          <a:ln w="12700">
+            <a:solidFill>
+              <a:srgbClr val="000000"/>
+            </a:solidFill>
+          </a:ln>
+          <a:effectLst>
+            <a:outerShdw blurRad="40000" dist="20000" dir="5400000" rotWithShape="0">
+              <a:schemeClr val="bg1">
+                <a:alpha val="38000"/>
+              </a:schemeClr>
+            </a:outerShdw>
+          </a:effectLst>
+        </p:spPr>
+        <p:style>
+          <a:lnRef idx="2">
+            <a:schemeClr val="accent1"/>
+          </a:lnRef>
+          <a:fillRef idx="0">
+            <a:schemeClr val="accent1"/>
+          </a:fillRef>
+          <a:effectRef idx="1">
+            <a:schemeClr val="accent1"/>
+          </a:effectRef>
+          <a:fontRef idx="minor">
+            <a:schemeClr val="tx1"/>
+          </a:fontRef>
+        </p:style>
+      </p:cxnSp>
+      <p:cxnSp>
+        <p:nvCxnSpPr>
+          <p:cNvPr id="134" name="Straight Connector 133"/>
+          <p:cNvCxnSpPr/>
+          <p:nvPr/>
+        </p:nvCxnSpPr>
+        <p:spPr>
+          <a:xfrm>
+            <a:off x="3812771" y="4772126"/>
+            <a:ext cx="0" cy="329184"/>
+          </a:xfrm>
+          <a:prstGeom prst="line">
+            <a:avLst/>
+          </a:prstGeom>
+          <a:ln w="12700">
+            <a:solidFill>
+              <a:srgbClr val="000000"/>
+            </a:solidFill>
+          </a:ln>
+          <a:effectLst>
+            <a:outerShdw blurRad="40000" dist="20000" dir="5400000" rotWithShape="0">
+              <a:schemeClr val="bg1">
+                <a:alpha val="38000"/>
+              </a:schemeClr>
+            </a:outerShdw>
+          </a:effectLst>
+        </p:spPr>
+        <p:style>
+          <a:lnRef idx="2">
+            <a:schemeClr val="accent1"/>
+          </a:lnRef>
+          <a:fillRef idx="0">
+            <a:schemeClr val="accent1"/>
+          </a:fillRef>
+          <a:effectRef idx="1">
+            <a:schemeClr val="accent1"/>
+          </a:effectRef>
+          <a:fontRef idx="minor">
+            <a:schemeClr val="tx1"/>
+          </a:fontRef>
+        </p:style>
+      </p:cxnSp>
+      <p:cxnSp>
+        <p:nvCxnSpPr>
+          <p:cNvPr id="135" name="Straight Connector 134"/>
+          <p:cNvCxnSpPr/>
+          <p:nvPr/>
+        </p:nvCxnSpPr>
+        <p:spPr>
+          <a:xfrm>
+            <a:off x="3812771" y="5694111"/>
+            <a:ext cx="0" cy="329184"/>
+          </a:xfrm>
+          <a:prstGeom prst="line">
+            <a:avLst/>
+          </a:prstGeom>
+          <a:ln w="12700">
+            <a:solidFill>
+              <a:srgbClr val="000000"/>
+            </a:solidFill>
+          </a:ln>
+          <a:effectLst>
+            <a:outerShdw blurRad="40000" dist="20000" dir="5400000" rotWithShape="0">
+              <a:schemeClr val="bg1">
+                <a:alpha val="38000"/>
+              </a:schemeClr>
+            </a:outerShdw>
+          </a:effectLst>
+        </p:spPr>
+        <p:style>
+          <a:lnRef idx="2">
+            <a:schemeClr val="accent1"/>
+          </a:lnRef>
+          <a:fillRef idx="0">
+            <a:schemeClr val="accent1"/>
+          </a:fillRef>
+          <a:effectRef idx="1">
+            <a:schemeClr val="accent1"/>
+          </a:effectRef>
+          <a:fontRef idx="minor">
+            <a:schemeClr val="tx1"/>
+          </a:fontRef>
+        </p:style>
+      </p:cxnSp>
+      <p:cxnSp>
+        <p:nvCxnSpPr>
+          <p:cNvPr id="136" name="Straight Connector 135"/>
+          <p:cNvCxnSpPr/>
+          <p:nvPr/>
+        </p:nvCxnSpPr>
+        <p:spPr>
+          <a:xfrm>
+            <a:off x="4977999" y="5694111"/>
+            <a:ext cx="0" cy="329184"/>
+          </a:xfrm>
+          <a:prstGeom prst="line">
+            <a:avLst/>
+          </a:prstGeom>
+          <a:ln w="12700">
+            <a:solidFill>
+              <a:srgbClr val="000000"/>
+            </a:solidFill>
+          </a:ln>
+          <a:effectLst>
+            <a:outerShdw blurRad="40000" dist="20000" dir="5400000" rotWithShape="0">
+              <a:schemeClr val="bg1">
+                <a:alpha val="38000"/>
+              </a:schemeClr>
+            </a:outerShdw>
+          </a:effectLst>
+        </p:spPr>
+        <p:style>
+          <a:lnRef idx="2">
+            <a:schemeClr val="accent1"/>
+          </a:lnRef>
+          <a:fillRef idx="0">
+            <a:schemeClr val="accent1"/>
+          </a:fillRef>
+          <a:effectRef idx="1">
+            <a:schemeClr val="accent1"/>
+          </a:effectRef>
+          <a:fontRef idx="minor">
+            <a:schemeClr val="tx1"/>
+          </a:fontRef>
+        </p:style>
+      </p:cxnSp>
+      <p:sp>
+        <p:nvSpPr>
+          <p:cNvPr id="137" name="TextBox 136"/>
+          <p:cNvSpPr txBox="1"/>
+          <p:nvPr/>
+        </p:nvSpPr>
+        <p:spPr>
+          <a:xfrm>
+            <a:off x="4930524" y="4747853"/>
+            <a:ext cx="507170" cy="276999"/>
+          </a:xfrm>
+          <a:prstGeom prst="rect">
+            <a:avLst/>
+          </a:prstGeom>
+          <a:noFill/>
+        </p:spPr>
+        <p:txBody>
+          <a:bodyPr wrap="none" rtlCol="0">
+            <a:spAutoFit/>
+          </a:bodyPr>
+          <a:lstStyle/>
+          <a:p>
+            <a:r>
+              <a:rPr lang="en-US" sz="1200"/>
+              <a:t>(1, 1)</a:t>
+            </a:r>
+          </a:p>
+        </p:txBody>
+      </p:sp>
+      <p:sp>
+        <p:nvSpPr>
+          <p:cNvPr id="138" name="TextBox 137"/>
+          <p:cNvSpPr txBox="1"/>
+          <p:nvPr/>
+        </p:nvSpPr>
+        <p:spPr>
+          <a:xfrm>
+            <a:off x="3319519" y="5755432"/>
+            <a:ext cx="552104" cy="276999"/>
+          </a:xfrm>
+          <a:prstGeom prst="rect">
+            <a:avLst/>
+          </a:prstGeom>
+          <a:noFill/>
+        </p:spPr>
+        <p:txBody>
+          <a:bodyPr wrap="none" rtlCol="0">
+            <a:spAutoFit/>
+          </a:bodyPr>
+          <a:lstStyle/>
+          <a:p>
+            <a:r>
+              <a:rPr lang="en-US" sz="1200"/>
+              <a:t>(0, m)</a:t>
+            </a:r>
+          </a:p>
+        </p:txBody>
+      </p:sp>
+      <p:sp>
+        <p:nvSpPr>
+          <p:cNvPr id="139" name="TextBox 138"/>
+          <p:cNvSpPr txBox="1"/>
+          <p:nvPr/>
+        </p:nvSpPr>
+        <p:spPr>
+          <a:xfrm>
+            <a:off x="4933721" y="5738172"/>
+            <a:ext cx="552104" cy="276999"/>
+          </a:xfrm>
+          <a:prstGeom prst="rect">
+            <a:avLst/>
+          </a:prstGeom>
+          <a:noFill/>
+        </p:spPr>
+        <p:txBody>
+          <a:bodyPr wrap="none" rtlCol="0">
+            <a:spAutoFit/>
+          </a:bodyPr>
+          <a:lstStyle/>
+          <a:p>
+            <a:r>
+              <a:rPr lang="en-US" sz="1200"/>
+              <a:t>(0, m)</a:t>
+            </a:r>
+          </a:p>
+        </p:txBody>
+      </p:sp>
+      <p:sp>
+        <p:nvSpPr>
+          <p:cNvPr id="140" name="TextBox 139"/>
+          <p:cNvSpPr txBox="1"/>
+          <p:nvPr/>
+        </p:nvSpPr>
+        <p:spPr>
+          <a:xfrm>
+            <a:off x="3358386" y="4763896"/>
+            <a:ext cx="507170" cy="276999"/>
+          </a:xfrm>
+          <a:prstGeom prst="rect">
+            <a:avLst/>
+          </a:prstGeom>
+          <a:noFill/>
+        </p:spPr>
+        <p:txBody>
+          <a:bodyPr wrap="none" rtlCol="0">
+            <a:spAutoFit/>
+          </a:bodyPr>
+          <a:lstStyle/>
+          <a:p>
+            <a:r>
+              <a:rPr lang="en-US" sz="1200"/>
+              <a:t>(1, 1)</a:t>
+            </a:r>
+          </a:p>
+        </p:txBody>
+      </p:sp>
     </p:spTree>
     <p:extLst>
       <p:ext uri="{BB962C8B-B14F-4D97-AF65-F5344CB8AC3E}">
@@ -7460,11 +7879,7 @@
           <a:p>
             <a:r>
               <a:rPr lang="en-US" sz="1400"/>
-              <a:t>s</a:t>
-            </a:r>
-            <a:r>
-              <a:rPr lang="en-US" sz="1400"/>
-              <a:t>tart_location</a:t>
+              <a:t>start_location</a:t>
             </a:r>
           </a:p>
         </p:txBody>
@@ -7493,11 +7908,7 @@
           <a:p>
             <a:r>
               <a:rPr lang="en-US" sz="1400"/>
-              <a:t>e</a:t>
-            </a:r>
-            <a:r>
-              <a:rPr lang="en-US" sz="1400"/>
-              <a:t>mail_of_driver</a:t>
+              <a:t>email_of_driver</a:t>
             </a:r>
           </a:p>
         </p:txBody>
@@ -7996,11 +8407,7 @@
           <a:p>
             <a:r>
               <a:rPr lang="en-US" sz="1400"/>
-              <a:t>s</a:t>
-            </a:r>
-            <a:r>
-              <a:rPr lang="en-US" sz="1400"/>
-              <a:t>elf_select</a:t>
+              <a:t>self_select</a:t>
             </a:r>
           </a:p>
         </p:txBody>
@@ -8060,7 +8467,6 @@
               <a:rPr lang="en-US" sz="1400"/>
               <a:t>date_of_pickup</a:t>
             </a:r>
-            <a:endParaRPr lang="en-US" sz="1400"/>
           </a:p>
         </p:txBody>
       </p:sp>
@@ -8090,7 +8496,6 @@
               <a:rPr lang="en-US" sz="1400"/>
               <a:t>time_of_pickup</a:t>
             </a:r>
-            <a:endParaRPr lang="en-US" sz="1400"/>
           </a:p>
         </p:txBody>
       </p:sp>
@@ -8253,7 +8658,6 @@
               <a:rPr lang="en-US" sz="1400"/>
               <a:t>price</a:t>
             </a:r>
-            <a:endParaRPr lang="en-US" sz="1400"/>
           </a:p>
         </p:txBody>
       </p:sp>
@@ -8593,7 +8997,6 @@
               <a:rPr lang="en-US" sz="1400"/>
               <a:t>creation_date_and_time</a:t>
             </a:r>
-            <a:endParaRPr lang="en-US" sz="1400"/>
           </a:p>
         </p:txBody>
       </p:sp>
@@ -8629,44 +9032,14 @@
       </p:grpSpPr>
       <p:sp>
         <p:nvSpPr>
-          <p:cNvPr id="7" name="TextBox 6"/>
-          <p:cNvSpPr txBox="1"/>
-          <p:nvPr/>
-        </p:nvSpPr>
-        <p:spPr>
-          <a:xfrm>
-            <a:off x="5093082" y="896795"/>
-            <a:ext cx="1995634" cy="307777"/>
-          </a:xfrm>
-          <a:prstGeom prst="rect">
-            <a:avLst/>
-          </a:prstGeom>
-          <a:noFill/>
-        </p:spPr>
-        <p:txBody>
-          <a:bodyPr wrap="none" rtlCol="0">
-            <a:spAutoFit/>
-          </a:bodyPr>
-          <a:lstStyle/>
-          <a:p>
-            <a:r>
-              <a:rPr lang="en-US" sz="1400"/>
-              <a:t>creation_date_and_time</a:t>
-            </a:r>
-            <a:endParaRPr lang="en-US" sz="1400"/>
-          </a:p>
-        </p:txBody>
-      </p:sp>
-      <p:sp>
-        <p:nvSpPr>
           <p:cNvPr id="13" name="Diamond 12"/>
           <p:cNvSpPr/>
           <p:nvPr/>
         </p:nvSpPr>
         <p:spPr>
           <a:xfrm>
-            <a:off x="3705163" y="1050684"/>
-            <a:ext cx="1534111" cy="1096366"/>
+            <a:off x="3705163" y="1818141"/>
+            <a:ext cx="1064428" cy="813139"/>
           </a:xfrm>
           <a:prstGeom prst="diamond">
             <a:avLst/>
@@ -8705,14 +9078,14 @@
       </p:sp>
       <p:sp>
         <p:nvSpPr>
-          <p:cNvPr id="14" name="TextBox 13"/>
+          <p:cNvPr id="2" name="TextBox 1"/>
           <p:cNvSpPr txBox="1"/>
           <p:nvPr/>
         </p:nvSpPr>
         <p:spPr>
           <a:xfrm>
-            <a:off x="4165216" y="1391233"/>
-            <a:ext cx="642611" cy="369332"/>
+            <a:off x="3782779" y="2046549"/>
+            <a:ext cx="919818" cy="307777"/>
           </a:xfrm>
           <a:prstGeom prst="rect">
             <a:avLst/>
@@ -8726,37 +9099,229 @@
           <a:lstStyle/>
           <a:p>
             <a:r>
-              <a:rPr lang="en-US"/>
-              <a:t>offer</a:t>
+              <a:rPr lang="en-US" sz="1400"/>
+              <a:t>start from</a:t>
             </a:r>
-            <a:endParaRPr lang="en-US"/>
           </a:p>
         </p:txBody>
       </p:sp>
+      <p:sp>
+        <p:nvSpPr>
+          <p:cNvPr id="9" name="Diamond 8"/>
+          <p:cNvSpPr/>
+          <p:nvPr/>
+        </p:nvSpPr>
+        <p:spPr>
+          <a:xfrm>
+            <a:off x="5730678" y="1718078"/>
+            <a:ext cx="1064428" cy="813139"/>
+          </a:xfrm>
+          <a:prstGeom prst="diamond">
+            <a:avLst/>
+          </a:prstGeom>
+          <a:solidFill>
+            <a:schemeClr val="bg1"/>
+          </a:solidFill>
+          <a:ln>
+            <a:solidFill>
+              <a:srgbClr val="000000"/>
+            </a:solidFill>
+          </a:ln>
+        </p:spPr>
+        <p:style>
+          <a:lnRef idx="1">
+            <a:schemeClr val="accent1"/>
+          </a:lnRef>
+          <a:fillRef idx="3">
+            <a:schemeClr val="accent1"/>
+          </a:fillRef>
+          <a:effectRef idx="2">
+            <a:schemeClr val="accent1"/>
+          </a:effectRef>
+          <a:fontRef idx="minor">
+            <a:schemeClr val="lt1"/>
+          </a:fontRef>
+        </p:style>
+        <p:txBody>
+          <a:bodyPr rtlCol="0" anchor="ctr"/>
+          <a:lstStyle/>
+          <a:p>
+            <a:pPr algn="ctr"/>
+            <a:endParaRPr lang="en-US"/>
+          </a:p>
+        </p:txBody>
+      </p:sp>
+      <p:sp>
+        <p:nvSpPr>
+          <p:cNvPr id="10" name="TextBox 9"/>
+          <p:cNvSpPr txBox="1"/>
+          <p:nvPr/>
+        </p:nvSpPr>
+        <p:spPr>
+          <a:xfrm>
+            <a:off x="5945349" y="1955622"/>
+            <a:ext cx="649374" cy="307777"/>
+          </a:xfrm>
+          <a:prstGeom prst="rect">
+            <a:avLst/>
+          </a:prstGeom>
+          <a:noFill/>
+        </p:spPr>
+        <p:txBody>
+          <a:bodyPr wrap="none" rtlCol="0">
+            <a:spAutoFit/>
+          </a:bodyPr>
+          <a:lstStyle/>
+          <a:p>
+            <a:r>
+              <a:rPr lang="en-US" sz="1400"/>
+              <a:t>end at</a:t>
+            </a:r>
+          </a:p>
+        </p:txBody>
+      </p:sp>
+    </p:spTree>
+    <p:extLst>
+      <p:ext uri="{BB962C8B-B14F-4D97-AF65-F5344CB8AC3E}">
+        <p14:creationId xmlns:p14="http://schemas.microsoft.com/office/powerpoint/2010/main" val="1504362117"/>
+      </p:ext>
+    </p:extLst>
+  </p:cSld>
+  <p:clrMapOvr>
+    <a:masterClrMapping/>
+  </p:clrMapOvr>
+</p:sld>
+</file>
+
+<file path=ppt/slides/slide5.xml><?xml version="1.0" encoding="utf-8"?>
+<p:sld xmlns:a="http://schemas.openxmlformats.org/drawingml/2006/main" xmlns:r="http://schemas.openxmlformats.org/officeDocument/2006/relationships" xmlns:p="http://schemas.openxmlformats.org/presentationml/2006/main">
+  <p:cSld>
+    <p:spTree>
+      <p:nvGrpSpPr>
+        <p:cNvPr id="1" name=""/>
+        <p:cNvGrpSpPr/>
+        <p:nvPr/>
+      </p:nvGrpSpPr>
+      <p:grpSpPr>
+        <a:xfrm>
+          <a:off x="0" y="0"/>
+          <a:ext cx="0" cy="0"/>
+          <a:chOff x="0" y="0"/>
+          <a:chExt cx="0" cy="0"/>
+        </a:xfrm>
+      </p:grpSpPr>
       <p:grpSp>
         <p:nvGrpSpPr>
-          <p:cNvPr id="22" name="Group 21"/>
+          <p:cNvPr id="4" name="Group 3"/>
           <p:cNvGrpSpPr/>
           <p:nvPr/>
         </p:nvGrpSpPr>
         <p:grpSpPr>
-          <a:xfrm rot="5073274">
-            <a:off x="4849574" y="999628"/>
-            <a:ext cx="256767" cy="319104"/>
-            <a:chOff x="3872622" y="2854611"/>
-            <a:chExt cx="256767" cy="319104"/>
+          <a:xfrm>
+            <a:off x="3905251" y="484211"/>
+            <a:ext cx="1598083" cy="687917"/>
+            <a:chOff x="3164417" y="772583"/>
+            <a:chExt cx="1598083" cy="687917"/>
+          </a:xfrm>
+        </p:grpSpPr>
+        <p:sp>
+          <p:nvSpPr>
+            <p:cNvPr id="5" name="Rectangle 4"/>
+            <p:cNvSpPr/>
+            <p:nvPr/>
+          </p:nvSpPr>
+          <p:spPr>
+            <a:xfrm>
+              <a:off x="3164417" y="772583"/>
+              <a:ext cx="1598083" cy="687917"/>
+            </a:xfrm>
+            <a:prstGeom prst="rect">
+              <a:avLst/>
+            </a:prstGeom>
+            <a:noFill/>
+            <a:ln>
+              <a:solidFill>
+                <a:schemeClr val="tx1"/>
+              </a:solidFill>
+            </a:ln>
+          </p:spPr>
+          <p:style>
+            <a:lnRef idx="1">
+              <a:schemeClr val="accent1"/>
+            </a:lnRef>
+            <a:fillRef idx="3">
+              <a:schemeClr val="accent1"/>
+            </a:fillRef>
+            <a:effectRef idx="2">
+              <a:schemeClr val="accent1"/>
+            </a:effectRef>
+            <a:fontRef idx="minor">
+              <a:schemeClr val="lt1"/>
+            </a:fontRef>
+          </p:style>
+          <p:txBody>
+            <a:bodyPr rtlCol="0" anchor="ctr"/>
+            <a:lstStyle/>
+            <a:p>
+              <a:pPr algn="ctr"/>
+              <a:endParaRPr lang="en-US"/>
+            </a:p>
+          </p:txBody>
+        </p:sp>
+        <p:sp>
+          <p:nvSpPr>
+            <p:cNvPr id="6" name="TextBox 5"/>
+            <p:cNvSpPr txBox="1"/>
+            <p:nvPr/>
+          </p:nvSpPr>
+          <p:spPr>
+            <a:xfrm>
+              <a:off x="3443689" y="920751"/>
+              <a:ext cx="1031127" cy="369332"/>
+            </a:xfrm>
+            <a:prstGeom prst="rect">
+              <a:avLst/>
+            </a:prstGeom>
+            <a:noFill/>
+          </p:spPr>
+          <p:txBody>
+            <a:bodyPr wrap="none" rtlCol="0">
+              <a:spAutoFit/>
+            </a:bodyPr>
+            <a:lstStyle/>
+            <a:p>
+              <a:r>
+                <a:rPr lang="en-US"/>
+                <a:t>locations</a:t>
+              </a:r>
+            </a:p>
+          </p:txBody>
+        </p:sp>
+      </p:grpSp>
+      <p:grpSp>
+        <p:nvGrpSpPr>
+          <p:cNvPr id="7" name="Group 6"/>
+          <p:cNvGrpSpPr/>
+          <p:nvPr/>
+        </p:nvGrpSpPr>
+        <p:grpSpPr>
+          <a:xfrm>
+            <a:off x="3442717" y="794849"/>
+            <a:ext cx="462534" cy="131798"/>
+            <a:chOff x="934467" y="508435"/>
+            <a:chExt cx="462534" cy="131798"/>
           </a:xfrm>
         </p:grpSpPr>
         <p:cxnSp>
           <p:nvCxnSpPr>
-            <p:cNvPr id="23" name="Straight Connector 22"/>
+            <p:cNvPr id="8" name="Straight Connector 7"/>
             <p:cNvCxnSpPr/>
             <p:nvPr/>
           </p:nvCxnSpPr>
           <p:spPr>
             <a:xfrm>
-              <a:off x="3972683" y="2957948"/>
-              <a:ext cx="156706" cy="215767"/>
+              <a:off x="1066251" y="574334"/>
+              <a:ext cx="330750" cy="0"/>
             </a:xfrm>
             <a:prstGeom prst="line">
               <a:avLst/>
@@ -8791,24 +9356,24 @@
         </p:cxnSp>
         <p:sp>
           <p:nvSpPr>
-            <p:cNvPr id="24" name="Oval 23"/>
+            <p:cNvPr id="9" name="Oval 8"/>
             <p:cNvSpPr/>
             <p:nvPr/>
           </p:nvSpPr>
           <p:spPr>
-            <a:xfrm rot="3062628">
-              <a:off x="3872629" y="2854604"/>
+            <a:xfrm>
+              <a:off x="934467" y="508435"/>
               <a:ext cx="131784" cy="131798"/>
             </a:xfrm>
             <a:prstGeom prst="ellipse">
               <a:avLst/>
             </a:prstGeom>
             <a:solidFill>
-              <a:srgbClr val="FFFFFF"/>
+              <a:schemeClr val="tx1"/>
             </a:solidFill>
             <a:ln>
               <a:solidFill>
-                <a:srgbClr val="000000"/>
+                <a:schemeClr val="tx1"/>
               </a:solidFill>
             </a:ln>
           </p:spPr>
@@ -8836,10 +9401,107 @@
           </p:txBody>
         </p:sp>
       </p:grpSp>
+      <p:sp>
+        <p:nvSpPr>
+          <p:cNvPr id="19" name="TextBox 18"/>
+          <p:cNvSpPr txBox="1"/>
+          <p:nvPr/>
+        </p:nvSpPr>
+        <p:spPr>
+          <a:xfrm>
+            <a:off x="2741587" y="683864"/>
+            <a:ext cx="702550" cy="307777"/>
+          </a:xfrm>
+          <a:prstGeom prst="rect">
+            <a:avLst/>
+          </a:prstGeom>
+          <a:noFill/>
+        </p:spPr>
+        <p:txBody>
+          <a:bodyPr wrap="none" rtlCol="0">
+            <a:spAutoFit/>
+          </a:bodyPr>
+          <a:lstStyle/>
+          <a:p>
+            <a:r>
+              <a:rPr lang="en-US" sz="1400"/>
+              <a:t>location</a:t>
+            </a:r>
+          </a:p>
+        </p:txBody>
+      </p:sp>
     </p:spTree>
     <p:extLst>
       <p:ext uri="{BB962C8B-B14F-4D97-AF65-F5344CB8AC3E}">
-        <p14:creationId xmlns:p14="http://schemas.microsoft.com/office/powerpoint/2010/main" val="1504362117"/>
+        <p14:creationId xmlns:p14="http://schemas.microsoft.com/office/powerpoint/2010/main" val="1175387684"/>
+      </p:ext>
+    </p:extLst>
+  </p:cSld>
+  <p:clrMapOvr>
+    <a:masterClrMapping/>
+  </p:clrMapOvr>
+</p:sld>
+</file>
+
+<file path=ppt/slides/slide6.xml><?xml version="1.0" encoding="utf-8"?>
+<p:sld xmlns:a="http://schemas.openxmlformats.org/drawingml/2006/main" xmlns:r="http://schemas.openxmlformats.org/officeDocument/2006/relationships" xmlns:p="http://schemas.openxmlformats.org/presentationml/2006/main">
+  <p:cSld>
+    <p:spTree>
+      <p:nvGrpSpPr>
+        <p:cNvPr id="1" name=""/>
+        <p:cNvGrpSpPr/>
+        <p:nvPr/>
+      </p:nvGrpSpPr>
+      <p:grpSpPr>
+        <a:xfrm>
+          <a:off x="0" y="0"/>
+          <a:ext cx="0" cy="0"/>
+          <a:chOff x="0" y="0"/>
+          <a:chExt cx="0" cy="0"/>
+        </a:xfrm>
+      </p:grpSpPr>
+      <p:sp>
+        <p:nvSpPr>
+          <p:cNvPr id="2" name="Title 1"/>
+          <p:cNvSpPr>
+            <a:spLocks noGrp="1"/>
+          </p:cNvSpPr>
+          <p:nvPr>
+            <p:ph type="title"/>
+          </p:nvPr>
+        </p:nvSpPr>
+        <p:spPr/>
+        <p:txBody>
+          <a:bodyPr/>
+          <a:lstStyle/>
+          <a:p>
+            <a:endParaRPr lang="en-US"/>
+          </a:p>
+        </p:txBody>
+      </p:sp>
+      <p:sp>
+        <p:nvSpPr>
+          <p:cNvPr id="3" name="Content Placeholder 2"/>
+          <p:cNvSpPr>
+            <a:spLocks noGrp="1"/>
+          </p:cNvSpPr>
+          <p:nvPr>
+            <p:ph idx="1"/>
+          </p:nvPr>
+        </p:nvSpPr>
+        <p:spPr/>
+        <p:txBody>
+          <a:bodyPr/>
+          <a:lstStyle/>
+          <a:p>
+            <a:endParaRPr lang="en-US"/>
+          </a:p>
+        </p:txBody>
+      </p:sp>
+    </p:spTree>
+    <p:extLst>
+      <p:ext uri="{BB962C8B-B14F-4D97-AF65-F5344CB8AC3E}">
+        <p14:creationId xmlns:p14="http://schemas.microsoft.com/office/powerpoint/2010/main" val="2516515100"/>
       </p:ext>
     </p:extLst>
   </p:cSld>
